--- a/Presentaciones/Formación Desarrollo Web (CSS).pptx
+++ b/Presentaciones/Formación Desarrollo Web (CSS).pptx
@@ -231,7 +231,7 @@
           <a:p>
             <a:fld id="{47AF9C49-16DC-4B67-A5F1-A80AB5AD5C2F}" type="datetimeFigureOut">
               <a:rPr lang="es-ES" smtClean="0"/>
-              <a:t>27/03/2020</a:t>
+              <a:t>02/04/2020</a:t>
             </a:fld>
             <a:endParaRPr lang="es-ES"/>
           </a:p>
@@ -295,38 +295,37 @@
           <a:p>
             <a:pPr lvl="0"/>
             <a:r>
-              <a:rPr lang="es-ES" smtClean="0"/>
+              <a:rPr lang="es-ES"/>
               <a:t>Editar el estilo de texto del patrón</a:t>
             </a:r>
           </a:p>
           <a:p>
             <a:pPr lvl="1"/>
             <a:r>
-              <a:rPr lang="es-ES" smtClean="0"/>
+              <a:rPr lang="es-ES"/>
               <a:t>Segundo nivel</a:t>
             </a:r>
           </a:p>
           <a:p>
             <a:pPr lvl="2"/>
             <a:r>
-              <a:rPr lang="es-ES" smtClean="0"/>
+              <a:rPr lang="es-ES"/>
               <a:t>Tercer nivel</a:t>
             </a:r>
           </a:p>
           <a:p>
             <a:pPr lvl="3"/>
             <a:r>
-              <a:rPr lang="es-ES" smtClean="0"/>
+              <a:rPr lang="es-ES"/>
               <a:t>Cuarto nivel</a:t>
             </a:r>
           </a:p>
           <a:p>
             <a:pPr lvl="4"/>
             <a:r>
-              <a:rPr lang="es-ES" smtClean="0"/>
+              <a:rPr lang="es-ES"/>
               <a:t>Quinto nivel</a:t>
             </a:r>
-            <a:endParaRPr lang="es-ES"/>
           </a:p>
         </p:txBody>
       </p:sp>
@@ -390,7 +389,7 @@
           <a:p>
             <a:fld id="{70766E40-6ED1-433C-88E9-1C23504C4BE0}" type="slidenum">
               <a:rPr lang="es-ES" smtClean="0"/>
-              <a:t>‹Nº›</a:t>
+              <a:t>‹#›</a:t>
             </a:fld>
             <a:endParaRPr lang="es-ES"/>
           </a:p>
@@ -797,7 +796,7 @@
           </a:lstStyle>
           <a:p>
             <a:r>
-              <a:rPr lang="es-ES" smtClean="0"/>
+              <a:rPr lang="es-ES"/>
               <a:t>Haga clic para modificar el estilo de título del patrón</a:t>
             </a:r>
             <a:endParaRPr lang="en-US" dirty="0"/>
@@ -869,7 +868,7 @@
           </a:lstStyle>
           <a:p>
             <a:r>
-              <a:rPr lang="es-ES" smtClean="0"/>
+              <a:rPr lang="es-ES"/>
               <a:t>Haga clic para editar el estilo de subtítulo del patrón</a:t>
             </a:r>
             <a:endParaRPr lang="en-US" dirty="0"/>
@@ -893,7 +892,7 @@
           <a:p>
             <a:fld id="{232F3880-77D8-4D9E-BC7C-9E52EB9D8497}" type="datetimeFigureOut">
               <a:rPr lang="es-ES" smtClean="0"/>
-              <a:t>27/03/2020</a:t>
+              <a:t>02/04/2020</a:t>
             </a:fld>
             <a:endParaRPr lang="es-ES"/>
           </a:p>
@@ -935,7 +934,7 @@
           <a:p>
             <a:fld id="{59B9C06C-DD79-4D2F-A45E-A0520311644E}" type="slidenum">
               <a:rPr lang="es-ES" smtClean="0"/>
-              <a:t>‹Nº›</a:t>
+              <a:t>‹#›</a:t>
             </a:fld>
             <a:endParaRPr lang="es-ES"/>
           </a:p>
@@ -1025,7 +1024,7 @@
           <a:lstStyle/>
           <a:p>
             <a:r>
-              <a:rPr lang="es-ES" smtClean="0"/>
+              <a:rPr lang="es-ES"/>
               <a:t>Haga clic para modificar el estilo de título del patrón</a:t>
             </a:r>
             <a:endParaRPr lang="en-US" dirty="0"/>
@@ -1049,35 +1048,35 @@
           <a:p>
             <a:pPr lvl="0"/>
             <a:r>
-              <a:rPr lang="es-ES" smtClean="0"/>
+              <a:rPr lang="es-ES"/>
               <a:t>Editar el estilo de texto del patrón</a:t>
             </a:r>
           </a:p>
           <a:p>
             <a:pPr lvl="1"/>
             <a:r>
-              <a:rPr lang="es-ES" smtClean="0"/>
+              <a:rPr lang="es-ES"/>
               <a:t>Segundo nivel</a:t>
             </a:r>
           </a:p>
           <a:p>
             <a:pPr lvl="2"/>
             <a:r>
-              <a:rPr lang="es-ES" smtClean="0"/>
+              <a:rPr lang="es-ES"/>
               <a:t>Tercer nivel</a:t>
             </a:r>
           </a:p>
           <a:p>
             <a:pPr lvl="3"/>
             <a:r>
-              <a:rPr lang="es-ES" smtClean="0"/>
+              <a:rPr lang="es-ES"/>
               <a:t>Cuarto nivel</a:t>
             </a:r>
           </a:p>
           <a:p>
             <a:pPr lvl="4"/>
             <a:r>
-              <a:rPr lang="es-ES" smtClean="0"/>
+              <a:rPr lang="es-ES"/>
               <a:t>Quinto nivel</a:t>
             </a:r>
             <a:endParaRPr lang="en-US" dirty="0"/>
@@ -1101,7 +1100,7 @@
           <a:p>
             <a:fld id="{232F3880-77D8-4D9E-BC7C-9E52EB9D8497}" type="datetimeFigureOut">
               <a:rPr lang="es-ES" smtClean="0"/>
-              <a:t>27/03/2020</a:t>
+              <a:t>02/04/2020</a:t>
             </a:fld>
             <a:endParaRPr lang="es-ES"/>
           </a:p>
@@ -1143,7 +1142,7 @@
           <a:p>
             <a:fld id="{59B9C06C-DD79-4D2F-A45E-A0520311644E}" type="slidenum">
               <a:rPr lang="es-ES" smtClean="0"/>
-              <a:t>‹Nº›</a:t>
+              <a:t>‹#›</a:t>
             </a:fld>
             <a:endParaRPr lang="es-ES"/>
           </a:p>
@@ -1276,7 +1275,7 @@
           <a:lstStyle/>
           <a:p>
             <a:r>
-              <a:rPr lang="es-ES" smtClean="0"/>
+              <a:rPr lang="es-ES"/>
               <a:t>Haga clic para modificar el estilo de título del patrón</a:t>
             </a:r>
             <a:endParaRPr lang="en-US" dirty="0"/>
@@ -1305,35 +1304,35 @@
           <a:p>
             <a:pPr lvl="0"/>
             <a:r>
-              <a:rPr lang="es-ES" smtClean="0"/>
+              <a:rPr lang="es-ES"/>
               <a:t>Editar el estilo de texto del patrón</a:t>
             </a:r>
           </a:p>
           <a:p>
             <a:pPr lvl="1"/>
             <a:r>
-              <a:rPr lang="es-ES" smtClean="0"/>
+              <a:rPr lang="es-ES"/>
               <a:t>Segundo nivel</a:t>
             </a:r>
           </a:p>
           <a:p>
             <a:pPr lvl="2"/>
             <a:r>
-              <a:rPr lang="es-ES" smtClean="0"/>
+              <a:rPr lang="es-ES"/>
               <a:t>Tercer nivel</a:t>
             </a:r>
           </a:p>
           <a:p>
             <a:pPr lvl="3"/>
             <a:r>
-              <a:rPr lang="es-ES" smtClean="0"/>
+              <a:rPr lang="es-ES"/>
               <a:t>Cuarto nivel</a:t>
             </a:r>
           </a:p>
           <a:p>
             <a:pPr lvl="4"/>
             <a:r>
-              <a:rPr lang="es-ES" smtClean="0"/>
+              <a:rPr lang="es-ES"/>
               <a:t>Quinto nivel</a:t>
             </a:r>
             <a:endParaRPr lang="en-US" dirty="0"/>
@@ -1357,7 +1356,7 @@
           <a:p>
             <a:fld id="{232F3880-77D8-4D9E-BC7C-9E52EB9D8497}" type="datetimeFigureOut">
               <a:rPr lang="es-ES" smtClean="0"/>
-              <a:t>27/03/2020</a:t>
+              <a:t>02/04/2020</a:t>
             </a:fld>
             <a:endParaRPr lang="es-ES"/>
           </a:p>
@@ -1399,7 +1398,7 @@
           <a:p>
             <a:fld id="{59B9C06C-DD79-4D2F-A45E-A0520311644E}" type="slidenum">
               <a:rPr lang="es-ES" smtClean="0"/>
-              <a:t>‹Nº›</a:t>
+              <a:t>‹#›</a:t>
             </a:fld>
             <a:endParaRPr lang="es-ES"/>
           </a:p>
@@ -1455,7 +1454,7 @@
           </a:lstStyle>
           <a:p>
             <a:r>
-              <a:rPr lang="es-ES" smtClean="0"/>
+              <a:rPr lang="es-ES"/>
               <a:t>Haga clic para modificar el estilo de título del patrón</a:t>
             </a:r>
             <a:endParaRPr lang="en-US" dirty="0"/>
@@ -1479,35 +1478,35 @@
           <a:p>
             <a:pPr lvl="0"/>
             <a:r>
-              <a:rPr lang="es-ES" smtClean="0"/>
+              <a:rPr lang="es-ES"/>
               <a:t>Editar el estilo de texto del patrón</a:t>
             </a:r>
           </a:p>
           <a:p>
             <a:pPr lvl="1"/>
             <a:r>
-              <a:rPr lang="es-ES" smtClean="0"/>
+              <a:rPr lang="es-ES"/>
               <a:t>Segundo nivel</a:t>
             </a:r>
           </a:p>
           <a:p>
             <a:pPr lvl="2"/>
             <a:r>
-              <a:rPr lang="es-ES" smtClean="0"/>
+              <a:rPr lang="es-ES"/>
               <a:t>Tercer nivel</a:t>
             </a:r>
           </a:p>
           <a:p>
             <a:pPr lvl="3"/>
             <a:r>
-              <a:rPr lang="es-ES" smtClean="0"/>
+              <a:rPr lang="es-ES"/>
               <a:t>Cuarto nivel</a:t>
             </a:r>
           </a:p>
           <a:p>
             <a:pPr lvl="4"/>
             <a:r>
-              <a:rPr lang="es-ES" smtClean="0"/>
+              <a:rPr lang="es-ES"/>
               <a:t>Quinto nivel</a:t>
             </a:r>
             <a:endParaRPr lang="en-US" dirty="0"/>
@@ -1531,7 +1530,7 @@
           <a:p>
             <a:fld id="{232F3880-77D8-4D9E-BC7C-9E52EB9D8497}" type="datetimeFigureOut">
               <a:rPr lang="es-ES" smtClean="0"/>
-              <a:t>27/03/2020</a:t>
+              <a:t>02/04/2020</a:t>
             </a:fld>
             <a:endParaRPr lang="es-ES"/>
           </a:p>
@@ -1573,7 +1572,7 @@
           <a:p>
             <a:fld id="{59B9C06C-DD79-4D2F-A45E-A0520311644E}" type="slidenum">
               <a:rPr lang="es-ES" smtClean="0"/>
-              <a:t>‹Nº›</a:t>
+              <a:t>‹#›</a:t>
             </a:fld>
             <a:endParaRPr lang="es-ES"/>
           </a:p>
@@ -1730,7 +1729,7 @@
           </a:lstStyle>
           <a:p>
             <a:r>
-              <a:rPr lang="es-ES" smtClean="0"/>
+              <a:rPr lang="es-ES"/>
               <a:t>Haga clic para modificar el estilo de título del patrón</a:t>
             </a:r>
             <a:endParaRPr lang="en-US" dirty="0"/>
@@ -1851,7 +1850,7 @@
           <a:p>
             <a:pPr lvl="0"/>
             <a:r>
-              <a:rPr lang="es-ES" smtClean="0"/>
+              <a:rPr lang="es-ES"/>
               <a:t>Editar el estilo de texto del patrón</a:t>
             </a:r>
           </a:p>
@@ -1874,7 +1873,7 @@
           <a:p>
             <a:fld id="{232F3880-77D8-4D9E-BC7C-9E52EB9D8497}" type="datetimeFigureOut">
               <a:rPr lang="es-ES" smtClean="0"/>
-              <a:t>27/03/2020</a:t>
+              <a:t>02/04/2020</a:t>
             </a:fld>
             <a:endParaRPr lang="es-ES"/>
           </a:p>
@@ -1916,7 +1915,7 @@
           <a:p>
             <a:fld id="{59B9C06C-DD79-4D2F-A45E-A0520311644E}" type="slidenum">
               <a:rPr lang="es-ES" smtClean="0"/>
-              <a:t>‹Nº›</a:t>
+              <a:t>‹#›</a:t>
             </a:fld>
             <a:endParaRPr lang="es-ES"/>
           </a:p>
@@ -2011,7 +2010,7 @@
           <a:lstStyle/>
           <a:p>
             <a:r>
-              <a:rPr lang="es-ES" smtClean="0"/>
+              <a:rPr lang="es-ES"/>
               <a:t>Haga clic para modificar el estilo de título del patrón</a:t>
             </a:r>
             <a:endParaRPr lang="en-US" dirty="0"/>
@@ -2040,35 +2039,35 @@
           <a:p>
             <a:pPr lvl="0"/>
             <a:r>
-              <a:rPr lang="es-ES" smtClean="0"/>
+              <a:rPr lang="es-ES"/>
               <a:t>Editar el estilo de texto del patrón</a:t>
             </a:r>
           </a:p>
           <a:p>
             <a:pPr lvl="1"/>
             <a:r>
-              <a:rPr lang="es-ES" smtClean="0"/>
+              <a:rPr lang="es-ES"/>
               <a:t>Segundo nivel</a:t>
             </a:r>
           </a:p>
           <a:p>
             <a:pPr lvl="2"/>
             <a:r>
-              <a:rPr lang="es-ES" smtClean="0"/>
+              <a:rPr lang="es-ES"/>
               <a:t>Tercer nivel</a:t>
             </a:r>
           </a:p>
           <a:p>
             <a:pPr lvl="3"/>
             <a:r>
-              <a:rPr lang="es-ES" smtClean="0"/>
+              <a:rPr lang="es-ES"/>
               <a:t>Cuarto nivel</a:t>
             </a:r>
           </a:p>
           <a:p>
             <a:pPr lvl="4"/>
             <a:r>
-              <a:rPr lang="es-ES" smtClean="0"/>
+              <a:rPr lang="es-ES"/>
               <a:t>Quinto nivel</a:t>
             </a:r>
             <a:endParaRPr lang="en-US" dirty="0"/>
@@ -2097,35 +2096,35 @@
           <a:p>
             <a:pPr lvl="0"/>
             <a:r>
-              <a:rPr lang="es-ES" smtClean="0"/>
+              <a:rPr lang="es-ES"/>
               <a:t>Editar el estilo de texto del patrón</a:t>
             </a:r>
           </a:p>
           <a:p>
             <a:pPr lvl="1"/>
             <a:r>
-              <a:rPr lang="es-ES" smtClean="0"/>
+              <a:rPr lang="es-ES"/>
               <a:t>Segundo nivel</a:t>
             </a:r>
           </a:p>
           <a:p>
             <a:pPr lvl="2"/>
             <a:r>
-              <a:rPr lang="es-ES" smtClean="0"/>
+              <a:rPr lang="es-ES"/>
               <a:t>Tercer nivel</a:t>
             </a:r>
           </a:p>
           <a:p>
             <a:pPr lvl="3"/>
             <a:r>
-              <a:rPr lang="es-ES" smtClean="0"/>
+              <a:rPr lang="es-ES"/>
               <a:t>Cuarto nivel</a:t>
             </a:r>
           </a:p>
           <a:p>
             <a:pPr lvl="4"/>
             <a:r>
-              <a:rPr lang="es-ES" smtClean="0"/>
+              <a:rPr lang="es-ES"/>
               <a:t>Quinto nivel</a:t>
             </a:r>
             <a:endParaRPr lang="en-US" dirty="0"/>
@@ -2149,7 +2148,7 @@
           <a:p>
             <a:fld id="{232F3880-77D8-4D9E-BC7C-9E52EB9D8497}" type="datetimeFigureOut">
               <a:rPr lang="es-ES" smtClean="0"/>
-              <a:t>27/03/2020</a:t>
+              <a:t>02/04/2020</a:t>
             </a:fld>
             <a:endParaRPr lang="es-ES"/>
           </a:p>
@@ -2191,7 +2190,7 @@
           <a:p>
             <a:fld id="{59B9C06C-DD79-4D2F-A45E-A0520311644E}" type="slidenum">
               <a:rPr lang="es-ES" smtClean="0"/>
-              <a:t>‹Nº›</a:t>
+              <a:t>‹#›</a:t>
             </a:fld>
             <a:endParaRPr lang="es-ES"/>
           </a:p>
@@ -2248,7 +2247,7 @@
           <a:lstStyle/>
           <a:p>
             <a:r>
-              <a:rPr lang="es-ES" smtClean="0"/>
+              <a:rPr lang="es-ES"/>
               <a:t>Haga clic para modificar el estilo de título del patrón</a:t>
             </a:r>
             <a:endParaRPr lang="en-US" dirty="0"/>
@@ -2320,7 +2319,7 @@
           <a:p>
             <a:pPr lvl="0"/>
             <a:r>
-              <a:rPr lang="es-ES" smtClean="0"/>
+              <a:rPr lang="es-ES"/>
               <a:t>Editar el estilo de texto del patrón</a:t>
             </a:r>
           </a:p>
@@ -2348,35 +2347,35 @@
           <a:p>
             <a:pPr lvl="0"/>
             <a:r>
-              <a:rPr lang="es-ES" smtClean="0"/>
+              <a:rPr lang="es-ES"/>
               <a:t>Editar el estilo de texto del patrón</a:t>
             </a:r>
           </a:p>
           <a:p>
             <a:pPr lvl="1"/>
             <a:r>
-              <a:rPr lang="es-ES" smtClean="0"/>
+              <a:rPr lang="es-ES"/>
               <a:t>Segundo nivel</a:t>
             </a:r>
           </a:p>
           <a:p>
             <a:pPr lvl="2"/>
             <a:r>
-              <a:rPr lang="es-ES" smtClean="0"/>
+              <a:rPr lang="es-ES"/>
               <a:t>Tercer nivel</a:t>
             </a:r>
           </a:p>
           <a:p>
             <a:pPr lvl="3"/>
             <a:r>
-              <a:rPr lang="es-ES" smtClean="0"/>
+              <a:rPr lang="es-ES"/>
               <a:t>Cuarto nivel</a:t>
             </a:r>
           </a:p>
           <a:p>
             <a:pPr lvl="4"/>
             <a:r>
-              <a:rPr lang="es-ES" smtClean="0"/>
+              <a:rPr lang="es-ES"/>
               <a:t>Quinto nivel</a:t>
             </a:r>
             <a:endParaRPr lang="en-US" dirty="0"/>
@@ -2448,7 +2447,7 @@
           <a:p>
             <a:pPr lvl="0"/>
             <a:r>
-              <a:rPr lang="es-ES" smtClean="0"/>
+              <a:rPr lang="es-ES"/>
               <a:t>Editar el estilo de texto del patrón</a:t>
             </a:r>
           </a:p>
@@ -2476,35 +2475,35 @@
           <a:p>
             <a:pPr lvl="0"/>
             <a:r>
-              <a:rPr lang="es-ES" smtClean="0"/>
+              <a:rPr lang="es-ES"/>
               <a:t>Editar el estilo de texto del patrón</a:t>
             </a:r>
           </a:p>
           <a:p>
             <a:pPr lvl="1"/>
             <a:r>
-              <a:rPr lang="es-ES" smtClean="0"/>
+              <a:rPr lang="es-ES"/>
               <a:t>Segundo nivel</a:t>
             </a:r>
           </a:p>
           <a:p>
             <a:pPr lvl="2"/>
             <a:r>
-              <a:rPr lang="es-ES" smtClean="0"/>
+              <a:rPr lang="es-ES"/>
               <a:t>Tercer nivel</a:t>
             </a:r>
           </a:p>
           <a:p>
             <a:pPr lvl="3"/>
             <a:r>
-              <a:rPr lang="es-ES" smtClean="0"/>
+              <a:rPr lang="es-ES"/>
               <a:t>Cuarto nivel</a:t>
             </a:r>
           </a:p>
           <a:p>
             <a:pPr lvl="4"/>
             <a:r>
-              <a:rPr lang="es-ES" smtClean="0"/>
+              <a:rPr lang="es-ES"/>
               <a:t>Quinto nivel</a:t>
             </a:r>
             <a:endParaRPr lang="en-US" dirty="0"/>
@@ -2528,7 +2527,7 @@
           <a:p>
             <a:fld id="{232F3880-77D8-4D9E-BC7C-9E52EB9D8497}" type="datetimeFigureOut">
               <a:rPr lang="es-ES" smtClean="0"/>
-              <a:t>27/03/2020</a:t>
+              <a:t>02/04/2020</a:t>
             </a:fld>
             <a:endParaRPr lang="es-ES"/>
           </a:p>
@@ -2570,7 +2569,7 @@
           <a:p>
             <a:fld id="{59B9C06C-DD79-4D2F-A45E-A0520311644E}" type="slidenum">
               <a:rPr lang="es-ES" smtClean="0"/>
-              <a:t>‹Nº›</a:t>
+              <a:t>‹#›</a:t>
             </a:fld>
             <a:endParaRPr lang="es-ES"/>
           </a:p>
@@ -2622,7 +2621,7 @@
           <a:lstStyle/>
           <a:p>
             <a:r>
-              <a:rPr lang="es-ES" smtClean="0"/>
+              <a:rPr lang="es-ES"/>
               <a:t>Haga clic para modificar el estilo de título del patrón</a:t>
             </a:r>
             <a:endParaRPr lang="en-US" dirty="0"/>
@@ -2646,7 +2645,7 @@
           <a:p>
             <a:fld id="{232F3880-77D8-4D9E-BC7C-9E52EB9D8497}" type="datetimeFigureOut">
               <a:rPr lang="es-ES" smtClean="0"/>
-              <a:t>27/03/2020</a:t>
+              <a:t>02/04/2020</a:t>
             </a:fld>
             <a:endParaRPr lang="es-ES"/>
           </a:p>
@@ -2688,7 +2687,7 @@
           <a:p>
             <a:fld id="{59B9C06C-DD79-4D2F-A45E-A0520311644E}" type="slidenum">
               <a:rPr lang="es-ES" smtClean="0"/>
-              <a:t>‹Nº›</a:t>
+              <a:t>‹#›</a:t>
             </a:fld>
             <a:endParaRPr lang="es-ES"/>
           </a:p>
@@ -2817,7 +2816,7 @@
           <a:p>
             <a:fld id="{232F3880-77D8-4D9E-BC7C-9E52EB9D8497}" type="datetimeFigureOut">
               <a:rPr lang="es-ES" smtClean="0"/>
-              <a:t>27/03/2020</a:t>
+              <a:t>02/04/2020</a:t>
             </a:fld>
             <a:endParaRPr lang="es-ES"/>
           </a:p>
@@ -2867,7 +2866,7 @@
           <a:p>
             <a:fld id="{59B9C06C-DD79-4D2F-A45E-A0520311644E}" type="slidenum">
               <a:rPr lang="es-ES" smtClean="0"/>
-              <a:t>‹Nº›</a:t>
+              <a:t>‹#›</a:t>
             </a:fld>
             <a:endParaRPr lang="es-ES"/>
           </a:p>
@@ -3010,7 +3009,7 @@
           </a:lstStyle>
           <a:p>
             <a:r>
-              <a:rPr lang="es-ES" smtClean="0"/>
+              <a:rPr lang="es-ES"/>
               <a:t>Haga clic para modificar el estilo de título del patrón</a:t>
             </a:r>
             <a:endParaRPr lang="en-US" dirty="0"/>
@@ -3039,35 +3038,35 @@
           <a:p>
             <a:pPr lvl="0"/>
             <a:r>
-              <a:rPr lang="es-ES" smtClean="0"/>
+              <a:rPr lang="es-ES"/>
               <a:t>Editar el estilo de texto del patrón</a:t>
             </a:r>
           </a:p>
           <a:p>
             <a:pPr lvl="1"/>
             <a:r>
-              <a:rPr lang="es-ES" smtClean="0"/>
+              <a:rPr lang="es-ES"/>
               <a:t>Segundo nivel</a:t>
             </a:r>
           </a:p>
           <a:p>
             <a:pPr lvl="2"/>
             <a:r>
-              <a:rPr lang="es-ES" smtClean="0"/>
+              <a:rPr lang="es-ES"/>
               <a:t>Tercer nivel</a:t>
             </a:r>
           </a:p>
           <a:p>
             <a:pPr lvl="3"/>
             <a:r>
-              <a:rPr lang="es-ES" smtClean="0"/>
+              <a:rPr lang="es-ES"/>
               <a:t>Cuarto nivel</a:t>
             </a:r>
           </a:p>
           <a:p>
             <a:pPr lvl="4"/>
             <a:r>
-              <a:rPr lang="es-ES" smtClean="0"/>
+              <a:rPr lang="es-ES"/>
               <a:t>Quinto nivel</a:t>
             </a:r>
             <a:endParaRPr lang="en-US" dirty="0"/>
@@ -3139,7 +3138,7 @@
           <a:p>
             <a:pPr lvl="0"/>
             <a:r>
-              <a:rPr lang="es-ES" smtClean="0"/>
+              <a:rPr lang="es-ES"/>
               <a:t>Editar el estilo de texto del patrón</a:t>
             </a:r>
           </a:p>
@@ -3171,7 +3170,7 @@
           <a:p>
             <a:fld id="{232F3880-77D8-4D9E-BC7C-9E52EB9D8497}" type="datetimeFigureOut">
               <a:rPr lang="es-ES" smtClean="0"/>
-              <a:t>27/03/2020</a:t>
+              <a:t>02/04/2020</a:t>
             </a:fld>
             <a:endParaRPr lang="es-ES"/>
           </a:p>
@@ -3234,7 +3233,7 @@
           <a:p>
             <a:fld id="{59B9C06C-DD79-4D2F-A45E-A0520311644E}" type="slidenum">
               <a:rPr lang="es-ES" smtClean="0"/>
-              <a:t>‹Nº›</a:t>
+              <a:t>‹#›</a:t>
             </a:fld>
             <a:endParaRPr lang="es-ES"/>
           </a:p>
@@ -3377,7 +3376,7 @@
           </a:lstStyle>
           <a:p>
             <a:r>
-              <a:rPr lang="es-ES" smtClean="0"/>
+              <a:rPr lang="es-ES"/>
               <a:t>Haga clic para modificar el estilo de título del patrón</a:t>
             </a:r>
             <a:endParaRPr lang="en-US" dirty="0"/>
@@ -3452,7 +3451,7 @@
           </a:lstStyle>
           <a:p>
             <a:r>
-              <a:rPr lang="es-ES" smtClean="0"/>
+              <a:rPr lang="es-ES"/>
               <a:t>Haga clic en el icono para agregar una imagen</a:t>
             </a:r>
             <a:endParaRPr lang="en-US" dirty="0"/>
@@ -3530,7 +3529,7 @@
           <a:p>
             <a:pPr lvl="0"/>
             <a:r>
-              <a:rPr lang="es-ES" smtClean="0"/>
+              <a:rPr lang="es-ES"/>
               <a:t>Editar el estilo de texto del patrón</a:t>
             </a:r>
           </a:p>
@@ -3553,7 +3552,7 @@
           <a:p>
             <a:fld id="{232F3880-77D8-4D9E-BC7C-9E52EB9D8497}" type="datetimeFigureOut">
               <a:rPr lang="es-ES" smtClean="0"/>
-              <a:t>27/03/2020</a:t>
+              <a:t>02/04/2020</a:t>
             </a:fld>
             <a:endParaRPr lang="es-ES"/>
           </a:p>
@@ -3595,7 +3594,7 @@
           <a:p>
             <a:fld id="{59B9C06C-DD79-4D2F-A45E-A0520311644E}" type="slidenum">
               <a:rPr lang="es-ES" smtClean="0"/>
-              <a:t>‹Nº›</a:t>
+              <a:t>‹#›</a:t>
             </a:fld>
             <a:endParaRPr lang="es-ES"/>
           </a:p>
@@ -3738,7 +3737,7 @@
           <a:lstStyle/>
           <a:p>
             <a:r>
-              <a:rPr lang="es-ES" smtClean="0"/>
+              <a:rPr lang="es-ES"/>
               <a:t>Haga clic para modificar el estilo de título del patrón</a:t>
             </a:r>
             <a:endParaRPr lang="en-US" dirty="0"/>
@@ -3772,35 +3771,35 @@
           <a:p>
             <a:pPr lvl="0"/>
             <a:r>
-              <a:rPr lang="es-ES" smtClean="0"/>
+              <a:rPr lang="es-ES"/>
               <a:t>Editar el estilo de texto del patrón</a:t>
             </a:r>
           </a:p>
           <a:p>
             <a:pPr lvl="1"/>
             <a:r>
-              <a:rPr lang="es-ES" smtClean="0"/>
+              <a:rPr lang="es-ES"/>
               <a:t>Segundo nivel</a:t>
             </a:r>
           </a:p>
           <a:p>
             <a:pPr lvl="2"/>
             <a:r>
-              <a:rPr lang="es-ES" smtClean="0"/>
+              <a:rPr lang="es-ES"/>
               <a:t>Tercer nivel</a:t>
             </a:r>
           </a:p>
           <a:p>
             <a:pPr lvl="3"/>
             <a:r>
-              <a:rPr lang="es-ES" smtClean="0"/>
+              <a:rPr lang="es-ES"/>
               <a:t>Cuarto nivel</a:t>
             </a:r>
           </a:p>
           <a:p>
             <a:pPr lvl="4"/>
             <a:r>
-              <a:rPr lang="es-ES" smtClean="0"/>
+              <a:rPr lang="es-ES"/>
               <a:t>Quinto nivel</a:t>
             </a:r>
             <a:endParaRPr lang="en-US" dirty="0"/>
@@ -3840,7 +3839,7 @@
           <a:p>
             <a:fld id="{232F3880-77D8-4D9E-BC7C-9E52EB9D8497}" type="datetimeFigureOut">
               <a:rPr lang="es-ES" smtClean="0"/>
-              <a:t>27/03/2020</a:t>
+              <a:t>02/04/2020</a:t>
             </a:fld>
             <a:endParaRPr lang="es-ES"/>
           </a:p>
@@ -3914,7 +3913,7 @@
           <a:p>
             <a:fld id="{59B9C06C-DD79-4D2F-A45E-A0520311644E}" type="slidenum">
               <a:rPr lang="es-ES" smtClean="0"/>
-              <a:t>‹Nº›</a:t>
+              <a:t>‹#›</a:t>
             </a:fld>
             <a:endParaRPr lang="es-ES"/>
           </a:p>
@@ -4380,10 +4379,9 @@
           <a:lstStyle/>
           <a:p>
             <a:r>
-              <a:rPr lang="es-ES" dirty="0" smtClean="0"/>
+              <a:rPr lang="es-ES" dirty="0"/>
               <a:t>Formación Desarrollo Web</a:t>
             </a:r>
-            <a:endParaRPr lang="es-ES" dirty="0"/>
           </a:p>
         </p:txBody>
       </p:sp>
@@ -4403,30 +4401,29 @@
           <a:lstStyle/>
           <a:p>
             <a:r>
-              <a:rPr lang="es-ES" dirty="0" err="1" smtClean="0"/>
+              <a:rPr lang="es-ES" dirty="0" err="1"/>
               <a:t>htML</a:t>
             </a:r>
             <a:r>
-              <a:rPr lang="es-ES" dirty="0" smtClean="0"/>
+              <a:rPr lang="es-ES" dirty="0"/>
               <a:t> - </a:t>
             </a:r>
             <a:r>
-              <a:rPr lang="es-ES" b="1" u="sng" dirty="0" err="1" smtClean="0"/>
+              <a:rPr lang="es-ES" b="1" u="sng" dirty="0" err="1"/>
               <a:t>css</a:t>
             </a:r>
             <a:r>
-              <a:rPr lang="es-ES" dirty="0" smtClean="0"/>
+              <a:rPr lang="es-ES" dirty="0"/>
               <a:t> - </a:t>
             </a:r>
             <a:r>
-              <a:rPr lang="es-ES" dirty="0" err="1" smtClean="0"/>
+              <a:rPr lang="es-ES" dirty="0" err="1"/>
               <a:t>javascript</a:t>
             </a:r>
             <a:r>
-              <a:rPr lang="es-ES" dirty="0" smtClean="0"/>
+              <a:rPr lang="es-ES" dirty="0"/>
               <a:t> - angular</a:t>
             </a:r>
-            <a:endParaRPr lang="es-ES" dirty="0"/>
           </a:p>
         </p:txBody>
       </p:sp>
@@ -4440,13 +4437,6 @@
   <p:clrMapOvr>
     <a:masterClrMapping/>
   </p:clrMapOvr>
-  <p:timing>
-    <p:tnLst>
-      <p:par>
-        <p:cTn id="1" dur="indefinite" restart="never" nodeType="tmRoot"/>
-      </p:par>
-    </p:tnLst>
-  </p:timing>
 </p:sld>
 </file>
 
@@ -4484,7 +4474,7 @@
           <a:p>
             <a:pPr lvl="1"/>
             <a:r>
-              <a:rPr lang="es-ES" dirty="0" smtClean="0"/>
+              <a:rPr lang="es-ES" dirty="0"/>
               <a:t>Si algunas propiedades han sido definidas para el mismo selector (elemento) en diferentes hojas de estilos, el valor del último estilo que se haya cargado será usado</a:t>
             </a:r>
           </a:p>
@@ -4510,10 +4500,9 @@
           <a:lstStyle/>
           <a:p>
             <a:r>
-              <a:rPr lang="es-ES" dirty="0" smtClean="0"/>
+              <a:rPr lang="es-ES" dirty="0"/>
               <a:t>CSS – Múltiples hojas de estilo</a:t>
             </a:r>
-            <a:endParaRPr lang="es-ES" dirty="0"/>
           </a:p>
         </p:txBody>
       </p:sp>
@@ -5343,78 +5332,78 @@
               </a:lnSpc>
             </a:pPr>
             <a:r>
-              <a:rPr lang="en-US" dirty="0" smtClean="0"/>
+              <a:rPr lang="en-US" dirty="0"/>
               <a:t>Las </a:t>
             </a:r>
             <a:r>
-              <a:rPr lang="en-US" dirty="0" err="1" smtClean="0"/>
+              <a:rPr lang="en-US" dirty="0" err="1"/>
               <a:t>propiedades</a:t>
             </a:r>
             <a:r>
-              <a:rPr lang="en-US" dirty="0" smtClean="0"/>
+              <a:rPr lang="en-US" dirty="0"/>
               <a:t> de </a:t>
             </a:r>
             <a:r>
-              <a:rPr lang="en-US" dirty="0" err="1" smtClean="0"/>
+              <a:rPr lang="en-US" dirty="0" err="1"/>
               <a:t>fondo</a:t>
             </a:r>
             <a:r>
-              <a:rPr lang="en-US" dirty="0" smtClean="0"/>
+              <a:rPr lang="en-US" dirty="0"/>
               <a:t> se </a:t>
             </a:r>
             <a:r>
-              <a:rPr lang="en-US" dirty="0" err="1" smtClean="0"/>
+              <a:rPr lang="en-US" dirty="0" err="1"/>
               <a:t>usan</a:t>
             </a:r>
             <a:r>
-              <a:rPr lang="en-US" dirty="0" smtClean="0"/>
+              <a:rPr lang="en-US" dirty="0"/>
               <a:t> para </a:t>
             </a:r>
             <a:r>
-              <a:rPr lang="en-US" dirty="0" err="1" smtClean="0"/>
+              <a:rPr lang="en-US" dirty="0" err="1"/>
               <a:t>definir</a:t>
             </a:r>
             <a:r>
-              <a:rPr lang="en-US" dirty="0" smtClean="0"/>
+              <a:rPr lang="en-US" dirty="0"/>
               <a:t> </a:t>
             </a:r>
             <a:r>
-              <a:rPr lang="en-US" dirty="0" err="1" smtClean="0"/>
+              <a:rPr lang="en-US" dirty="0" err="1"/>
               <a:t>los</a:t>
             </a:r>
             <a:r>
-              <a:rPr lang="en-US" dirty="0" smtClean="0"/>
+              <a:rPr lang="en-US" dirty="0"/>
               <a:t> </a:t>
             </a:r>
             <a:r>
-              <a:rPr lang="en-US" dirty="0" err="1" smtClean="0"/>
+              <a:rPr lang="en-US" dirty="0" err="1"/>
               <a:t>efectos</a:t>
             </a:r>
             <a:r>
-              <a:rPr lang="en-US" dirty="0" smtClean="0"/>
+              <a:rPr lang="en-US" dirty="0"/>
               <a:t> de </a:t>
             </a:r>
             <a:r>
-              <a:rPr lang="en-US" dirty="0" err="1" smtClean="0"/>
+              <a:rPr lang="en-US" dirty="0" err="1"/>
               <a:t>fondo</a:t>
             </a:r>
             <a:r>
-              <a:rPr lang="en-US" dirty="0" smtClean="0"/>
+              <a:rPr lang="en-US" dirty="0"/>
               <a:t> de </a:t>
             </a:r>
             <a:r>
-              <a:rPr lang="en-US" dirty="0" err="1" smtClean="0"/>
+              <a:rPr lang="en-US" dirty="0" err="1"/>
               <a:t>los</a:t>
             </a:r>
             <a:r>
-              <a:rPr lang="en-US" dirty="0" smtClean="0"/>
+              <a:rPr lang="en-US" dirty="0"/>
               <a:t> </a:t>
             </a:r>
             <a:r>
-              <a:rPr lang="en-US" dirty="0" err="1" smtClean="0"/>
+              <a:rPr lang="en-US" dirty="0" err="1"/>
               <a:t>elementos</a:t>
             </a:r>
-            <a:endParaRPr lang="en-US" dirty="0" smtClean="0"/>
+            <a:endParaRPr lang="en-US" dirty="0"/>
           </a:p>
           <a:p>
             <a:pPr lvl="1">
@@ -5423,91 +5412,91 @@
               </a:lnSpc>
             </a:pPr>
             <a:r>
-              <a:rPr lang="en-US" b="1" i="1" dirty="0" smtClean="0"/>
+              <a:rPr lang="en-US" b="1" i="1" dirty="0"/>
               <a:t>background-color: </a:t>
             </a:r>
             <a:r>
-              <a:rPr lang="en-US" dirty="0" err="1" smtClean="0"/>
+              <a:rPr lang="en-US" dirty="0" err="1"/>
               <a:t>especifica</a:t>
             </a:r>
             <a:r>
-              <a:rPr lang="en-US" dirty="0" smtClean="0"/>
+              <a:rPr lang="en-US" dirty="0"/>
               <a:t> el color de </a:t>
             </a:r>
             <a:r>
-              <a:rPr lang="en-US" dirty="0" err="1" smtClean="0"/>
+              <a:rPr lang="en-US" dirty="0" err="1"/>
               <a:t>fondo</a:t>
             </a:r>
             <a:r>
-              <a:rPr lang="en-US" dirty="0" smtClean="0"/>
+              <a:rPr lang="en-US" dirty="0"/>
               <a:t> de un </a:t>
             </a:r>
             <a:r>
-              <a:rPr lang="en-US" dirty="0" err="1" smtClean="0"/>
+              <a:rPr lang="en-US" dirty="0" err="1"/>
               <a:t>elemento</a:t>
             </a:r>
             <a:r>
-              <a:rPr lang="en-US" dirty="0" smtClean="0"/>
+              <a:rPr lang="en-US" dirty="0"/>
               <a:t>. Se </a:t>
             </a:r>
             <a:r>
-              <a:rPr lang="en-US" dirty="0" err="1" smtClean="0"/>
+              <a:rPr lang="en-US" dirty="0" err="1"/>
               <a:t>puede</a:t>
             </a:r>
             <a:r>
-              <a:rPr lang="en-US" dirty="0" smtClean="0"/>
+              <a:rPr lang="en-US" dirty="0"/>
               <a:t> </a:t>
             </a:r>
             <a:r>
-              <a:rPr lang="en-US" dirty="0" err="1" smtClean="0"/>
+              <a:rPr lang="en-US" dirty="0" err="1"/>
               <a:t>especificar</a:t>
             </a:r>
             <a:r>
-              <a:rPr lang="en-US" dirty="0" smtClean="0"/>
+              <a:rPr lang="en-US" dirty="0"/>
               <a:t> el color </a:t>
             </a:r>
             <a:r>
-              <a:rPr lang="en-US" dirty="0" err="1" smtClean="0"/>
+              <a:rPr lang="en-US" dirty="0" err="1"/>
               <a:t>mediante</a:t>
             </a:r>
             <a:r>
-              <a:rPr lang="en-US" dirty="0" smtClean="0"/>
+              <a:rPr lang="en-US" dirty="0"/>
               <a:t> un </a:t>
             </a:r>
             <a:r>
-              <a:rPr lang="en-US" dirty="0" err="1" smtClean="0"/>
+              <a:rPr lang="en-US" dirty="0" err="1"/>
               <a:t>nombre</a:t>
             </a:r>
             <a:r>
-              <a:rPr lang="en-US" dirty="0" smtClean="0"/>
+              <a:rPr lang="en-US" dirty="0"/>
               <a:t> (</a:t>
             </a:r>
             <a:r>
-              <a:rPr lang="en-US" i="1" dirty="0" smtClean="0"/>
+              <a:rPr lang="en-US" i="1" dirty="0"/>
               <a:t>red</a:t>
             </a:r>
             <a:r>
-              <a:rPr lang="en-US" dirty="0" smtClean="0"/>
+              <a:rPr lang="en-US" dirty="0"/>
               <a:t>), un valor HEX (</a:t>
             </a:r>
             <a:r>
-              <a:rPr lang="en-US" i="1" dirty="0" smtClean="0"/>
+              <a:rPr lang="en-US" i="1" dirty="0"/>
               <a:t>#ff0000</a:t>
             </a:r>
             <a:r>
-              <a:rPr lang="en-US" dirty="0" smtClean="0"/>
+              <a:rPr lang="en-US" dirty="0"/>
               <a:t>) o un valor RGB (</a:t>
             </a:r>
             <a:r>
-              <a:rPr lang="en-US" i="1" dirty="0" err="1" smtClean="0"/>
+              <a:rPr lang="en-US" i="1" dirty="0" err="1"/>
               <a:t>rgb</a:t>
             </a:r>
             <a:r>
-              <a:rPr lang="en-US" i="1" dirty="0" smtClean="0"/>
+              <a:rPr lang="en-US" i="1" dirty="0"/>
               <a:t>(255,0,0)</a:t>
             </a:r>
             <a:r>
-              <a:rPr lang="en-US" dirty="0" smtClean="0"/>
+              <a:rPr lang="en-US" dirty="0"/>
               <a:t>)</a:t>
             </a:r>
           </a:p>
@@ -5520,21 +5509,16 @@
             </a:pPr>
             <a:r>
               <a:rPr lang="en-US" i="1" dirty="0"/>
-              <a:t>b</a:t>
-            </a:r>
-            <a:r>
-              <a:rPr lang="en-US" i="1" dirty="0" smtClean="0"/>
-              <a:t>ody { background-color: </a:t>
-            </a:r>
-            <a:r>
-              <a:rPr lang="en-US" i="1" dirty="0" err="1" smtClean="0"/>
+              <a:t>body { background-color: </a:t>
+            </a:r>
+            <a:r>
+              <a:rPr lang="en-US" i="1" dirty="0" err="1"/>
               <a:t>lightblue</a:t>
             </a:r>
             <a:r>
-              <a:rPr lang="en-US" i="1" dirty="0" smtClean="0"/>
+              <a:rPr lang="en-US" i="1" dirty="0"/>
               <a:t>; }</a:t>
             </a:r>
-            <a:endParaRPr lang="en-US" i="1" dirty="0"/>
           </a:p>
           <a:p>
             <a:pPr lvl="1">
@@ -5543,127 +5527,127 @@
               </a:lnSpc>
             </a:pPr>
             <a:r>
-              <a:rPr lang="en-US" b="1" i="1" dirty="0" smtClean="0"/>
+              <a:rPr lang="en-US" b="1" i="1" dirty="0"/>
               <a:t>background-image:</a:t>
             </a:r>
             <a:r>
-              <a:rPr lang="en-US" i="1" dirty="0" smtClean="0"/>
+              <a:rPr lang="en-US" i="1" dirty="0"/>
               <a:t> </a:t>
             </a:r>
             <a:r>
-              <a:rPr lang="en-US" dirty="0" err="1" smtClean="0"/>
+              <a:rPr lang="en-US" dirty="0" err="1"/>
               <a:t>especifica</a:t>
             </a:r>
             <a:r>
-              <a:rPr lang="en-US" dirty="0" smtClean="0"/>
+              <a:rPr lang="en-US" dirty="0"/>
               <a:t> </a:t>
             </a:r>
             <a:r>
-              <a:rPr lang="en-US" dirty="0" err="1" smtClean="0"/>
+              <a:rPr lang="en-US" dirty="0" err="1"/>
               <a:t>una</a:t>
             </a:r>
             <a:r>
-              <a:rPr lang="en-US" dirty="0" smtClean="0"/>
+              <a:rPr lang="en-US" dirty="0"/>
               <a:t> </a:t>
             </a:r>
             <a:r>
-              <a:rPr lang="en-US" dirty="0" err="1" smtClean="0"/>
+              <a:rPr lang="en-US" dirty="0" err="1"/>
               <a:t>imagen</a:t>
             </a:r>
             <a:r>
-              <a:rPr lang="en-US" dirty="0" smtClean="0"/>
+              <a:rPr lang="en-US" dirty="0"/>
               <a:t> para </a:t>
             </a:r>
             <a:r>
-              <a:rPr lang="en-US" dirty="0" err="1" smtClean="0"/>
+              <a:rPr lang="en-US" dirty="0" err="1"/>
               <a:t>ser</a:t>
             </a:r>
             <a:r>
-              <a:rPr lang="en-US" dirty="0" smtClean="0"/>
+              <a:rPr lang="en-US" dirty="0"/>
               <a:t> </a:t>
             </a:r>
             <a:r>
-              <a:rPr lang="en-US" dirty="0" err="1" smtClean="0"/>
+              <a:rPr lang="en-US" dirty="0" err="1"/>
               <a:t>usada</a:t>
             </a:r>
             <a:r>
-              <a:rPr lang="en-US" dirty="0" smtClean="0"/>
+              <a:rPr lang="en-US" dirty="0"/>
               <a:t> </a:t>
             </a:r>
             <a:r>
-              <a:rPr lang="en-US" dirty="0" err="1" smtClean="0"/>
+              <a:rPr lang="en-US" dirty="0" err="1"/>
               <a:t>como</a:t>
             </a:r>
             <a:r>
-              <a:rPr lang="en-US" dirty="0" smtClean="0"/>
+              <a:rPr lang="en-US" dirty="0"/>
               <a:t> </a:t>
             </a:r>
             <a:r>
-              <a:rPr lang="en-US" dirty="0" err="1" smtClean="0"/>
+              <a:rPr lang="en-US" dirty="0" err="1"/>
               <a:t>fondo</a:t>
             </a:r>
             <a:r>
-              <a:rPr lang="en-US" dirty="0" smtClean="0"/>
+              <a:rPr lang="en-US" dirty="0"/>
               <a:t> de un </a:t>
             </a:r>
             <a:r>
-              <a:rPr lang="en-US" dirty="0" err="1" smtClean="0"/>
+              <a:rPr lang="en-US" dirty="0" err="1"/>
               <a:t>elemento</a:t>
             </a:r>
             <a:r>
-              <a:rPr lang="en-US" dirty="0" smtClean="0"/>
+              <a:rPr lang="en-US" dirty="0"/>
               <a:t>. </a:t>
             </a:r>
             <a:r>
-              <a:rPr lang="en-US" dirty="0" err="1" smtClean="0"/>
+              <a:rPr lang="en-US" dirty="0" err="1"/>
               <a:t>Por</a:t>
             </a:r>
             <a:r>
-              <a:rPr lang="en-US" dirty="0" smtClean="0"/>
+              <a:rPr lang="en-US" dirty="0"/>
               <a:t> </a:t>
             </a:r>
             <a:r>
-              <a:rPr lang="en-US" dirty="0" err="1" smtClean="0"/>
+              <a:rPr lang="en-US" dirty="0" err="1"/>
               <a:t>defecto</a:t>
             </a:r>
             <a:r>
-              <a:rPr lang="en-US" dirty="0" smtClean="0"/>
+              <a:rPr lang="en-US" dirty="0"/>
               <a:t>, la </a:t>
             </a:r>
             <a:r>
-              <a:rPr lang="en-US" dirty="0" err="1" smtClean="0"/>
+              <a:rPr lang="en-US" dirty="0" err="1"/>
               <a:t>imagen</a:t>
             </a:r>
             <a:r>
-              <a:rPr lang="en-US" dirty="0" smtClean="0"/>
+              <a:rPr lang="en-US" dirty="0"/>
               <a:t> se </a:t>
             </a:r>
             <a:r>
-              <a:rPr lang="en-US" dirty="0" err="1" smtClean="0"/>
+              <a:rPr lang="en-US" dirty="0" err="1"/>
               <a:t>repite</a:t>
             </a:r>
             <a:r>
-              <a:rPr lang="en-US" dirty="0" smtClean="0"/>
+              <a:rPr lang="en-US" dirty="0"/>
               <a:t> hasta </a:t>
             </a:r>
             <a:r>
-              <a:rPr lang="en-US" dirty="0" err="1" smtClean="0"/>
+              <a:rPr lang="en-US" dirty="0" err="1"/>
               <a:t>cubrir</a:t>
             </a:r>
             <a:r>
-              <a:rPr lang="en-US" dirty="0" smtClean="0"/>
+              <a:rPr lang="en-US" dirty="0"/>
               <a:t> </a:t>
             </a:r>
             <a:r>
-              <a:rPr lang="en-US" dirty="0" err="1" smtClean="0"/>
+              <a:rPr lang="en-US" dirty="0" err="1"/>
               <a:t>todo</a:t>
             </a:r>
             <a:r>
-              <a:rPr lang="en-US" dirty="0" smtClean="0"/>
+              <a:rPr lang="en-US" dirty="0"/>
               <a:t> el </a:t>
             </a:r>
             <a:r>
-              <a:rPr lang="en-US" dirty="0" err="1" smtClean="0"/>
+              <a:rPr lang="en-US" dirty="0" err="1"/>
               <a:t>elemento</a:t>
             </a:r>
             <a:endParaRPr lang="en-US" dirty="0"/>
@@ -5677,18 +5661,14 @@
             </a:pPr>
             <a:r>
               <a:rPr lang="en-US" i="1" dirty="0"/>
-              <a:t>b</a:t>
-            </a:r>
-            <a:r>
-              <a:rPr lang="en-US" i="1" dirty="0" smtClean="0"/>
-              <a:t>ody { background-image: </a:t>
-            </a:r>
-            <a:r>
-              <a:rPr lang="en-US" i="1" dirty="0" err="1" smtClean="0"/>
+              <a:t>body { background-image: </a:t>
+            </a:r>
+            <a:r>
+              <a:rPr lang="en-US" i="1" dirty="0" err="1"/>
               <a:t>url</a:t>
             </a:r>
             <a:r>
-              <a:rPr lang="en-US" i="1" dirty="0" smtClean="0"/>
+              <a:rPr lang="en-US" i="1" dirty="0"/>
               <a:t>(“imagen.jpg”); }</a:t>
             </a:r>
           </a:p>
@@ -5700,79 +5680,67 @@
             </a:pPr>
             <a:r>
               <a:rPr lang="en-US" b="1" i="1" dirty="0"/>
-              <a:t>b</a:t>
-            </a:r>
-            <a:r>
-              <a:rPr lang="en-US" b="1" i="1" dirty="0" smtClean="0"/>
-              <a:t>ackground-repeat:</a:t>
-            </a:r>
-            <a:r>
-              <a:rPr lang="en-US" i="1" dirty="0" smtClean="0"/>
+              <a:t>background-repeat:</a:t>
+            </a:r>
+            <a:r>
+              <a:rPr lang="en-US" i="1" dirty="0"/>
               <a:t> </a:t>
             </a:r>
             <a:r>
-              <a:rPr lang="en-US" dirty="0" err="1" smtClean="0"/>
+              <a:rPr lang="en-US" dirty="0" err="1"/>
               <a:t>especifica</a:t>
-            </a:r>
-            <a:r>
-              <a:rPr lang="en-US" dirty="0" smtClean="0"/>
-              <a:t> </a:t>
-            </a:r>
-            <a:r>
-              <a:rPr lang="en-US" dirty="0" err="1" smtClean="0"/>
-              <a:t>cómo</a:t>
-            </a:r>
-            <a:r>
-              <a:rPr lang="en-US" dirty="0" smtClean="0"/>
-              <a:t> (y </a:t>
-            </a:r>
-            <a:r>
-              <a:rPr lang="en-US" dirty="0" err="1" smtClean="0"/>
-              <a:t>si</a:t>
-            </a:r>
-            <a:r>
-              <a:rPr lang="en-US" dirty="0"/>
-              <a:t>)</a:t>
-            </a:r>
-            <a:r>
-              <a:rPr lang="en-US" dirty="0" smtClean="0"/>
-              <a:t> </a:t>
-            </a:r>
-            <a:r>
-              <a:rPr lang="en-US" dirty="0" err="1" smtClean="0"/>
-              <a:t>debe</a:t>
-            </a:r>
-            <a:r>
-              <a:rPr lang="en-US" dirty="0" smtClean="0"/>
-              <a:t> </a:t>
-            </a:r>
-            <a:r>
-              <a:rPr lang="en-US" dirty="0" err="1" smtClean="0"/>
-              <a:t>repetirse</a:t>
-            </a:r>
-            <a:r>
-              <a:rPr lang="en-US" dirty="0" smtClean="0"/>
-              <a:t> la </a:t>
-            </a:r>
-            <a:r>
-              <a:rPr lang="en-US" dirty="0" err="1" smtClean="0"/>
-              <a:t>imagen</a:t>
-            </a:r>
-            <a:r>
-              <a:rPr lang="en-US" dirty="0" smtClean="0"/>
-              <a:t> de </a:t>
-            </a:r>
-            <a:r>
-              <a:rPr lang="en-US" dirty="0" err="1" smtClean="0"/>
-              <a:t>fondo</a:t>
             </a:r>
             <a:r>
               <a:rPr lang="en-US" dirty="0"/>
               <a:t> </a:t>
             </a:r>
             <a:r>
-              <a:rPr lang="en-US" dirty="0" smtClean="0"/>
-              <a:t>(vertical/horizontal)</a:t>
+              <a:rPr lang="en-US" dirty="0" err="1"/>
+              <a:t>cómo</a:t>
+            </a:r>
+            <a:r>
+              <a:rPr lang="en-US" dirty="0"/>
+              <a:t> (y </a:t>
+            </a:r>
+            <a:r>
+              <a:rPr lang="en-US" dirty="0" err="1"/>
+              <a:t>si</a:t>
+            </a:r>
+            <a:r>
+              <a:rPr lang="en-US" dirty="0"/>
+              <a:t>) </a:t>
+            </a:r>
+            <a:r>
+              <a:rPr lang="en-US" dirty="0" err="1"/>
+              <a:t>debe</a:t>
+            </a:r>
+            <a:r>
+              <a:rPr lang="en-US" dirty="0"/>
+              <a:t> </a:t>
+            </a:r>
+            <a:r>
+              <a:rPr lang="en-US" dirty="0" err="1"/>
+              <a:t>repetirse</a:t>
+            </a:r>
+            <a:r>
+              <a:rPr lang="en-US" dirty="0"/>
+              <a:t> la </a:t>
+            </a:r>
+            <a:r>
+              <a:rPr lang="en-US" dirty="0" err="1"/>
+              <a:t>imagen</a:t>
+            </a:r>
+            <a:r>
+              <a:rPr lang="en-US" dirty="0"/>
+              <a:t> de </a:t>
+            </a:r>
+            <a:r>
+              <a:rPr lang="en-US" dirty="0" err="1"/>
+              <a:t>fondo</a:t>
+            </a:r>
+            <a:r>
+              <a:rPr lang="en-US" dirty="0"/>
+              <a:t> (vertical/horizontal)</a:t>
             </a:r>
           </a:p>
           <a:p>
@@ -5794,99 +5762,99 @@
               </a:lnSpc>
             </a:pPr>
             <a:r>
-              <a:rPr lang="en-US" b="1" i="1" dirty="0" smtClean="0"/>
+              <a:rPr lang="en-US" b="1" i="1" dirty="0"/>
               <a:t>background-position:</a:t>
             </a:r>
             <a:r>
-              <a:rPr lang="en-US" dirty="0" smtClean="0"/>
+              <a:rPr lang="en-US" dirty="0"/>
               <a:t> se </a:t>
             </a:r>
             <a:r>
-              <a:rPr lang="en-US" dirty="0" err="1" smtClean="0"/>
+              <a:rPr lang="en-US" dirty="0" err="1"/>
               <a:t>usa</a:t>
             </a:r>
             <a:r>
-              <a:rPr lang="en-US" dirty="0" smtClean="0"/>
+              <a:rPr lang="en-US" dirty="0"/>
               <a:t> para </a:t>
             </a:r>
             <a:r>
-              <a:rPr lang="en-US" dirty="0" err="1" smtClean="0"/>
+              <a:rPr lang="en-US" dirty="0" err="1"/>
               <a:t>especificar</a:t>
             </a:r>
             <a:r>
-              <a:rPr lang="en-US" dirty="0" smtClean="0"/>
+              <a:rPr lang="en-US" dirty="0"/>
               <a:t> la </a:t>
             </a:r>
             <a:r>
-              <a:rPr lang="en-US" dirty="0" err="1" smtClean="0"/>
+              <a:rPr lang="en-US" dirty="0" err="1"/>
               <a:t>posición</a:t>
             </a:r>
             <a:r>
-              <a:rPr lang="en-US" dirty="0" smtClean="0"/>
+              <a:rPr lang="en-US" dirty="0"/>
               <a:t> de la </a:t>
             </a:r>
             <a:r>
-              <a:rPr lang="en-US" dirty="0" err="1" smtClean="0"/>
+              <a:rPr lang="en-US" dirty="0" err="1"/>
               <a:t>imagen</a:t>
             </a:r>
             <a:r>
-              <a:rPr lang="en-US" dirty="0" smtClean="0"/>
+              <a:rPr lang="en-US" dirty="0"/>
               <a:t> de </a:t>
             </a:r>
             <a:r>
-              <a:rPr lang="en-US" dirty="0" err="1" smtClean="0"/>
+              <a:rPr lang="en-US" dirty="0" err="1"/>
               <a:t>fondo</a:t>
             </a:r>
             <a:r>
-              <a:rPr lang="en-US" dirty="0" smtClean="0"/>
+              <a:rPr lang="en-US" dirty="0"/>
               <a:t> (</a:t>
             </a:r>
             <a:r>
-              <a:rPr lang="en-US" i="1" dirty="0" smtClean="0"/>
+              <a:rPr lang="en-US" i="1" dirty="0"/>
               <a:t>top</a:t>
             </a:r>
             <a:r>
-              <a:rPr lang="en-US" dirty="0" smtClean="0"/>
+              <a:rPr lang="en-US" dirty="0"/>
               <a:t>, </a:t>
             </a:r>
             <a:r>
-              <a:rPr lang="en-US" i="1" dirty="0" smtClean="0"/>
+              <a:rPr lang="en-US" i="1" dirty="0"/>
               <a:t>right</a:t>
             </a:r>
             <a:r>
-              <a:rPr lang="en-US" dirty="0" smtClean="0"/>
+              <a:rPr lang="en-US" dirty="0"/>
               <a:t>, </a:t>
             </a:r>
             <a:r>
-              <a:rPr lang="en-US" i="1" dirty="0" smtClean="0"/>
+              <a:rPr lang="en-US" i="1" dirty="0"/>
               <a:t>left</a:t>
             </a:r>
             <a:r>
-              <a:rPr lang="en-US" dirty="0" smtClean="0"/>
+              <a:rPr lang="en-US" dirty="0"/>
               <a:t>, </a:t>
             </a:r>
             <a:r>
-              <a:rPr lang="en-US" i="1" dirty="0" smtClean="0"/>
+              <a:rPr lang="en-US" i="1" dirty="0"/>
               <a:t>bottom</a:t>
             </a:r>
             <a:r>
-              <a:rPr lang="en-US" dirty="0" smtClean="0"/>
+              <a:rPr lang="en-US" dirty="0"/>
               <a:t>, </a:t>
             </a:r>
             <a:r>
-              <a:rPr lang="en-US" i="1" dirty="0" smtClean="0"/>
+              <a:rPr lang="en-US" i="1" dirty="0"/>
               <a:t>center, </a:t>
             </a:r>
             <a:r>
-              <a:rPr lang="en-US" i="1" dirty="0" err="1" smtClean="0"/>
+              <a:rPr lang="en-US" i="1" dirty="0" err="1"/>
               <a:t>px</a:t>
             </a:r>
             <a:r>
-              <a:rPr lang="en-US" i="1" dirty="0" smtClean="0"/>
+              <a:rPr lang="en-US" i="1" dirty="0"/>
               <a:t>, %</a:t>
             </a:r>
             <a:r>
-              <a:rPr lang="en-US" dirty="0" smtClean="0"/>
+              <a:rPr lang="en-US" dirty="0"/>
               <a:t>)</a:t>
             </a:r>
           </a:p>
@@ -5901,7 +5869,6 @@
               <a:rPr lang="en-US" i="1" dirty="0"/>
               <a:t>body { background-position: right top; }</a:t>
             </a:r>
-            <a:endParaRPr lang="en-US" i="1" dirty="0" smtClean="0"/>
           </a:p>
         </p:txBody>
       </p:sp>
@@ -5921,11 +5888,11 @@
           <a:lstStyle/>
           <a:p>
             <a:r>
-              <a:rPr lang="es-ES" dirty="0" smtClean="0"/>
+              <a:rPr lang="es-ES" dirty="0"/>
               <a:t>CSS – </a:t>
             </a:r>
             <a:r>
-              <a:rPr lang="es-ES" i="1" dirty="0" err="1" smtClean="0"/>
+              <a:rPr lang="es-ES" i="1" dirty="0" err="1"/>
               <a:t>Backgrounds</a:t>
             </a:r>
             <a:endParaRPr lang="es-ES" i="1" dirty="0"/>
@@ -6682,19 +6649,19 @@
               <a:buNone/>
             </a:pPr>
             <a:r>
-              <a:rPr lang="es-ES" sz="2000" dirty="0" smtClean="0"/>
+              <a:rPr lang="es-ES" sz="2000" dirty="0"/>
               <a:t>Las propiedad </a:t>
             </a:r>
             <a:r>
-              <a:rPr lang="es-ES" sz="2000" i="1" dirty="0" err="1" smtClean="0"/>
+              <a:rPr lang="es-ES" sz="2000" i="1" dirty="0" err="1"/>
               <a:t>border</a:t>
             </a:r>
             <a:r>
-              <a:rPr lang="es-ES" sz="2000" i="1" dirty="0" smtClean="0"/>
+              <a:rPr lang="es-ES" sz="2000" i="1" dirty="0"/>
               <a:t> </a:t>
             </a:r>
             <a:r>
-              <a:rPr lang="es-ES" sz="2000" dirty="0" smtClean="0"/>
+              <a:rPr lang="es-ES" sz="2000" dirty="0"/>
               <a:t>permite especificar el estilo, ancho y el color de borde de un elemento</a:t>
             </a:r>
             <a:endParaRPr lang="es-ES" i="1" dirty="0"/>
@@ -6706,19 +6673,19 @@
               </a:lnSpc>
             </a:pPr>
             <a:r>
-              <a:rPr lang="es-ES" dirty="0" smtClean="0"/>
+              <a:rPr lang="es-ES" dirty="0"/>
               <a:t>La propiedad </a:t>
             </a:r>
             <a:r>
-              <a:rPr lang="es-ES" b="1" i="1" dirty="0" err="1" smtClean="0"/>
+              <a:rPr lang="es-ES" b="1" i="1" dirty="0" err="1"/>
               <a:t>border-style</a:t>
             </a:r>
             <a:r>
-              <a:rPr lang="es-ES" i="1" dirty="0" smtClean="0"/>
+              <a:rPr lang="es-ES" i="1" dirty="0"/>
               <a:t> </a:t>
             </a:r>
             <a:r>
-              <a:rPr lang="es-ES" dirty="0" smtClean="0"/>
+              <a:rPr lang="es-ES" dirty="0"/>
               <a:t>especifica el tipo de borde a mostrar</a:t>
             </a:r>
           </a:p>
@@ -6728,7 +6695,7 @@
                 <a:spcPct val="100000"/>
               </a:lnSpc>
             </a:pPr>
-            <a:endParaRPr lang="es-ES" sz="2000" i="1" dirty="0" smtClean="0"/>
+            <a:endParaRPr lang="es-ES" sz="2000" i="1" dirty="0"/>
           </a:p>
         </p:txBody>
       </p:sp>
@@ -6748,10 +6715,9 @@
           <a:lstStyle/>
           <a:p>
             <a:r>
-              <a:rPr lang="es-ES" dirty="0" smtClean="0"/>
-              <a:t>CSS – Borders</a:t>
-            </a:r>
-            <a:endParaRPr lang="es-ES" dirty="0"/>
+              <a:rPr lang="es-ES" dirty="0"/>
+              <a:t>CSS – Bordes</a:t>
+            </a:r>
           </a:p>
         </p:txBody>
       </p:sp>
@@ -6802,7 +6768,7 @@
                     <a:lstStyle/>
                     <a:p>
                       <a:r>
-                        <a:rPr lang="es-ES" sz="1600" i="1" dirty="0" err="1" smtClean="0"/>
+                        <a:rPr lang="es-ES" sz="1600" i="1" dirty="0" err="1"/>
                         <a:t>border-style</a:t>
                       </a:r>
                       <a:endParaRPr lang="es-ES" sz="1600" i="1" dirty="0"/>
@@ -6816,10 +6782,9 @@
                     <a:lstStyle/>
                     <a:p>
                       <a:r>
-                        <a:rPr lang="es-ES" sz="1600" dirty="0" smtClean="0"/>
+                        <a:rPr lang="es-ES" sz="1600" dirty="0"/>
                         <a:t>Descripción</a:t>
                       </a:r>
-                      <a:endParaRPr lang="es-ES" sz="1600" dirty="0"/>
                     </a:p>
                   </a:txBody>
                   <a:tcPr/>
@@ -6837,7 +6802,7 @@
                     <a:lstStyle/>
                     <a:p>
                       <a:r>
-                        <a:rPr lang="es-ES" sz="1600" i="1" dirty="0" err="1" smtClean="0"/>
+                        <a:rPr lang="es-ES" sz="1600" i="1" dirty="0" err="1"/>
                         <a:t>dotted</a:t>
                       </a:r>
                       <a:endParaRPr lang="es-ES" sz="1600" i="1" dirty="0"/>
@@ -6851,11 +6816,11 @@
                     <a:lstStyle/>
                     <a:p>
                       <a:r>
-                        <a:rPr lang="es-ES" sz="1600" dirty="0" smtClean="0"/>
+                        <a:rPr lang="es-ES" sz="1600" dirty="0"/>
                         <a:t>Define un</a:t>
                       </a:r>
                       <a:r>
-                        <a:rPr lang="es-ES" sz="1600" baseline="0" dirty="0" smtClean="0"/>
+                        <a:rPr lang="es-ES" sz="1600" baseline="0" dirty="0"/>
                         <a:t> borde punteado</a:t>
                       </a:r>
                       <a:endParaRPr lang="es-ES" sz="1600" dirty="0"/>
@@ -6876,7 +6841,7 @@
                     <a:lstStyle/>
                     <a:p>
                       <a:r>
-                        <a:rPr lang="es-ES" sz="1600" i="1" dirty="0" err="1" smtClean="0"/>
+                        <a:rPr lang="es-ES" sz="1600" i="1" dirty="0" err="1"/>
                         <a:t>dashed</a:t>
                       </a:r>
                       <a:endParaRPr lang="es-ES" sz="1600" i="1" dirty="0"/>
@@ -6890,10 +6855,9 @@
                     <a:lstStyle/>
                     <a:p>
                       <a:r>
-                        <a:rPr lang="es-ES" sz="1600" dirty="0" smtClean="0"/>
+                        <a:rPr lang="es-ES" sz="1600" dirty="0"/>
                         <a:t>Define un borde rayado</a:t>
                       </a:r>
-                      <a:endParaRPr lang="es-ES" sz="1600" dirty="0"/>
                     </a:p>
                   </a:txBody>
                   <a:tcPr/>
@@ -6911,7 +6875,7 @@
                     <a:lstStyle/>
                     <a:p>
                       <a:r>
-                        <a:rPr lang="es-ES" sz="1600" i="1" dirty="0" err="1" smtClean="0"/>
+                        <a:rPr lang="es-ES" sz="1600" i="1" dirty="0" err="1"/>
                         <a:t>solid</a:t>
                       </a:r>
                       <a:endParaRPr lang="es-ES" sz="1600" i="1" dirty="0"/>
@@ -6925,10 +6889,9 @@
                     <a:lstStyle/>
                     <a:p>
                       <a:r>
-                        <a:rPr lang="es-ES" sz="1600" dirty="0" smtClean="0"/>
+                        <a:rPr lang="es-ES" sz="1600" dirty="0"/>
                         <a:t>Define un borde sólido</a:t>
                       </a:r>
-                      <a:endParaRPr lang="es-ES" sz="1600" dirty="0"/>
                     </a:p>
                   </a:txBody>
                   <a:tcPr/>
@@ -6946,7 +6909,7 @@
                     <a:lstStyle/>
                     <a:p>
                       <a:r>
-                        <a:rPr lang="es-ES" sz="1600" i="1" dirty="0" err="1" smtClean="0"/>
+                        <a:rPr lang="es-ES" sz="1600" i="1" dirty="0" err="1"/>
                         <a:t>double</a:t>
                       </a:r>
                       <a:endParaRPr lang="es-ES" sz="1600" i="1" dirty="0"/>
@@ -6960,10 +6923,9 @@
                     <a:lstStyle/>
                     <a:p>
                       <a:r>
-                        <a:rPr lang="es-ES" sz="1600" dirty="0" smtClean="0"/>
+                        <a:rPr lang="es-ES" sz="1600" dirty="0"/>
                         <a:t>Define un borde doble</a:t>
                       </a:r>
-                      <a:endParaRPr lang="es-ES" sz="1600" dirty="0"/>
                     </a:p>
                   </a:txBody>
                   <a:tcPr/>
@@ -6981,7 +6943,7 @@
                     <a:lstStyle/>
                     <a:p>
                       <a:r>
-                        <a:rPr lang="es-ES" sz="1600" i="1" dirty="0" err="1" smtClean="0"/>
+                        <a:rPr lang="es-ES" sz="1600" i="1" dirty="0" err="1"/>
                         <a:t>groove</a:t>
                       </a:r>
                       <a:endParaRPr lang="es-ES" sz="1600" i="1" dirty="0"/>
@@ -6995,27 +6957,27 @@
                     <a:lstStyle/>
                     <a:p>
                       <a:r>
-                        <a:rPr lang="es-ES" sz="1600" dirty="0" smtClean="0"/>
+                        <a:rPr lang="es-ES" sz="1600" dirty="0"/>
                         <a:t>Define un borde </a:t>
                       </a:r>
                       <a:r>
-                        <a:rPr lang="es-ES" sz="1600" i="1" dirty="0" err="1" smtClean="0"/>
+                        <a:rPr lang="es-ES" sz="1600" i="1" dirty="0" err="1"/>
                         <a:t>groov</a:t>
                       </a:r>
                       <a:r>
-                        <a:rPr lang="es-ES" sz="1600" dirty="0" smtClean="0"/>
+                        <a:rPr lang="es-ES" sz="1600" dirty="0"/>
                         <a:t> 3D. El efecto depende del</a:t>
                       </a:r>
                       <a:r>
-                        <a:rPr lang="es-ES" sz="1600" baseline="0" dirty="0" smtClean="0"/>
+                        <a:rPr lang="es-ES" sz="1600" baseline="0" dirty="0"/>
                         <a:t> valor de la propiedad </a:t>
                       </a:r>
                       <a:r>
-                        <a:rPr lang="es-ES" sz="1600" i="1" baseline="0" dirty="0" err="1" smtClean="0"/>
+                        <a:rPr lang="es-ES" sz="1600" i="1" baseline="0" dirty="0" err="1"/>
                         <a:t>border</a:t>
                       </a:r>
                       <a:r>
-                        <a:rPr lang="es-ES" sz="1600" i="1" baseline="0" dirty="0" smtClean="0"/>
+                        <a:rPr lang="es-ES" sz="1600" i="1" baseline="0" dirty="0"/>
                         <a:t>-color</a:t>
                       </a:r>
                       <a:endParaRPr lang="es-ES" sz="1600" i="1" dirty="0"/>
@@ -7036,7 +6998,7 @@
                     <a:lstStyle/>
                     <a:p>
                       <a:r>
-                        <a:rPr lang="es-ES" sz="1600" i="1" dirty="0" err="1" smtClean="0"/>
+                        <a:rPr lang="es-ES" sz="1600" i="1" dirty="0" err="1"/>
                         <a:t>ridge</a:t>
                       </a:r>
                       <a:endParaRPr lang="es-ES" sz="1600" i="1" dirty="0"/>
@@ -7050,35 +7012,35 @@
                     <a:lstStyle/>
                     <a:p>
                       <a:r>
-                        <a:rPr lang="es-ES" sz="1600" dirty="0" smtClean="0"/>
+                        <a:rPr lang="es-ES" sz="1600" dirty="0"/>
                         <a:t>Define un borde </a:t>
                       </a:r>
                       <a:r>
-                        <a:rPr lang="es-ES" sz="1600" i="1" dirty="0" err="1" smtClean="0"/>
+                        <a:rPr lang="es-ES" sz="1600" i="1" dirty="0" err="1"/>
                         <a:t>ridge</a:t>
                       </a:r>
                       <a:r>
-                        <a:rPr lang="es-ES" sz="1600" i="1" dirty="0" smtClean="0"/>
+                        <a:rPr lang="es-ES" sz="1600" i="1" dirty="0"/>
                         <a:t> </a:t>
                       </a:r>
                       <a:r>
-                        <a:rPr lang="es-ES" sz="1600" i="0" dirty="0" smtClean="0"/>
+                        <a:rPr lang="es-ES" sz="1600" i="0" dirty="0"/>
                         <a:t>3D</a:t>
                       </a:r>
                       <a:r>
-                        <a:rPr lang="es-ES" sz="1600" dirty="0" smtClean="0"/>
+                        <a:rPr lang="es-ES" sz="1600" dirty="0"/>
                         <a:t>. El efecto depende del</a:t>
                       </a:r>
                       <a:r>
-                        <a:rPr lang="es-ES" sz="1600" baseline="0" dirty="0" smtClean="0"/>
+                        <a:rPr lang="es-ES" sz="1600" baseline="0" dirty="0"/>
                         <a:t> valor de la propiedad </a:t>
                       </a:r>
                       <a:r>
-                        <a:rPr lang="es-ES" sz="1600" i="1" baseline="0" dirty="0" err="1" smtClean="0"/>
+                        <a:rPr lang="es-ES" sz="1600" i="1" baseline="0" dirty="0" err="1"/>
                         <a:t>border</a:t>
                       </a:r>
                       <a:r>
-                        <a:rPr lang="es-ES" sz="1600" i="1" baseline="0" dirty="0" smtClean="0"/>
+                        <a:rPr lang="es-ES" sz="1600" i="1" baseline="0" dirty="0"/>
                         <a:t>-color</a:t>
                       </a:r>
                       <a:endParaRPr lang="es-ES" sz="1600" dirty="0"/>
@@ -7099,7 +7061,7 @@
                     <a:lstStyle/>
                     <a:p>
                       <a:r>
-                        <a:rPr lang="es-ES" sz="1600" i="1" dirty="0" err="1" smtClean="0"/>
+                        <a:rPr lang="es-ES" sz="1600" i="1" dirty="0" err="1"/>
                         <a:t>inset</a:t>
                       </a:r>
                       <a:endParaRPr lang="es-ES" sz="1600" i="1" dirty="0"/>
@@ -7113,27 +7075,27 @@
                     <a:lstStyle/>
                     <a:p>
                       <a:r>
-                        <a:rPr lang="es-ES" sz="1600" dirty="0" smtClean="0"/>
+                        <a:rPr lang="es-ES" sz="1600" dirty="0"/>
                         <a:t>Define un borde </a:t>
                       </a:r>
                       <a:r>
-                        <a:rPr lang="es-ES" sz="1600" i="1" dirty="0" err="1" smtClean="0"/>
+                        <a:rPr lang="es-ES" sz="1600" i="1" dirty="0" err="1"/>
                         <a:t>inset</a:t>
                       </a:r>
                       <a:r>
-                        <a:rPr lang="es-ES" sz="1600" dirty="0" smtClean="0"/>
+                        <a:rPr lang="es-ES" sz="1600" dirty="0"/>
                         <a:t> 3D. El efecto depende del</a:t>
                       </a:r>
                       <a:r>
-                        <a:rPr lang="es-ES" sz="1600" baseline="0" dirty="0" smtClean="0"/>
+                        <a:rPr lang="es-ES" sz="1600" baseline="0" dirty="0"/>
                         <a:t> valor de la propiedad </a:t>
                       </a:r>
                       <a:r>
-                        <a:rPr lang="es-ES" sz="1600" i="1" baseline="0" dirty="0" err="1" smtClean="0"/>
+                        <a:rPr lang="es-ES" sz="1600" i="1" baseline="0" dirty="0" err="1"/>
                         <a:t>border</a:t>
                       </a:r>
                       <a:r>
-                        <a:rPr lang="es-ES" sz="1600" i="1" baseline="0" dirty="0" smtClean="0"/>
+                        <a:rPr lang="es-ES" sz="1600" i="1" baseline="0" dirty="0"/>
                         <a:t>-color</a:t>
                       </a:r>
                       <a:endParaRPr lang="es-ES" sz="1600" dirty="0"/>
@@ -7154,7 +7116,7 @@
                     <a:lstStyle/>
                     <a:p>
                       <a:r>
-                        <a:rPr lang="es-ES" sz="1600" i="1" dirty="0" err="1" smtClean="0"/>
+                        <a:rPr lang="es-ES" sz="1600" i="1" dirty="0" err="1"/>
                         <a:t>outset</a:t>
                       </a:r>
                       <a:endParaRPr lang="es-ES" sz="1600" i="1" dirty="0"/>
@@ -7168,27 +7130,27 @@
                     <a:lstStyle/>
                     <a:p>
                       <a:r>
-                        <a:rPr lang="es-ES" sz="1600" dirty="0" smtClean="0"/>
+                        <a:rPr lang="es-ES" sz="1600" dirty="0"/>
                         <a:t>Define un borde </a:t>
                       </a:r>
                       <a:r>
-                        <a:rPr lang="es-ES" sz="1600" i="1" dirty="0" err="1" smtClean="0"/>
+                        <a:rPr lang="es-ES" sz="1600" i="1" dirty="0" err="1"/>
                         <a:t>outset</a:t>
                       </a:r>
                       <a:r>
-                        <a:rPr lang="es-ES" sz="1600" dirty="0" smtClean="0"/>
+                        <a:rPr lang="es-ES" sz="1600" dirty="0"/>
                         <a:t> 3D. El efecto depende del</a:t>
                       </a:r>
                       <a:r>
-                        <a:rPr lang="es-ES" sz="1600" baseline="0" dirty="0" smtClean="0"/>
+                        <a:rPr lang="es-ES" sz="1600" baseline="0" dirty="0"/>
                         <a:t> valor de la propiedad </a:t>
                       </a:r>
                       <a:r>
-                        <a:rPr lang="es-ES" sz="1600" i="1" baseline="0" dirty="0" err="1" smtClean="0"/>
+                        <a:rPr lang="es-ES" sz="1600" i="1" baseline="0" dirty="0" err="1"/>
                         <a:t>border</a:t>
                       </a:r>
                       <a:r>
-                        <a:rPr lang="es-ES" sz="1600" i="1" baseline="0" dirty="0" smtClean="0"/>
+                        <a:rPr lang="es-ES" sz="1600" i="1" baseline="0" dirty="0"/>
                         <a:t>-color</a:t>
                       </a:r>
                       <a:endParaRPr lang="es-ES" sz="1600" dirty="0"/>
@@ -7209,7 +7171,7 @@
                     <a:lstStyle/>
                     <a:p>
                       <a:r>
-                        <a:rPr lang="es-ES" sz="1600" i="1" dirty="0" err="1" smtClean="0"/>
+                        <a:rPr lang="es-ES" sz="1600" i="1" dirty="0" err="1"/>
                         <a:t>none</a:t>
                       </a:r>
                       <a:endParaRPr lang="es-ES" sz="1600" i="1" dirty="0"/>
@@ -7223,10 +7185,9 @@
                     <a:lstStyle/>
                     <a:p>
                       <a:r>
-                        <a:rPr lang="es-ES" sz="1600" dirty="0" smtClean="0"/>
+                        <a:rPr lang="es-ES" sz="1600" dirty="0"/>
                         <a:t>No define borde</a:t>
                       </a:r>
-                      <a:endParaRPr lang="es-ES" sz="1600" dirty="0"/>
                     </a:p>
                   </a:txBody>
                   <a:tcPr/>
@@ -7244,7 +7205,7 @@
                     <a:lstStyle/>
                     <a:p>
                       <a:r>
-                        <a:rPr lang="es-ES" sz="1600" i="1" dirty="0" err="1" smtClean="0"/>
+                        <a:rPr lang="es-ES" sz="1600" i="1" dirty="0" err="1"/>
                         <a:t>hidden</a:t>
                       </a:r>
                       <a:endParaRPr lang="es-ES" sz="1600" i="1" dirty="0"/>
@@ -7258,11 +7219,11 @@
                     <a:lstStyle/>
                     <a:p>
                       <a:r>
-                        <a:rPr lang="es-ES" sz="1600" dirty="0" smtClean="0"/>
+                        <a:rPr lang="es-ES" sz="1600" dirty="0"/>
                         <a:t>Define</a:t>
                       </a:r>
                       <a:r>
-                        <a:rPr lang="es-ES" sz="1600" baseline="0" dirty="0" smtClean="0"/>
+                        <a:rPr lang="es-ES" sz="1600" baseline="0" dirty="0"/>
                         <a:t> un borde escondido</a:t>
                       </a:r>
                       <a:endParaRPr lang="es-ES" sz="1600" dirty="0"/>
@@ -7722,11 +7683,11 @@
           <a:lstStyle/>
           <a:p>
             <a:r>
-              <a:rPr lang="es-ES" dirty="0" smtClean="0"/>
+              <a:rPr lang="es-ES" dirty="0"/>
               <a:t>CSS – </a:t>
             </a:r>
             <a:r>
-              <a:rPr lang="es-ES" i="1" dirty="0" err="1" smtClean="0"/>
+              <a:rPr lang="es-ES" i="1" dirty="0" err="1"/>
               <a:t>Shorthand</a:t>
             </a:r>
             <a:endParaRPr lang="es-ES" i="1" dirty="0"/>
@@ -7754,10 +7715,10 @@
               </a:lnSpc>
             </a:pPr>
             <a:r>
-              <a:rPr lang="es-ES" dirty="0" smtClean="0"/>
+              <a:rPr lang="es-ES" dirty="0"/>
               <a:t>Para acortar el código, es posible especificar varias propiedades en una sola propiedad</a:t>
             </a:r>
-            <a:endParaRPr lang="es-ES" i="1" dirty="0" smtClean="0"/>
+            <a:endParaRPr lang="es-ES" i="1" dirty="0"/>
           </a:p>
           <a:p>
             <a:pPr marL="201168" lvl="1" indent="0">
@@ -8307,19 +8268,19 @@
               </a:lnSpc>
             </a:pPr>
             <a:r>
-              <a:rPr lang="es-ES" dirty="0" smtClean="0"/>
+              <a:rPr lang="es-ES" dirty="0"/>
               <a:t>Las propiedades </a:t>
             </a:r>
             <a:r>
-              <a:rPr lang="es-ES" i="1" dirty="0" err="1" smtClean="0"/>
+              <a:rPr lang="es-ES" i="1" dirty="0" err="1"/>
               <a:t>margin</a:t>
             </a:r>
             <a:r>
-              <a:rPr lang="es-ES" i="1" dirty="0" smtClean="0"/>
+              <a:rPr lang="es-ES" i="1" dirty="0"/>
               <a:t> </a:t>
             </a:r>
             <a:r>
-              <a:rPr lang="es-ES" dirty="0" smtClean="0"/>
+              <a:rPr lang="es-ES" dirty="0"/>
               <a:t>son usadas para crear espacio alrededor de elementos, por fuera de los bordes definidos</a:t>
             </a:r>
           </a:p>
@@ -8330,43 +8291,39 @@
               </a:lnSpc>
             </a:pPr>
             <a:r>
-              <a:rPr lang="es-ES" dirty="0" smtClean="0"/>
+              <a:rPr lang="es-ES" dirty="0"/>
               <a:t>Con CSS, se tiene control total de los márgenes. Hay propiedades para configurar el margen para cada lado de un elemento (</a:t>
             </a:r>
             <a:r>
-              <a:rPr lang="es-ES" i="1" dirty="0" smtClean="0"/>
+              <a:rPr lang="es-ES" i="1" dirty="0"/>
               <a:t>top</a:t>
             </a:r>
             <a:r>
-              <a:rPr lang="es-ES" dirty="0" smtClean="0"/>
+              <a:rPr lang="es-ES" dirty="0"/>
               <a:t>, </a:t>
             </a:r>
             <a:r>
-              <a:rPr lang="es-ES" i="1" dirty="0" err="1" smtClean="0"/>
+              <a:rPr lang="es-ES" i="1" dirty="0" err="1"/>
               <a:t>right</a:t>
             </a:r>
             <a:r>
-              <a:rPr lang="es-ES" dirty="0" smtClean="0"/>
+              <a:rPr lang="es-ES" dirty="0"/>
               <a:t>, </a:t>
             </a:r>
             <a:r>
-              <a:rPr lang="es-ES" i="1" dirty="0" err="1" smtClean="0"/>
+              <a:rPr lang="es-ES" i="1" dirty="0" err="1"/>
               <a:t>bottom</a:t>
             </a:r>
             <a:r>
               <a:rPr lang="es-ES" dirty="0"/>
-              <a:t> </a:t>
-            </a:r>
-            <a:r>
-              <a:rPr lang="es-ES" dirty="0" smtClean="0"/>
-              <a:t>y </a:t>
-            </a:r>
-            <a:r>
-              <a:rPr lang="es-ES" i="1" dirty="0" err="1" smtClean="0"/>
+              <a:t> y </a:t>
+            </a:r>
+            <a:r>
+              <a:rPr lang="es-ES" i="1" dirty="0" err="1"/>
               <a:t>left</a:t>
             </a:r>
             <a:r>
-              <a:rPr lang="es-ES" dirty="0" smtClean="0"/>
+              <a:rPr lang="es-ES" dirty="0"/>
               <a:t>)</a:t>
             </a:r>
           </a:p>
@@ -8377,7 +8334,7 @@
               </a:lnSpc>
             </a:pPr>
             <a:r>
-              <a:rPr lang="es-ES" dirty="0" smtClean="0"/>
+              <a:rPr lang="es-ES" dirty="0"/>
               <a:t>Todas las propiedades de margen pueden tener los siguientes valores:</a:t>
             </a:r>
           </a:p>
@@ -8389,14 +8346,10 @@
             </a:pPr>
             <a:r>
               <a:rPr lang="es-ES" sz="1600" b="1" i="1" dirty="0"/>
-              <a:t>a</a:t>
-            </a:r>
-            <a:r>
-              <a:rPr lang="es-ES" sz="1600" b="1" i="1" dirty="0" smtClean="0"/>
-              <a:t>uto</a:t>
-            </a:r>
-            <a:r>
-              <a:rPr lang="es-ES" sz="1600" dirty="0" smtClean="0"/>
+              <a:t>auto</a:t>
+            </a:r>
+            <a:r>
+              <a:rPr lang="es-ES" sz="1600" dirty="0"/>
               <a:t>: el navegador calcula el margen</a:t>
             </a:r>
           </a:p>
@@ -8408,22 +8361,18 @@
             </a:pPr>
             <a:r>
               <a:rPr lang="es-ES" sz="1600" b="1" i="1" dirty="0" err="1"/>
-              <a:t>l</a:t>
-            </a:r>
-            <a:r>
-              <a:rPr lang="es-ES" sz="1600" b="1" i="1" dirty="0" err="1" smtClean="0"/>
-              <a:t>ength</a:t>
-            </a:r>
-            <a:r>
-              <a:rPr lang="es-ES" sz="1600" dirty="0" smtClean="0"/>
+              <a:t>length</a:t>
+            </a:r>
+            <a:r>
+              <a:rPr lang="es-ES" sz="1600" dirty="0"/>
               <a:t>: especifica el margen en </a:t>
             </a:r>
             <a:r>
-              <a:rPr lang="es-ES" sz="1600" dirty="0" err="1" smtClean="0"/>
+              <a:rPr lang="es-ES" sz="1600" dirty="0" err="1"/>
               <a:t>px</a:t>
             </a:r>
             <a:r>
-              <a:rPr lang="es-ES" sz="1600" dirty="0" smtClean="0"/>
+              <a:rPr lang="es-ES" sz="1600" dirty="0"/>
               <a:t>, pt, cm, etc.</a:t>
             </a:r>
           </a:p>
@@ -8434,11 +8383,11 @@
               </a:lnSpc>
             </a:pPr>
             <a:r>
-              <a:rPr lang="es-ES" sz="1600" b="1" i="1" dirty="0" smtClean="0"/>
+              <a:rPr lang="es-ES" sz="1600" b="1" i="1" dirty="0"/>
               <a:t>%</a:t>
             </a:r>
             <a:r>
-              <a:rPr lang="es-ES" sz="1600" dirty="0" smtClean="0"/>
+              <a:rPr lang="es-ES" sz="1600" dirty="0"/>
               <a:t>: especifica un margen en % del ancho del elemento contenedor</a:t>
             </a:r>
           </a:p>
@@ -8450,14 +8399,10 @@
             </a:pPr>
             <a:r>
               <a:rPr lang="es-ES" sz="1600" b="1" i="1" dirty="0" err="1"/>
-              <a:t>i</a:t>
-            </a:r>
-            <a:r>
-              <a:rPr lang="es-ES" sz="1600" b="1" i="1" dirty="0" err="1" smtClean="0"/>
-              <a:t>nherit</a:t>
-            </a:r>
-            <a:r>
-              <a:rPr lang="es-ES" sz="1600" dirty="0" smtClean="0"/>
+              <a:t>inherit</a:t>
+            </a:r>
+            <a:r>
+              <a:rPr lang="es-ES" sz="1600" dirty="0"/>
               <a:t>: especifica que el margen debe ser heredado del elemento padre</a:t>
             </a:r>
           </a:p>
@@ -8468,15 +8413,15 @@
               </a:lnSpc>
             </a:pPr>
             <a:r>
-              <a:rPr lang="es-ES" dirty="0" smtClean="0"/>
+              <a:rPr lang="es-ES" dirty="0"/>
               <a:t>Se puede especificar la propiedad </a:t>
             </a:r>
             <a:r>
-              <a:rPr lang="es-ES" i="1" dirty="0" smtClean="0"/>
+              <a:rPr lang="es-ES" i="1" dirty="0"/>
               <a:t>auto </a:t>
             </a:r>
             <a:r>
-              <a:rPr lang="es-ES" dirty="0" smtClean="0"/>
+              <a:rPr lang="es-ES" dirty="0"/>
               <a:t>para centrar horizontalmente un elemento dentro de su contenedor</a:t>
             </a:r>
             <a:endParaRPr lang="es-ES" i="1" dirty="0"/>
@@ -8499,10 +8444,9 @@
           <a:lstStyle/>
           <a:p>
             <a:r>
-              <a:rPr lang="es-ES" dirty="0" smtClean="0"/>
+              <a:rPr lang="es-ES" dirty="0"/>
               <a:t>CSS – Márgenes</a:t>
             </a:r>
-            <a:endParaRPr lang="es-ES" dirty="0"/>
           </a:p>
         </p:txBody>
       </p:sp>
@@ -9358,19 +9302,19 @@
               </a:lnSpc>
             </a:pPr>
             <a:r>
-              <a:rPr lang="es-ES" dirty="0" smtClean="0"/>
+              <a:rPr lang="es-ES" dirty="0"/>
               <a:t>Las propiedades </a:t>
             </a:r>
             <a:r>
-              <a:rPr lang="es-ES" i="1" dirty="0" err="1" smtClean="0"/>
+              <a:rPr lang="es-ES" i="1" dirty="0" err="1"/>
               <a:t>padding</a:t>
             </a:r>
             <a:r>
-              <a:rPr lang="es-ES" i="1" dirty="0" smtClean="0"/>
+              <a:rPr lang="es-ES" i="1" dirty="0"/>
               <a:t> </a:t>
             </a:r>
             <a:r>
-              <a:rPr lang="es-ES" dirty="0" smtClean="0"/>
+              <a:rPr lang="es-ES" dirty="0"/>
               <a:t>son usadas para crear espacio alrededor del contenido de un elemento, por dentro de los bordes definidos</a:t>
             </a:r>
           </a:p>
@@ -9381,59 +9325,55 @@
               </a:lnSpc>
             </a:pPr>
             <a:r>
-              <a:rPr lang="es-ES" dirty="0" smtClean="0"/>
+              <a:rPr lang="es-ES" dirty="0"/>
               <a:t>Con CSS, se tiene control total del </a:t>
             </a:r>
             <a:r>
-              <a:rPr lang="es-ES" i="1" dirty="0" err="1" smtClean="0"/>
+              <a:rPr lang="es-ES" i="1" dirty="0" err="1"/>
               <a:t>padding</a:t>
             </a:r>
             <a:r>
-              <a:rPr lang="es-ES" dirty="0" smtClean="0"/>
+              <a:rPr lang="es-ES" dirty="0"/>
               <a:t>. Hay propiedades para configurar el </a:t>
             </a:r>
             <a:r>
-              <a:rPr lang="es-ES" i="1" dirty="0" err="1" smtClean="0"/>
+              <a:rPr lang="es-ES" i="1" dirty="0" err="1"/>
               <a:t>padding</a:t>
             </a:r>
             <a:r>
-              <a:rPr lang="es-ES" dirty="0" smtClean="0"/>
+              <a:rPr lang="es-ES" dirty="0"/>
               <a:t> para cada lado de un elemento (</a:t>
             </a:r>
             <a:r>
-              <a:rPr lang="es-ES" i="1" dirty="0" smtClean="0"/>
+              <a:rPr lang="es-ES" i="1" dirty="0"/>
               <a:t>top</a:t>
             </a:r>
             <a:r>
-              <a:rPr lang="es-ES" dirty="0" smtClean="0"/>
+              <a:rPr lang="es-ES" dirty="0"/>
               <a:t>, </a:t>
             </a:r>
             <a:r>
-              <a:rPr lang="es-ES" i="1" dirty="0" err="1" smtClean="0"/>
+              <a:rPr lang="es-ES" i="1" dirty="0" err="1"/>
               <a:t>right</a:t>
             </a:r>
             <a:r>
-              <a:rPr lang="es-ES" dirty="0" smtClean="0"/>
+              <a:rPr lang="es-ES" dirty="0"/>
               <a:t>, </a:t>
             </a:r>
             <a:r>
-              <a:rPr lang="es-ES" i="1" dirty="0" err="1" smtClean="0"/>
+              <a:rPr lang="es-ES" i="1" dirty="0" err="1"/>
               <a:t>bottom</a:t>
             </a:r>
             <a:r>
               <a:rPr lang="es-ES" dirty="0"/>
-              <a:t> </a:t>
-            </a:r>
-            <a:r>
-              <a:rPr lang="es-ES" dirty="0" smtClean="0"/>
-              <a:t>y </a:t>
-            </a:r>
-            <a:r>
-              <a:rPr lang="es-ES" i="1" dirty="0" err="1" smtClean="0"/>
+              <a:t> y </a:t>
+            </a:r>
+            <a:r>
+              <a:rPr lang="es-ES" i="1" dirty="0" err="1"/>
               <a:t>left</a:t>
             </a:r>
             <a:r>
-              <a:rPr lang="es-ES" dirty="0" smtClean="0"/>
+              <a:rPr lang="es-ES" dirty="0"/>
               <a:t>)</a:t>
             </a:r>
           </a:p>
@@ -9444,15 +9384,15 @@
               </a:lnSpc>
             </a:pPr>
             <a:r>
-              <a:rPr lang="es-ES" dirty="0" smtClean="0"/>
+              <a:rPr lang="es-ES" dirty="0"/>
               <a:t>Todas las propiedades de </a:t>
             </a:r>
             <a:r>
-              <a:rPr lang="es-ES" i="1" dirty="0" err="1" smtClean="0"/>
+              <a:rPr lang="es-ES" i="1" dirty="0" err="1"/>
               <a:t>padding</a:t>
             </a:r>
             <a:r>
-              <a:rPr lang="es-ES" dirty="0" smtClean="0"/>
+              <a:rPr lang="es-ES" dirty="0"/>
               <a:t> pueden tener los siguientes valores:</a:t>
             </a:r>
           </a:p>
@@ -9463,27 +9403,27 @@
               </a:lnSpc>
             </a:pPr>
             <a:r>
-              <a:rPr lang="es-ES" sz="1600" b="1" i="1" dirty="0" err="1" smtClean="0"/>
+              <a:rPr lang="es-ES" sz="1600" b="1" i="1" dirty="0" err="1"/>
               <a:t>length</a:t>
             </a:r>
             <a:r>
-              <a:rPr lang="es-ES" sz="1600" dirty="0" smtClean="0"/>
+              <a:rPr lang="es-ES" sz="1600" dirty="0"/>
               <a:t>: especifica el </a:t>
             </a:r>
             <a:r>
-              <a:rPr lang="es-ES" sz="1600" i="1" dirty="0" err="1" smtClean="0"/>
+              <a:rPr lang="es-ES" sz="1600" i="1" dirty="0" err="1"/>
               <a:t>padding</a:t>
             </a:r>
             <a:r>
-              <a:rPr lang="es-ES" sz="1600" dirty="0" smtClean="0"/>
+              <a:rPr lang="es-ES" sz="1600" dirty="0"/>
               <a:t> en </a:t>
             </a:r>
             <a:r>
-              <a:rPr lang="es-ES" sz="1600" dirty="0" err="1" smtClean="0"/>
+              <a:rPr lang="es-ES" sz="1600" dirty="0" err="1"/>
               <a:t>px</a:t>
             </a:r>
             <a:r>
-              <a:rPr lang="es-ES" sz="1600" dirty="0" smtClean="0"/>
+              <a:rPr lang="es-ES" sz="1600" dirty="0"/>
               <a:t>, pt, cm, etc.</a:t>
             </a:r>
           </a:p>
@@ -9494,19 +9434,19 @@
               </a:lnSpc>
             </a:pPr>
             <a:r>
-              <a:rPr lang="es-ES" sz="1600" b="1" i="1" dirty="0" smtClean="0"/>
+              <a:rPr lang="es-ES" sz="1600" b="1" i="1" dirty="0"/>
               <a:t>%</a:t>
             </a:r>
             <a:r>
-              <a:rPr lang="es-ES" sz="1600" dirty="0" smtClean="0"/>
+              <a:rPr lang="es-ES" sz="1600" dirty="0"/>
               <a:t>: especifica el </a:t>
             </a:r>
             <a:r>
-              <a:rPr lang="es-ES" sz="1600" i="1" dirty="0" err="1" smtClean="0"/>
+              <a:rPr lang="es-ES" sz="1600" i="1" dirty="0" err="1"/>
               <a:t>padding</a:t>
             </a:r>
             <a:r>
-              <a:rPr lang="es-ES" sz="1600" dirty="0" smtClean="0"/>
+              <a:rPr lang="es-ES" sz="1600" dirty="0"/>
               <a:t> en % del ancho del elemento contenedor</a:t>
             </a:r>
           </a:p>
@@ -9518,22 +9458,18 @@
             </a:pPr>
             <a:r>
               <a:rPr lang="es-ES" sz="1600" b="1" i="1" dirty="0" err="1"/>
-              <a:t>i</a:t>
-            </a:r>
-            <a:r>
-              <a:rPr lang="es-ES" sz="1600" b="1" i="1" dirty="0" err="1" smtClean="0"/>
-              <a:t>nherit</a:t>
-            </a:r>
-            <a:r>
-              <a:rPr lang="es-ES" sz="1600" dirty="0" smtClean="0"/>
+              <a:t>inherit</a:t>
+            </a:r>
+            <a:r>
+              <a:rPr lang="es-ES" sz="1600" dirty="0"/>
               <a:t>: especifica que el </a:t>
             </a:r>
             <a:r>
-              <a:rPr lang="es-ES" sz="1600" i="1" dirty="0" err="1" smtClean="0"/>
+              <a:rPr lang="es-ES" sz="1600" i="1" dirty="0" err="1"/>
               <a:t>padding</a:t>
             </a:r>
             <a:r>
-              <a:rPr lang="es-ES" sz="1600" dirty="0" smtClean="0"/>
+              <a:rPr lang="es-ES" sz="1600" dirty="0"/>
               <a:t> debe ser heredado del elemento padre</a:t>
             </a:r>
           </a:p>
@@ -9544,27 +9480,27 @@
               </a:lnSpc>
             </a:pPr>
             <a:r>
-              <a:rPr lang="es-ES" dirty="0" smtClean="0"/>
+              <a:rPr lang="es-ES" dirty="0"/>
               <a:t>La propiedad </a:t>
             </a:r>
             <a:r>
-              <a:rPr lang="es-ES" i="1" dirty="0" err="1" smtClean="0"/>
+              <a:rPr lang="es-ES" i="1" dirty="0" err="1"/>
               <a:t>width</a:t>
             </a:r>
             <a:r>
-              <a:rPr lang="es-ES" i="1" dirty="0" smtClean="0"/>
+              <a:rPr lang="es-ES" i="1" dirty="0"/>
               <a:t> </a:t>
             </a:r>
             <a:r>
-              <a:rPr lang="es-ES" dirty="0" smtClean="0"/>
+              <a:rPr lang="es-ES" dirty="0"/>
               <a:t>especifica el ancho del área de contenido de un elemento. El área de contenido es la porción dentro del </a:t>
             </a:r>
             <a:r>
-              <a:rPr lang="es-ES" i="1" dirty="0" err="1" smtClean="0"/>
+              <a:rPr lang="es-ES" i="1" dirty="0" err="1"/>
               <a:t>padding</a:t>
             </a:r>
             <a:r>
-              <a:rPr lang="es-ES" dirty="0" smtClean="0"/>
+              <a:rPr lang="es-ES" dirty="0"/>
               <a:t>, borde y margen de un elemento</a:t>
             </a:r>
           </a:p>
@@ -9575,19 +9511,19 @@
               </a:lnSpc>
             </a:pPr>
             <a:r>
-              <a:rPr lang="es-ES" dirty="0" smtClean="0"/>
+              <a:rPr lang="es-ES" dirty="0"/>
               <a:t>Si un elemento tiene un ancho específico, el </a:t>
             </a:r>
             <a:r>
-              <a:rPr lang="es-ES" i="1" dirty="0" err="1" smtClean="0"/>
+              <a:rPr lang="es-ES" i="1" dirty="0" err="1"/>
               <a:t>padding</a:t>
             </a:r>
             <a:r>
-              <a:rPr lang="es-ES" i="1" dirty="0" smtClean="0"/>
+              <a:rPr lang="es-ES" i="1" dirty="0"/>
               <a:t> </a:t>
             </a:r>
             <a:r>
-              <a:rPr lang="es-ES" dirty="0" smtClean="0"/>
+              <a:rPr lang="es-ES" dirty="0"/>
               <a:t>agregado a ese elemento será agregado al ancho total del elemento. Lo cual es, usualmente, un resultado no deseado</a:t>
             </a:r>
             <a:endParaRPr lang="es-ES" i="1" dirty="0"/>
@@ -9610,11 +9546,11 @@
           <a:lstStyle/>
           <a:p>
             <a:r>
-              <a:rPr lang="es-ES" dirty="0" smtClean="0"/>
+              <a:rPr lang="es-ES" dirty="0"/>
               <a:t>CSS – </a:t>
             </a:r>
             <a:r>
-              <a:rPr lang="es-ES" i="1" dirty="0" err="1" smtClean="0"/>
+              <a:rPr lang="es-ES" i="1" dirty="0" err="1"/>
               <a:t>Padding</a:t>
             </a:r>
             <a:endParaRPr lang="es-ES" i="1" dirty="0"/>
@@ -10501,23 +10437,23 @@
               </a:lnSpc>
             </a:pPr>
             <a:r>
-              <a:rPr lang="es-ES" dirty="0" smtClean="0"/>
+              <a:rPr lang="es-ES" dirty="0"/>
               <a:t>Las propiedades </a:t>
             </a:r>
             <a:r>
-              <a:rPr lang="es-ES" i="1" dirty="0" err="1" smtClean="0"/>
+              <a:rPr lang="es-ES" i="1" dirty="0" err="1"/>
               <a:t>height</a:t>
             </a:r>
             <a:r>
-              <a:rPr lang="es-ES" dirty="0" smtClean="0"/>
+              <a:rPr lang="es-ES" dirty="0"/>
               <a:t> y </a:t>
             </a:r>
             <a:r>
-              <a:rPr lang="es-ES" i="1" dirty="0" err="1" smtClean="0"/>
+              <a:rPr lang="es-ES" i="1" dirty="0" err="1"/>
               <a:t>width</a:t>
             </a:r>
             <a:r>
-              <a:rPr lang="es-ES" dirty="0" smtClean="0"/>
+              <a:rPr lang="es-ES" dirty="0"/>
               <a:t> son usadas para especificar el alto y ancho de un elemento</a:t>
             </a:r>
           </a:p>
@@ -10528,23 +10464,23 @@
               </a:lnSpc>
             </a:pPr>
             <a:r>
-              <a:rPr lang="es-ES" dirty="0" smtClean="0"/>
+              <a:rPr lang="es-ES" dirty="0"/>
               <a:t>No incluyen </a:t>
             </a:r>
             <a:r>
-              <a:rPr lang="es-ES" i="1" dirty="0" err="1" smtClean="0"/>
+              <a:rPr lang="es-ES" i="1" dirty="0" err="1"/>
               <a:t>padding</a:t>
             </a:r>
             <a:r>
-              <a:rPr lang="es-ES" dirty="0" smtClean="0"/>
+              <a:rPr lang="es-ES" dirty="0"/>
               <a:t>, bordes ni márgenes. Establecen el alto/ancho del área dentro del </a:t>
             </a:r>
             <a:r>
-              <a:rPr lang="es-ES" i="1" dirty="0" err="1" smtClean="0"/>
+              <a:rPr lang="es-ES" i="1" dirty="0" err="1"/>
               <a:t>padding</a:t>
             </a:r>
             <a:r>
-              <a:rPr lang="es-ES" dirty="0" smtClean="0"/>
+              <a:rPr lang="es-ES" dirty="0"/>
               <a:t>, borde y margen del elemento</a:t>
             </a:r>
           </a:p>
@@ -10555,27 +10491,27 @@
               </a:lnSpc>
             </a:pPr>
             <a:r>
-              <a:rPr lang="es-ES" dirty="0" smtClean="0"/>
+              <a:rPr lang="es-ES" dirty="0"/>
               <a:t>Las propiedades </a:t>
             </a:r>
             <a:r>
-              <a:rPr lang="es-ES" i="1" dirty="0" err="1" smtClean="0"/>
+              <a:rPr lang="es-ES" i="1" dirty="0" err="1"/>
               <a:t>height</a:t>
             </a:r>
             <a:r>
-              <a:rPr lang="es-ES" dirty="0" smtClean="0"/>
+              <a:rPr lang="es-ES" dirty="0"/>
               <a:t> y </a:t>
             </a:r>
             <a:r>
-              <a:rPr lang="es-ES" i="1" dirty="0" err="1" smtClean="0"/>
+              <a:rPr lang="es-ES" i="1" dirty="0" err="1"/>
               <a:t>width</a:t>
             </a:r>
             <a:r>
-              <a:rPr lang="es-ES" i="1" dirty="0" smtClean="0"/>
+              <a:rPr lang="es-ES" i="1" dirty="0"/>
               <a:t> </a:t>
             </a:r>
             <a:r>
-              <a:rPr lang="es-ES" dirty="0" smtClean="0"/>
+              <a:rPr lang="es-ES" dirty="0"/>
               <a:t>pueden tener los siguientes valores:</a:t>
             </a:r>
           </a:p>
@@ -10587,18 +10523,14 @@
             </a:pPr>
             <a:r>
               <a:rPr lang="es-ES" sz="1600" b="1" i="1" dirty="0"/>
-              <a:t>a</a:t>
-            </a:r>
-            <a:r>
-              <a:rPr lang="es-ES" sz="1600" b="1" i="1" dirty="0" smtClean="0"/>
-              <a:t>uto</a:t>
-            </a:r>
-            <a:r>
-              <a:rPr lang="es-ES" sz="1600" i="1" dirty="0" smtClean="0"/>
+              <a:t>auto</a:t>
+            </a:r>
+            <a:r>
+              <a:rPr lang="es-ES" sz="1600" i="1" dirty="0"/>
               <a:t>: </a:t>
             </a:r>
             <a:r>
-              <a:rPr lang="es-ES" sz="1600" dirty="0" smtClean="0"/>
+              <a:rPr lang="es-ES" sz="1600" dirty="0"/>
               <a:t>por defecto. El navegador calcula el alto y el ancho</a:t>
             </a:r>
           </a:p>
@@ -10609,7 +10541,7 @@
               </a:lnSpc>
             </a:pPr>
             <a:r>
-              <a:rPr lang="es-ES" sz="1600" b="1" i="1" dirty="0" err="1" smtClean="0"/>
+              <a:rPr lang="es-ES" sz="1600" b="1" i="1" dirty="0" err="1"/>
               <a:t>length</a:t>
             </a:r>
             <a:r>
@@ -10617,19 +10549,19 @@
               <a:t>:</a:t>
             </a:r>
             <a:r>
-              <a:rPr lang="es-ES" sz="1600" b="1" i="1" dirty="0" smtClean="0"/>
+              <a:rPr lang="es-ES" sz="1600" b="1" i="1" dirty="0"/>
               <a:t> </a:t>
             </a:r>
             <a:r>
-              <a:rPr lang="es-ES" sz="1600" dirty="0" smtClean="0"/>
+              <a:rPr lang="es-ES" sz="1600" dirty="0"/>
               <a:t>define el alto/ancho en </a:t>
             </a:r>
             <a:r>
-              <a:rPr lang="es-ES" sz="1600" dirty="0" err="1" smtClean="0"/>
+              <a:rPr lang="es-ES" sz="1600" dirty="0" err="1"/>
               <a:t>px</a:t>
             </a:r>
             <a:r>
-              <a:rPr lang="es-ES" sz="1600" dirty="0" smtClean="0"/>
+              <a:rPr lang="es-ES" sz="1600" dirty="0"/>
               <a:t>, cm, etc.</a:t>
             </a:r>
           </a:p>
@@ -10640,11 +10572,11 @@
               </a:lnSpc>
             </a:pPr>
             <a:r>
-              <a:rPr lang="es-ES" sz="1600" b="1" i="1" dirty="0" smtClean="0"/>
+              <a:rPr lang="es-ES" sz="1600" b="1" i="1" dirty="0"/>
               <a:t>%</a:t>
             </a:r>
             <a:r>
-              <a:rPr lang="es-ES" sz="1600" dirty="0" smtClean="0"/>
+              <a:rPr lang="es-ES" sz="1600" dirty="0"/>
               <a:t>: define el alto/ancho en porcentaje del bloque contenedor</a:t>
             </a:r>
           </a:p>
@@ -10655,11 +10587,11 @@
               </a:lnSpc>
             </a:pPr>
             <a:r>
-              <a:rPr lang="es-ES" sz="1600" b="1" i="1" dirty="0" err="1" smtClean="0"/>
+              <a:rPr lang="es-ES" sz="1600" b="1" i="1" dirty="0" err="1"/>
               <a:t>initial</a:t>
             </a:r>
             <a:r>
-              <a:rPr lang="es-ES" sz="1600" dirty="0" smtClean="0"/>
+              <a:rPr lang="es-ES" sz="1600" dirty="0"/>
               <a:t>: establece el alto/ancho a su valor por defecto</a:t>
             </a:r>
           </a:p>
@@ -10670,11 +10602,11 @@
               </a:lnSpc>
             </a:pPr>
             <a:r>
-              <a:rPr lang="es-ES" sz="1600" b="1" i="1" dirty="0" err="1" smtClean="0"/>
+              <a:rPr lang="es-ES" sz="1600" b="1" i="1" dirty="0" err="1"/>
               <a:t>inherit</a:t>
             </a:r>
             <a:r>
-              <a:rPr lang="es-ES" sz="1600" dirty="0" smtClean="0"/>
+              <a:rPr lang="es-ES" sz="1600" dirty="0"/>
               <a:t>: el alto/ancho será heredado del valor del padre</a:t>
             </a:r>
           </a:p>
@@ -10685,19 +10617,19 @@
               </a:lnSpc>
             </a:pPr>
             <a:r>
-              <a:rPr lang="es-ES" dirty="0" smtClean="0"/>
+              <a:rPr lang="es-ES" dirty="0"/>
               <a:t>La propiedad </a:t>
             </a:r>
             <a:r>
-              <a:rPr lang="es-ES" i="1" dirty="0" err="1" smtClean="0"/>
+              <a:rPr lang="es-ES" i="1" dirty="0" err="1"/>
               <a:t>max-width</a:t>
             </a:r>
             <a:r>
-              <a:rPr lang="es-ES" i="1" dirty="0" smtClean="0"/>
+              <a:rPr lang="es-ES" i="1" dirty="0"/>
               <a:t> </a:t>
             </a:r>
             <a:r>
-              <a:rPr lang="es-ES" dirty="0" smtClean="0"/>
+              <a:rPr lang="es-ES" dirty="0"/>
               <a:t>es usada para establecer el máximo ancho de un elemento</a:t>
             </a:r>
           </a:p>
@@ -10708,47 +10640,47 @@
               </a:lnSpc>
             </a:pPr>
             <a:r>
-              <a:rPr lang="es-ES" dirty="0" smtClean="0"/>
+              <a:rPr lang="es-ES" dirty="0"/>
               <a:t>La propiedad </a:t>
             </a:r>
             <a:r>
-              <a:rPr lang="es-ES" i="1" dirty="0" err="1" smtClean="0"/>
+              <a:rPr lang="es-ES" i="1" dirty="0" err="1"/>
               <a:t>max-width</a:t>
             </a:r>
             <a:r>
-              <a:rPr lang="es-ES" i="1" dirty="0" smtClean="0"/>
+              <a:rPr lang="es-ES" i="1" dirty="0"/>
               <a:t> </a:t>
             </a:r>
             <a:r>
-              <a:rPr lang="es-ES" dirty="0" smtClean="0"/>
+              <a:rPr lang="es-ES" dirty="0"/>
               <a:t>se puede establecer con </a:t>
             </a:r>
             <a:r>
-              <a:rPr lang="es-ES" i="1" dirty="0" err="1" smtClean="0"/>
+              <a:rPr lang="es-ES" i="1" dirty="0" err="1"/>
               <a:t>length</a:t>
             </a:r>
             <a:r>
-              <a:rPr lang="es-ES" i="1" dirty="0" smtClean="0"/>
+              <a:rPr lang="es-ES" i="1" dirty="0"/>
               <a:t> </a:t>
             </a:r>
             <a:r>
-              <a:rPr lang="es-ES" dirty="0" smtClean="0"/>
+              <a:rPr lang="es-ES" dirty="0"/>
               <a:t>(</a:t>
             </a:r>
             <a:r>
-              <a:rPr lang="es-ES" dirty="0" err="1" smtClean="0"/>
+              <a:rPr lang="es-ES" dirty="0" err="1"/>
               <a:t>px</a:t>
             </a:r>
             <a:r>
-              <a:rPr lang="es-ES" dirty="0" smtClean="0"/>
+              <a:rPr lang="es-ES" dirty="0"/>
               <a:t>, cm, etc.), o en porcentaje del bloque contenedor. También se puede definir en </a:t>
             </a:r>
             <a:r>
-              <a:rPr lang="es-ES" i="1" dirty="0" err="1" smtClean="0"/>
+              <a:rPr lang="es-ES" i="1" dirty="0" err="1"/>
               <a:t>none</a:t>
             </a:r>
             <a:r>
-              <a:rPr lang="es-ES" dirty="0" smtClean="0"/>
+              <a:rPr lang="es-ES" dirty="0"/>
               <a:t>, indicando que la propiedad no está definida</a:t>
             </a:r>
             <a:endParaRPr lang="es-ES" sz="2000" i="1" dirty="0"/>
@@ -10771,23 +10703,23 @@
           <a:lstStyle/>
           <a:p>
             <a:r>
-              <a:rPr lang="es-ES" dirty="0" smtClean="0"/>
+              <a:rPr lang="es-ES" dirty="0"/>
               <a:t>CSS – </a:t>
             </a:r>
             <a:r>
-              <a:rPr lang="es-ES" i="1" dirty="0" err="1" smtClean="0"/>
+              <a:rPr lang="es-ES" i="1" dirty="0" err="1"/>
               <a:t>Height</a:t>
             </a:r>
             <a:r>
-              <a:rPr lang="es-ES" i="1" dirty="0" smtClean="0"/>
+              <a:rPr lang="es-ES" i="1" dirty="0"/>
               <a:t> </a:t>
             </a:r>
             <a:r>
-              <a:rPr lang="es-ES" dirty="0" smtClean="0"/>
+              <a:rPr lang="es-ES" dirty="0"/>
               <a:t>y </a:t>
             </a:r>
             <a:r>
-              <a:rPr lang="es-ES" i="1" dirty="0" err="1" smtClean="0"/>
+              <a:rPr lang="es-ES" i="1" dirty="0" err="1"/>
               <a:t>Width</a:t>
             </a:r>
             <a:endParaRPr lang="es-ES" dirty="0"/>
@@ -11760,23 +11692,23 @@
               </a:lnSpc>
             </a:pPr>
             <a:r>
-              <a:rPr lang="es-ES" dirty="0" smtClean="0"/>
-              <a:t>Todos los elementos HTML pueden ser considerados como cajas. In CSS, el término </a:t>
-            </a:r>
-            <a:r>
-              <a:rPr lang="es-ES" i="1" dirty="0" smtClean="0"/>
+              <a:rPr lang="es-ES" dirty="0"/>
+              <a:t>Todos los elementos HTML pueden ser considerados como cajas. En CSS, el término </a:t>
+            </a:r>
+            <a:r>
+              <a:rPr lang="es-ES" i="1" dirty="0"/>
               <a:t>box </a:t>
             </a:r>
             <a:r>
-              <a:rPr lang="es-ES" i="1" dirty="0" err="1" smtClean="0"/>
+              <a:rPr lang="es-ES" i="1" dirty="0" err="1"/>
               <a:t>model</a:t>
             </a:r>
             <a:r>
-              <a:rPr lang="es-ES" i="1" dirty="0" smtClean="0"/>
+              <a:rPr lang="es-ES" i="1" dirty="0"/>
               <a:t> </a:t>
             </a:r>
             <a:r>
-              <a:rPr lang="es-ES" dirty="0" smtClean="0"/>
+              <a:rPr lang="es-ES" dirty="0"/>
               <a:t>es usado cuando se habla de diseño y estructura</a:t>
             </a:r>
           </a:p>
@@ -11787,35 +11719,35 @@
               </a:lnSpc>
             </a:pPr>
             <a:r>
-              <a:rPr lang="es-ES" dirty="0" smtClean="0"/>
+              <a:rPr lang="es-ES" dirty="0"/>
               <a:t>El </a:t>
             </a:r>
             <a:r>
-              <a:rPr lang="es-ES" i="1" dirty="0" smtClean="0"/>
+              <a:rPr lang="es-ES" i="1" dirty="0"/>
               <a:t>box </a:t>
             </a:r>
             <a:r>
-              <a:rPr lang="es-ES" i="1" dirty="0" err="1" smtClean="0"/>
+              <a:rPr lang="es-ES" i="1" dirty="0" err="1"/>
               <a:t>model</a:t>
             </a:r>
             <a:r>
-              <a:rPr lang="es-ES" i="1" dirty="0" smtClean="0"/>
+              <a:rPr lang="es-ES" i="1" dirty="0"/>
               <a:t> </a:t>
             </a:r>
             <a:r>
-              <a:rPr lang="es-ES" dirty="0" smtClean="0"/>
+              <a:rPr lang="es-ES" dirty="0"/>
               <a:t>es, esencialmente, una caja que contiene cada elemento HTML. Esta caja esta formada por: márgenes, bordes, </a:t>
             </a:r>
             <a:r>
-              <a:rPr lang="es-ES" i="1" dirty="0" err="1" smtClean="0"/>
+              <a:rPr lang="es-ES" i="1" dirty="0" err="1"/>
               <a:t>paddings</a:t>
             </a:r>
             <a:r>
-              <a:rPr lang="es-ES" i="1" dirty="0" smtClean="0"/>
+              <a:rPr lang="es-ES" i="1" dirty="0"/>
               <a:t> </a:t>
             </a:r>
             <a:r>
-              <a:rPr lang="es-ES" dirty="0" smtClean="0"/>
+              <a:rPr lang="es-ES" dirty="0"/>
               <a:t>y el contenido</a:t>
             </a:r>
           </a:p>
@@ -11845,15 +11777,15 @@
           <a:lstStyle/>
           <a:p>
             <a:r>
-              <a:rPr lang="es-ES" dirty="0" smtClean="0"/>
+              <a:rPr lang="es-ES" dirty="0"/>
               <a:t>CSS – </a:t>
             </a:r>
             <a:r>
-              <a:rPr lang="es-ES" i="1" dirty="0" smtClean="0"/>
+              <a:rPr lang="es-ES" i="1" dirty="0"/>
               <a:t>Box </a:t>
             </a:r>
             <a:r>
-              <a:rPr lang="es-ES" i="1" dirty="0" err="1" smtClean="0"/>
+              <a:rPr lang="es-ES" i="1" dirty="0" err="1"/>
               <a:t>model</a:t>
             </a:r>
             <a:endParaRPr lang="es-ES" dirty="0"/>
@@ -12430,10 +12362,9 @@
           <a:lstStyle/>
           <a:p>
             <a:r>
-              <a:rPr lang="es-ES" dirty="0" smtClean="0"/>
+              <a:rPr lang="es-ES" dirty="0"/>
               <a:t>CSS – Texto</a:t>
             </a:r>
-            <a:endParaRPr lang="es-ES" dirty="0"/>
           </a:p>
         </p:txBody>
       </p:sp>
@@ -12484,10 +12415,9 @@
                     <a:lstStyle/>
                     <a:p>
                       <a:r>
-                        <a:rPr lang="es-ES" sz="1600" dirty="0" smtClean="0"/>
+                        <a:rPr lang="es-ES" sz="1600" dirty="0"/>
                         <a:t>Propiedad</a:t>
                       </a:r>
-                      <a:endParaRPr lang="es-ES" sz="1600" dirty="0"/>
                     </a:p>
                   </a:txBody>
                   <a:tcPr/>
@@ -12498,10 +12428,9 @@
                     <a:lstStyle/>
                     <a:p>
                       <a:r>
-                        <a:rPr lang="es-ES" sz="1600" dirty="0" smtClean="0"/>
+                        <a:rPr lang="es-ES" sz="1600" dirty="0"/>
                         <a:t>Descripción</a:t>
                       </a:r>
-                      <a:endParaRPr lang="es-ES" sz="1600" dirty="0"/>
                     </a:p>
                   </a:txBody>
                   <a:tcPr/>
@@ -12519,7 +12448,7 @@
                     <a:lstStyle/>
                     <a:p>
                       <a:r>
-                        <a:rPr lang="es-ES" sz="1600" i="1" dirty="0" smtClean="0"/>
+                        <a:rPr lang="es-ES" sz="1600" i="1" dirty="0"/>
                         <a:t>color</a:t>
                       </a:r>
                       <a:endParaRPr lang="es-ES" sz="1600" dirty="0"/>
@@ -12550,35 +12479,35 @@
                         <a:defRPr/>
                       </a:pPr>
                       <a:r>
-                        <a:rPr lang="es-ES" sz="1600" dirty="0" smtClean="0"/>
+                        <a:rPr lang="es-ES" sz="1600" dirty="0"/>
                         <a:t>Define el color del texto. El color se puede especificar mediante un nombre (</a:t>
                       </a:r>
                       <a:r>
-                        <a:rPr lang="es-ES" sz="1600" i="1" dirty="0" smtClean="0"/>
+                        <a:rPr lang="es-ES" sz="1600" i="1" dirty="0"/>
                         <a:t>red</a:t>
                       </a:r>
                       <a:r>
-                        <a:rPr lang="es-ES" sz="1600" dirty="0" smtClean="0"/>
+                        <a:rPr lang="es-ES" sz="1600" dirty="0"/>
                         <a:t>), un valor HEX (</a:t>
                       </a:r>
                       <a:r>
-                        <a:rPr lang="es-ES" sz="1600" i="1" dirty="0" smtClean="0"/>
+                        <a:rPr lang="es-ES" sz="1600" i="1" dirty="0"/>
                         <a:t>#ff0000</a:t>
                       </a:r>
                       <a:r>
-                        <a:rPr lang="es-ES" sz="1600" dirty="0" smtClean="0"/>
+                        <a:rPr lang="es-ES" sz="1600" dirty="0"/>
                         <a:t>) o un valor RGB (</a:t>
                       </a:r>
                       <a:r>
-                        <a:rPr lang="es-ES" sz="1600" i="1" dirty="0" err="1" smtClean="0"/>
+                        <a:rPr lang="es-ES" sz="1600" i="1" dirty="0" err="1"/>
                         <a:t>rgb</a:t>
                       </a:r>
                       <a:r>
-                        <a:rPr lang="es-ES" sz="1600" i="1" dirty="0" smtClean="0"/>
+                        <a:rPr lang="es-ES" sz="1600" i="1" dirty="0"/>
                         <a:t>(255,0,0)</a:t>
                       </a:r>
                       <a:r>
-                        <a:rPr lang="es-ES" sz="1600" dirty="0" smtClean="0"/>
+                        <a:rPr lang="es-ES" sz="1600" dirty="0"/>
                         <a:t>)</a:t>
                       </a:r>
                     </a:p>
@@ -12598,7 +12527,7 @@
                     <a:lstStyle/>
                     <a:p>
                       <a:r>
-                        <a:rPr lang="es-ES" sz="1600" i="1" dirty="0" err="1" smtClean="0"/>
+                        <a:rPr lang="es-ES" sz="1600" i="1" dirty="0" err="1"/>
                         <a:t>text-align</a:t>
                       </a:r>
                       <a:endParaRPr lang="es-ES" sz="1600" dirty="0"/>
@@ -12629,46 +12558,46 @@
                         <a:defRPr/>
                       </a:pPr>
                       <a:r>
-                        <a:rPr lang="es-ES" sz="1600" dirty="0" smtClean="0"/>
+                        <a:rPr lang="es-ES" sz="1600" dirty="0"/>
                         <a:t>Especifica la alineación horizontal</a:t>
                       </a:r>
                       <a:r>
-                        <a:rPr lang="es-ES" sz="1600" baseline="0" dirty="0" smtClean="0"/>
+                        <a:rPr lang="es-ES" sz="1600" baseline="0" dirty="0"/>
                         <a:t> de un texto (</a:t>
                       </a:r>
                       <a:r>
-                        <a:rPr lang="es-ES" sz="1600" i="1" baseline="0" dirty="0" err="1" smtClean="0"/>
+                        <a:rPr lang="es-ES" sz="1600" i="1" baseline="0" dirty="0" err="1"/>
                         <a:t>left</a:t>
                       </a:r>
                       <a:r>
-                        <a:rPr lang="es-ES" sz="1600" baseline="0" dirty="0" smtClean="0"/>
+                        <a:rPr lang="es-ES" sz="1600" baseline="0" dirty="0"/>
                         <a:t>, </a:t>
                       </a:r>
                       <a:r>
-                        <a:rPr lang="es-ES" sz="1600" i="1" baseline="0" dirty="0" err="1" smtClean="0"/>
+                        <a:rPr lang="es-ES" sz="1600" i="1" baseline="0" dirty="0" err="1"/>
                         <a:t>right</a:t>
                       </a:r>
                       <a:r>
-                        <a:rPr lang="es-ES" sz="1600" baseline="0" dirty="0" smtClean="0"/>
+                        <a:rPr lang="es-ES" sz="1600" baseline="0" dirty="0"/>
                         <a:t>, </a:t>
                       </a:r>
                       <a:r>
-                        <a:rPr lang="es-ES" sz="1600" i="1" baseline="0" dirty="0" smtClean="0"/>
+                        <a:rPr lang="es-ES" sz="1600" i="1" baseline="0" dirty="0"/>
                         <a:t>center</a:t>
                       </a:r>
                       <a:r>
-                        <a:rPr lang="es-ES" sz="1600" baseline="0" dirty="0" smtClean="0"/>
+                        <a:rPr lang="es-ES" sz="1600" baseline="0" dirty="0"/>
                         <a:t>, </a:t>
                       </a:r>
                       <a:r>
-                        <a:rPr lang="es-ES" sz="1600" i="1" baseline="0" dirty="0" err="1" smtClean="0"/>
+                        <a:rPr lang="es-ES" sz="1600" i="1" baseline="0" dirty="0" err="1"/>
                         <a:t>justify</a:t>
                       </a:r>
                       <a:r>
-                        <a:rPr lang="es-ES" sz="1600" baseline="0" dirty="0" smtClean="0"/>
+                        <a:rPr lang="es-ES" sz="1600" baseline="0" dirty="0"/>
                         <a:t>)</a:t>
                       </a:r>
-                      <a:endParaRPr lang="es-ES" sz="1600" dirty="0" smtClean="0"/>
+                      <a:endParaRPr lang="es-ES" sz="1600" dirty="0"/>
                     </a:p>
                   </a:txBody>
                   <a:tcPr/>
@@ -12686,23 +12615,23 @@
                     <a:lstStyle/>
                     <a:p>
                       <a:r>
-                        <a:rPr lang="es-ES" sz="1600" i="1" dirty="0" err="1" smtClean="0"/>
+                        <a:rPr lang="es-ES" sz="1600" i="1" dirty="0" err="1"/>
                         <a:t>direction</a:t>
                       </a:r>
                       <a:r>
-                        <a:rPr lang="es-ES" sz="1600" i="1" dirty="0" smtClean="0"/>
+                        <a:rPr lang="es-ES" sz="1600" i="1" dirty="0"/>
                         <a:t> </a:t>
                       </a:r>
                       <a:r>
-                        <a:rPr lang="es-ES" sz="1600" dirty="0" smtClean="0"/>
+                        <a:rPr lang="es-ES" sz="1600" dirty="0"/>
                         <a:t>y </a:t>
                       </a:r>
                       <a:r>
-                        <a:rPr lang="es-ES" sz="1600" i="1" dirty="0" err="1" smtClean="0"/>
+                        <a:rPr lang="es-ES" sz="1600" i="1" dirty="0" err="1"/>
                         <a:t>unicode-bidi</a:t>
                       </a:r>
                       <a:r>
-                        <a:rPr lang="es-ES" sz="1600" i="1" dirty="0" smtClean="0"/>
+                        <a:rPr lang="es-ES" sz="1600" i="1" dirty="0"/>
                         <a:t> </a:t>
                       </a:r>
                       <a:endParaRPr lang="es-ES" sz="1600" dirty="0"/>
@@ -12716,10 +12645,9 @@
                     <a:lstStyle/>
                     <a:p>
                       <a:r>
-                        <a:rPr lang="es-ES" sz="1600" dirty="0" smtClean="0"/>
+                        <a:rPr lang="es-ES" sz="1600" dirty="0"/>
                         <a:t>Cambian la dirección del texto</a:t>
                       </a:r>
-                      <a:endParaRPr lang="es-ES" sz="1600" dirty="0"/>
                     </a:p>
                   </a:txBody>
                   <a:tcPr/>
@@ -12737,7 +12665,7 @@
                     <a:lstStyle/>
                     <a:p>
                       <a:r>
-                        <a:rPr lang="es-ES" sz="1600" i="1" dirty="0" err="1" smtClean="0"/>
+                        <a:rPr lang="es-ES" sz="1600" i="1" dirty="0" err="1"/>
                         <a:t>text-decoration</a:t>
                       </a:r>
                       <a:endParaRPr lang="es-ES" sz="1600" dirty="0"/>
@@ -12751,10 +12679,9 @@
                     <a:lstStyle/>
                     <a:p>
                       <a:r>
-                        <a:rPr lang="es-ES" sz="1600" dirty="0" smtClean="0"/>
+                        <a:rPr lang="es-ES" sz="1600" dirty="0"/>
                         <a:t>Agrega o retira decoración al texto</a:t>
                       </a:r>
-                      <a:endParaRPr lang="es-ES" sz="1600" dirty="0"/>
                     </a:p>
                   </a:txBody>
                   <a:tcPr/>
@@ -12772,7 +12699,7 @@
                     <a:lstStyle/>
                     <a:p>
                       <a:r>
-                        <a:rPr lang="es-ES" sz="1600" i="1" dirty="0" err="1" smtClean="0"/>
+                        <a:rPr lang="es-ES" sz="1600" i="1" dirty="0" err="1"/>
                         <a:t>text-transform</a:t>
                       </a:r>
                       <a:endParaRPr lang="es-ES" sz="1600" dirty="0"/>
@@ -12786,10 +12713,9 @@
                     <a:lstStyle/>
                     <a:p>
                       <a:r>
-                        <a:rPr lang="es-ES" sz="1600" dirty="0" smtClean="0"/>
+                        <a:rPr lang="es-ES" sz="1600" dirty="0"/>
                         <a:t>Especifica mayúsculas y minúsculas en un texto</a:t>
                       </a:r>
-                      <a:endParaRPr lang="es-ES" sz="1600" dirty="0"/>
                     </a:p>
                   </a:txBody>
                   <a:tcPr/>
@@ -12807,7 +12733,7 @@
                     <a:lstStyle/>
                     <a:p>
                       <a:r>
-                        <a:rPr lang="es-ES" sz="1600" i="1" dirty="0" err="1" smtClean="0"/>
+                        <a:rPr lang="es-ES" sz="1600" i="1" dirty="0" err="1"/>
                         <a:t>text-indent</a:t>
                       </a:r>
                       <a:endParaRPr lang="es-ES" sz="1600" dirty="0"/>
@@ -12821,18 +12747,17 @@
                     <a:lstStyle/>
                     <a:p>
                       <a:r>
-                        <a:rPr lang="es-ES" sz="1600" dirty="0" smtClean="0"/>
+                        <a:rPr lang="es-ES" sz="1600" dirty="0"/>
                         <a:t>Especifica la </a:t>
                       </a:r>
                       <a:r>
-                        <a:rPr lang="es-ES" sz="1600" dirty="0" err="1" smtClean="0"/>
+                        <a:rPr lang="es-ES" sz="1600" dirty="0" err="1"/>
                         <a:t>indentación</a:t>
                       </a:r>
                       <a:r>
-                        <a:rPr lang="es-ES" sz="1600" dirty="0" smtClean="0"/>
+                        <a:rPr lang="es-ES" sz="1600" dirty="0"/>
                         <a:t> de la primera línea de un texto</a:t>
                       </a:r>
-                      <a:endParaRPr lang="es-ES" sz="1600" dirty="0"/>
                     </a:p>
                   </a:txBody>
                   <a:tcPr/>
@@ -12850,7 +12775,7 @@
                     <a:lstStyle/>
                     <a:p>
                       <a:r>
-                        <a:rPr lang="es-ES" sz="1600" i="1" dirty="0" err="1" smtClean="0"/>
+                        <a:rPr lang="es-ES" sz="1600" i="1" dirty="0" err="1"/>
                         <a:t>letter-spacing</a:t>
                       </a:r>
                       <a:endParaRPr lang="es-ES" sz="1600" i="1" dirty="0"/>
@@ -12864,11 +12789,11 @@
                     <a:lstStyle/>
                     <a:p>
                       <a:r>
-                        <a:rPr lang="es-ES" sz="1600" dirty="0" smtClean="0"/>
+                        <a:rPr lang="es-ES" sz="1600" dirty="0"/>
                         <a:t>Especifica el espacio entre los</a:t>
                       </a:r>
                       <a:r>
-                        <a:rPr lang="es-ES" sz="1600" baseline="0" dirty="0" smtClean="0"/>
+                        <a:rPr lang="es-ES" sz="1600" baseline="0" dirty="0"/>
                         <a:t> caracteres en un texto</a:t>
                       </a:r>
                       <a:endParaRPr lang="es-ES" sz="1600" dirty="0"/>
@@ -12889,11 +12814,11 @@
                     <a:lstStyle/>
                     <a:p>
                       <a:r>
-                        <a:rPr lang="es-ES" sz="1600" i="1" dirty="0" smtClean="0"/>
+                        <a:rPr lang="es-ES" sz="1600" i="1" dirty="0"/>
                         <a:t>line-</a:t>
                       </a:r>
                       <a:r>
-                        <a:rPr lang="es-ES" sz="1600" i="1" dirty="0" err="1" smtClean="0"/>
+                        <a:rPr lang="es-ES" sz="1600" i="1" dirty="0" err="1"/>
                         <a:t>height</a:t>
                       </a:r>
                       <a:endParaRPr lang="es-ES" sz="1600" i="1" dirty="0"/>
@@ -12907,11 +12832,11 @@
                     <a:lstStyle/>
                     <a:p>
                       <a:r>
-                        <a:rPr lang="es-ES" sz="1600" dirty="0" smtClean="0"/>
+                        <a:rPr lang="es-ES" sz="1600" dirty="0"/>
                         <a:t>Especifica</a:t>
                       </a:r>
                       <a:r>
-                        <a:rPr lang="es-ES" sz="1600" baseline="0" dirty="0" smtClean="0"/>
+                        <a:rPr lang="es-ES" sz="1600" baseline="0" dirty="0"/>
                         <a:t> el espacio entre líneas</a:t>
                       </a:r>
                       <a:endParaRPr lang="es-ES" sz="1600" dirty="0"/>
@@ -12932,7 +12857,7 @@
                     <a:lstStyle/>
                     <a:p>
                       <a:r>
-                        <a:rPr lang="es-ES" sz="1600" i="1" dirty="0" err="1" smtClean="0"/>
+                        <a:rPr lang="es-ES" sz="1600" i="1" dirty="0" err="1"/>
                         <a:t>word-spacing</a:t>
                       </a:r>
                       <a:endParaRPr lang="es-ES" sz="1600" i="1" dirty="0"/>
@@ -12946,10 +12871,9 @@
                     <a:lstStyle/>
                     <a:p>
                       <a:r>
-                        <a:rPr lang="es-ES" sz="1600" dirty="0" smtClean="0"/>
+                        <a:rPr lang="es-ES" sz="1600" dirty="0"/>
                         <a:t>Especifica el espacio entre palabras en un texto</a:t>
                       </a:r>
-                      <a:endParaRPr lang="es-ES" sz="1600" dirty="0"/>
                     </a:p>
                   </a:txBody>
                   <a:tcPr/>
@@ -12967,7 +12891,7 @@
                     <a:lstStyle/>
                     <a:p>
                       <a:r>
-                        <a:rPr lang="es-ES" sz="1600" i="1" dirty="0" err="1" smtClean="0"/>
+                        <a:rPr lang="es-ES" sz="1600" i="1" dirty="0" err="1"/>
                         <a:t>text-shadow</a:t>
                       </a:r>
                       <a:endParaRPr lang="es-ES" sz="1600" i="1" dirty="0"/>
@@ -12981,11 +12905,11 @@
                     <a:lstStyle/>
                     <a:p>
                       <a:r>
-                        <a:rPr lang="es-ES" sz="1600" dirty="0" smtClean="0"/>
+                        <a:rPr lang="es-ES" sz="1600" dirty="0"/>
                         <a:t>Especifica el efecto de sombreado</a:t>
                       </a:r>
                       <a:r>
-                        <a:rPr lang="es-ES" sz="1600" baseline="0" dirty="0" smtClean="0"/>
+                        <a:rPr lang="es-ES" sz="1600" baseline="0" dirty="0"/>
                         <a:t> de un texto</a:t>
                       </a:r>
                       <a:endParaRPr lang="es-ES" sz="1600" dirty="0"/>
@@ -13324,50 +13248,45 @@
               </a:lnSpc>
             </a:pPr>
             <a:r>
-              <a:rPr lang="es-ES" dirty="0" smtClean="0"/>
+              <a:rPr lang="es-ES" dirty="0"/>
               <a:t>Las propiedades </a:t>
             </a:r>
             <a:r>
               <a:rPr lang="es-ES" i="1" dirty="0" err="1"/>
-              <a:t>f</a:t>
-            </a:r>
-            <a:r>
-              <a:rPr lang="es-ES" i="1" dirty="0" err="1" smtClean="0"/>
-              <a:t>ont</a:t>
-            </a:r>
-            <a:r>
-              <a:rPr lang="es-ES" i="1" dirty="0" smtClean="0"/>
+              <a:t>font</a:t>
+            </a:r>
+            <a:r>
+              <a:rPr lang="es-ES" i="1" dirty="0"/>
               <a:t> </a:t>
             </a:r>
             <a:r>
-              <a:rPr lang="es-ES" dirty="0" smtClean="0"/>
+              <a:rPr lang="es-ES" dirty="0"/>
               <a:t>definen el </a:t>
             </a:r>
             <a:r>
-              <a:rPr lang="es-ES" i="1" dirty="0" err="1" smtClean="0"/>
+              <a:rPr lang="es-ES" i="1" dirty="0" err="1"/>
               <a:t>font</a:t>
             </a:r>
             <a:r>
-              <a:rPr lang="es-ES" i="1" dirty="0" smtClean="0"/>
+              <a:rPr lang="es-ES" i="1" dirty="0"/>
               <a:t> </a:t>
             </a:r>
             <a:r>
-              <a:rPr lang="es-ES" i="1" dirty="0" err="1" smtClean="0"/>
+              <a:rPr lang="es-ES" i="1" dirty="0" err="1"/>
               <a:t>family</a:t>
             </a:r>
             <a:r>
-              <a:rPr lang="es-ES" dirty="0" smtClean="0"/>
+              <a:rPr lang="es-ES" dirty="0"/>
               <a:t>, </a:t>
             </a:r>
             <a:r>
-              <a:rPr lang="es-ES" i="1" dirty="0" err="1" smtClean="0"/>
+              <a:rPr lang="es-ES" i="1" dirty="0" err="1"/>
               <a:t>boldness</a:t>
             </a:r>
             <a:r>
-              <a:rPr lang="es-ES" dirty="0" smtClean="0"/>
+              <a:rPr lang="es-ES" dirty="0"/>
               <a:t>, tamaño y estilo del texto</a:t>
             </a:r>
-            <a:endParaRPr lang="es-ES" dirty="0"/>
           </a:p>
         </p:txBody>
       </p:sp>
@@ -13387,10 +13306,9 @@
           <a:lstStyle/>
           <a:p>
             <a:r>
-              <a:rPr lang="es-ES" dirty="0" smtClean="0"/>
+              <a:rPr lang="es-ES" dirty="0"/>
               <a:t>CSS – Fuentes de texto</a:t>
             </a:r>
-            <a:endParaRPr lang="es-ES" dirty="0"/>
           </a:p>
         </p:txBody>
       </p:sp>
@@ -13441,10 +13359,9 @@
                     <a:lstStyle/>
                     <a:p>
                       <a:r>
-                        <a:rPr lang="es-ES" sz="1800" dirty="0" smtClean="0"/>
+                        <a:rPr lang="es-ES" sz="1800" dirty="0"/>
                         <a:t>Propiedad</a:t>
                       </a:r>
-                      <a:endParaRPr lang="es-ES" sz="1800" dirty="0"/>
                     </a:p>
                   </a:txBody>
                   <a:tcPr/>
@@ -13455,10 +13372,9 @@
                     <a:lstStyle/>
                     <a:p>
                       <a:r>
-                        <a:rPr lang="es-ES" sz="1800" dirty="0" smtClean="0"/>
+                        <a:rPr lang="es-ES" sz="1800" dirty="0"/>
                         <a:t>Descripción</a:t>
                       </a:r>
-                      <a:endParaRPr lang="es-ES" sz="1800" dirty="0"/>
                     </a:p>
                   </a:txBody>
                   <a:tcPr/>
@@ -13476,7 +13392,7 @@
                     <a:lstStyle/>
                     <a:p>
                       <a:r>
-                        <a:rPr lang="es-ES" sz="1800" i="1" dirty="0" err="1" smtClean="0"/>
+                        <a:rPr lang="es-ES" sz="1800" i="1" dirty="0" err="1"/>
                         <a:t>font-family</a:t>
                       </a:r>
                       <a:endParaRPr lang="es-ES" sz="1800" dirty="0"/>
@@ -13507,14 +13423,14 @@
                         <a:defRPr/>
                       </a:pPr>
                       <a:r>
-                        <a:rPr lang="es-ES" sz="1800" dirty="0" smtClean="0"/>
+                        <a:rPr lang="es-ES" sz="1800" dirty="0"/>
                         <a:t>Define la</a:t>
                       </a:r>
                       <a:r>
-                        <a:rPr lang="es-ES" sz="1800" baseline="0" dirty="0" smtClean="0"/>
+                        <a:rPr lang="es-ES" sz="1800" baseline="0" dirty="0"/>
                         <a:t> fuente a usar. Esta propiedad debe especificar varias fuentes para usar de respaldo en caso de que el navegador no reconozca alguna(s) de las especificadas</a:t>
                       </a:r>
-                      <a:endParaRPr lang="es-ES" sz="1800" dirty="0" smtClean="0"/>
+                      <a:endParaRPr lang="es-ES" sz="1800" dirty="0"/>
                     </a:p>
                   </a:txBody>
                   <a:tcPr/>
@@ -13532,7 +13448,7 @@
                     <a:lstStyle/>
                     <a:p>
                       <a:r>
-                        <a:rPr lang="es-ES" sz="1800" i="1" dirty="0" err="1" smtClean="0"/>
+                        <a:rPr lang="es-ES" sz="1800" i="1" dirty="0" err="1"/>
                         <a:t>font-style</a:t>
                       </a:r>
                       <a:endParaRPr lang="es-ES" sz="1800" dirty="0"/>
@@ -13563,14 +13479,14 @@
                         <a:defRPr/>
                       </a:pPr>
                       <a:r>
-                        <a:rPr lang="es-ES" sz="1800" dirty="0" smtClean="0"/>
+                        <a:rPr lang="es-ES" sz="1800" dirty="0"/>
                         <a:t>Se</a:t>
                       </a:r>
                       <a:r>
-                        <a:rPr lang="es-ES" sz="1800" baseline="0" dirty="0" smtClean="0"/>
+                        <a:rPr lang="es-ES" sz="1800" baseline="0" dirty="0"/>
                         <a:t> usa mayormente para especificar texto cursivo</a:t>
                       </a:r>
-                      <a:endParaRPr lang="es-ES" sz="1800" dirty="0" smtClean="0"/>
+                      <a:endParaRPr lang="es-ES" sz="1800" dirty="0"/>
                     </a:p>
                   </a:txBody>
                   <a:tcPr/>
@@ -13588,7 +13504,7 @@
                     <a:lstStyle/>
                     <a:p>
                       <a:r>
-                        <a:rPr lang="es-ES" sz="1800" i="1" dirty="0" err="1" smtClean="0"/>
+                        <a:rPr lang="es-ES" sz="1800" i="1" dirty="0" err="1"/>
                         <a:t>font-size</a:t>
                       </a:r>
                       <a:endParaRPr lang="es-ES" sz="1800" dirty="0"/>
@@ -13602,11 +13518,11 @@
                     <a:lstStyle/>
                     <a:p>
                       <a:r>
-                        <a:rPr lang="es-ES" sz="1800" dirty="0" smtClean="0"/>
+                        <a:rPr lang="es-ES" sz="1800" dirty="0"/>
                         <a:t>Determina</a:t>
                       </a:r>
                       <a:r>
-                        <a:rPr lang="es-ES" sz="1800" baseline="0" dirty="0" smtClean="0"/>
+                        <a:rPr lang="es-ES" sz="1800" baseline="0" dirty="0"/>
                         <a:t> el tamaño del texto. Puede ser un valor absoluto o relativo</a:t>
                       </a:r>
                       <a:endParaRPr lang="es-ES" sz="1800" dirty="0"/>
@@ -13627,7 +13543,7 @@
                     <a:lstStyle/>
                     <a:p>
                       <a:r>
-                        <a:rPr lang="es-ES" sz="1800" i="1" dirty="0" err="1" smtClean="0"/>
+                        <a:rPr lang="es-ES" sz="1800" i="1" dirty="0" err="1"/>
                         <a:t>font-weight</a:t>
                       </a:r>
                       <a:endParaRPr lang="es-ES" sz="1800" dirty="0"/>
@@ -13641,10 +13557,9 @@
                     <a:lstStyle/>
                     <a:p>
                       <a:r>
-                        <a:rPr lang="es-ES" sz="1800" dirty="0" smtClean="0"/>
+                        <a:rPr lang="es-ES" sz="1800" dirty="0"/>
                         <a:t>Especifica el “peso” de la fuente</a:t>
                       </a:r>
-                      <a:endParaRPr lang="es-ES" sz="1800" dirty="0"/>
                     </a:p>
                   </a:txBody>
                   <a:tcPr/>
@@ -13662,7 +13577,7 @@
                     <a:lstStyle/>
                     <a:p>
                       <a:r>
-                        <a:rPr lang="es-ES" sz="1800" i="1" dirty="0" err="1" smtClean="0"/>
+                        <a:rPr lang="es-ES" sz="1800" i="1" dirty="0" err="1"/>
                         <a:t>font-variant</a:t>
                       </a:r>
                       <a:endParaRPr lang="es-ES" sz="1800" dirty="0"/>
@@ -13676,15 +13591,15 @@
                     <a:lstStyle/>
                     <a:p>
                       <a:r>
-                        <a:rPr lang="es-ES" sz="1800" dirty="0" smtClean="0"/>
+                        <a:rPr lang="es-ES" sz="1800" dirty="0"/>
                         <a:t>Determina</a:t>
                       </a:r>
                       <a:r>
-                        <a:rPr lang="es-ES" sz="1800" baseline="0" dirty="0" smtClean="0"/>
+                        <a:rPr lang="es-ES" sz="1800" baseline="0" dirty="0"/>
                         <a:t> si el texto debe ser mostrado en una fuente </a:t>
                       </a:r>
                       <a:r>
-                        <a:rPr lang="es-ES" sz="1800" i="1" baseline="0" dirty="0" err="1" smtClean="0"/>
+                        <a:rPr lang="es-ES" sz="1800" i="1" baseline="0" dirty="0" err="1"/>
                         <a:t>small-caps</a:t>
                       </a:r>
                       <a:endParaRPr lang="es-ES" sz="1800" i="1" dirty="0"/>
@@ -14083,10 +13998,9 @@
           <a:lstStyle/>
           <a:p>
             <a:r>
-              <a:rPr lang="es-ES" dirty="0" smtClean="0"/>
+              <a:rPr lang="es-ES" dirty="0"/>
               <a:t>CSS – Introducción</a:t>
             </a:r>
-            <a:endParaRPr lang="es-ES" dirty="0"/>
           </a:p>
         </p:txBody>
       </p:sp>
@@ -14113,39 +14027,39 @@
               </a:lnSpc>
             </a:pPr>
             <a:r>
-              <a:rPr lang="es-ES" dirty="0" smtClean="0"/>
+              <a:rPr lang="es-ES" dirty="0"/>
               <a:t>CSS significa </a:t>
             </a:r>
             <a:r>
-              <a:rPr lang="es-ES" b="1" i="1" dirty="0" err="1" smtClean="0"/>
+              <a:rPr lang="es-ES" b="1" i="1" dirty="0" err="1"/>
               <a:t>C</a:t>
             </a:r>
             <a:r>
-              <a:rPr lang="es-ES" i="1" dirty="0" err="1" smtClean="0"/>
+              <a:rPr lang="es-ES" i="1" dirty="0" err="1"/>
               <a:t>ascading</a:t>
             </a:r>
             <a:r>
-              <a:rPr lang="es-ES" i="1" dirty="0" smtClean="0"/>
+              <a:rPr lang="es-ES" i="1" dirty="0"/>
               <a:t> </a:t>
             </a:r>
             <a:r>
-              <a:rPr lang="es-ES" b="1" i="1" dirty="0" smtClean="0"/>
+              <a:rPr lang="es-ES" b="1" i="1" dirty="0"/>
               <a:t>S</a:t>
             </a:r>
             <a:r>
-              <a:rPr lang="es-ES" i="1" dirty="0" smtClean="0"/>
+              <a:rPr lang="es-ES" i="1" dirty="0"/>
               <a:t>tyle </a:t>
             </a:r>
             <a:r>
-              <a:rPr lang="es-ES" b="1" i="1" dirty="0" err="1" smtClean="0"/>
+              <a:rPr lang="es-ES" b="1" i="1" dirty="0" err="1"/>
               <a:t>S</a:t>
             </a:r>
             <a:r>
-              <a:rPr lang="es-ES" i="1" dirty="0" err="1" smtClean="0"/>
+              <a:rPr lang="es-ES" i="1" dirty="0" err="1"/>
               <a:t>heets</a:t>
             </a:r>
             <a:r>
-              <a:rPr lang="es-ES" dirty="0" smtClean="0"/>
+              <a:rPr lang="es-ES" dirty="0"/>
               <a:t> (hojas de estilo en cascada)</a:t>
             </a:r>
           </a:p>
@@ -14156,15 +14070,15 @@
               </a:lnSpc>
             </a:pPr>
             <a:r>
-              <a:rPr lang="es-ES" dirty="0" smtClean="0"/>
+              <a:rPr lang="es-ES" dirty="0"/>
               <a:t>CSS es un lenguaje que </a:t>
             </a:r>
             <a:r>
-              <a:rPr lang="es-ES" b="1" dirty="0" smtClean="0"/>
+              <a:rPr lang="es-ES" b="1" dirty="0"/>
               <a:t>describe el estilo</a:t>
             </a:r>
             <a:r>
-              <a:rPr lang="es-ES" dirty="0" smtClean="0"/>
+              <a:rPr lang="es-ES" dirty="0"/>
               <a:t> de un documento HTML</a:t>
             </a:r>
           </a:p>
@@ -14175,10 +14089,10 @@
               </a:lnSpc>
             </a:pPr>
             <a:r>
-              <a:rPr lang="es-ES" dirty="0" smtClean="0"/>
+              <a:rPr lang="es-ES" dirty="0"/>
               <a:t>CSS describe cómo los elementos HTML deben ser mostrados</a:t>
             </a:r>
-            <a:endParaRPr lang="es-ES" i="1" dirty="0" smtClean="0"/>
+            <a:endParaRPr lang="es-ES" i="1" dirty="0"/>
           </a:p>
           <a:p>
             <a:pPr lvl="1">
@@ -14187,7 +14101,7 @@
               </a:lnSpc>
             </a:pPr>
             <a:r>
-              <a:rPr lang="es-ES" dirty="0" smtClean="0"/>
+              <a:rPr lang="es-ES" dirty="0"/>
               <a:t>Usar CSS ahorra mucho trabajo, pues permite controlar la visualización de varias páginas web a la vez</a:t>
             </a:r>
           </a:p>
@@ -14198,19 +14112,19 @@
               </a:lnSpc>
             </a:pPr>
             <a:r>
-              <a:rPr lang="es-ES" dirty="0" smtClean="0"/>
+              <a:rPr lang="es-ES" dirty="0"/>
               <a:t>Las hojas de estilo externas son almacenadas como ficheros CSS (</a:t>
             </a:r>
             <a:r>
-              <a:rPr lang="es-ES" i="1" dirty="0" smtClean="0"/>
+              <a:rPr lang="es-ES" i="1" dirty="0"/>
               <a:t>.</a:t>
             </a:r>
             <a:r>
-              <a:rPr lang="es-ES" i="1" dirty="0" err="1" smtClean="0"/>
+              <a:rPr lang="es-ES" i="1" dirty="0" err="1"/>
               <a:t>css</a:t>
             </a:r>
             <a:r>
-              <a:rPr lang="es-ES" dirty="0" smtClean="0"/>
+              <a:rPr lang="es-ES" dirty="0"/>
               <a:t>)</a:t>
             </a:r>
           </a:p>
@@ -14221,7 +14135,7 @@
               </a:lnSpc>
             </a:pPr>
             <a:r>
-              <a:rPr lang="es-ES" dirty="0" smtClean="0"/>
+              <a:rPr lang="es-ES" dirty="0"/>
               <a:t>CSS es usado para definir estilos, incluyendo diseño, organización y variaciones en visualización para diferentes dispositivos y resoluciones de pantalla</a:t>
             </a:r>
           </a:p>
@@ -14232,15 +14146,15 @@
               </a:lnSpc>
             </a:pPr>
             <a:r>
-              <a:rPr lang="es-ES" dirty="0" smtClean="0"/>
+              <a:rPr lang="es-ES" dirty="0"/>
               <a:t>HTML fue creado para </a:t>
             </a:r>
             <a:r>
-              <a:rPr lang="es-ES" b="1" dirty="0" smtClean="0"/>
+              <a:rPr lang="es-ES" b="1" dirty="0"/>
               <a:t>describir el contenido </a:t>
             </a:r>
             <a:r>
-              <a:rPr lang="es-ES" dirty="0" smtClean="0"/>
+              <a:rPr lang="es-ES" dirty="0"/>
               <a:t>de una página web</a:t>
             </a:r>
           </a:p>
@@ -14251,7 +14165,7 @@
               </a:lnSpc>
             </a:pPr>
             <a:r>
-              <a:rPr lang="es-ES" dirty="0" smtClean="0"/>
+              <a:rPr lang="es-ES" dirty="0"/>
               <a:t>Nunca fue el objetivo de HTML el contener etiquetas para dar formato a una página web</a:t>
             </a:r>
           </a:p>
@@ -14261,7 +14175,7 @@
                 <a:spcPct val="100000"/>
               </a:lnSpc>
             </a:pPr>
-            <a:endParaRPr lang="es-ES" dirty="0" smtClean="0"/>
+            <a:endParaRPr lang="es-ES" dirty="0"/>
           </a:p>
         </p:txBody>
       </p:sp>
@@ -14768,10 +14682,9 @@
           <a:lstStyle/>
           <a:p>
             <a:r>
-              <a:rPr lang="es-ES" dirty="0" smtClean="0"/>
+              <a:rPr lang="es-ES" dirty="0"/>
               <a:t>CSS – Enlaces</a:t>
             </a:r>
-            <a:endParaRPr lang="es-ES" dirty="0"/>
           </a:p>
         </p:txBody>
       </p:sp>
@@ -14793,60 +14706,52 @@
             <a:pPr lvl="1"/>
             <a:r>
               <a:rPr lang="es-ES" dirty="0"/>
-              <a:t>Los enlaces pueden ser estilizados dependiendo de en qué estado se </a:t>
-            </a:r>
-            <a:r>
-              <a:rPr lang="es-ES" dirty="0" smtClean="0"/>
-              <a:t>encuentren</a:t>
+              <a:t>Los enlaces pueden ser estilizados dependiendo de en qué estado se encuentren</a:t>
             </a:r>
           </a:p>
           <a:p>
             <a:pPr lvl="1"/>
             <a:r>
               <a:rPr lang="es-ES" i="1" dirty="0"/>
-              <a:t>a</a:t>
-            </a:r>
-            <a:r>
-              <a:rPr lang="es-ES" i="1" dirty="0" smtClean="0"/>
-              <a:t>:hover</a:t>
-            </a:r>
-            <a:r>
-              <a:rPr lang="es-ES" dirty="0" smtClean="0"/>
+              <a:t>a:hover</a:t>
+            </a:r>
+            <a:r>
+              <a:rPr lang="es-ES" dirty="0"/>
               <a:t> debe estar definido después de </a:t>
             </a:r>
             <a:r>
-              <a:rPr lang="es-ES" i="1" dirty="0" smtClean="0"/>
+              <a:rPr lang="es-ES" i="1" dirty="0"/>
               <a:t>a:link</a:t>
             </a:r>
             <a:r>
-              <a:rPr lang="es-ES" dirty="0" smtClean="0"/>
+              <a:rPr lang="es-ES" dirty="0"/>
               <a:t> y </a:t>
             </a:r>
             <a:r>
-              <a:rPr lang="es-ES" i="1" dirty="0" smtClean="0"/>
+              <a:rPr lang="es-ES" i="1" dirty="0"/>
               <a:t>a:visited</a:t>
             </a:r>
             <a:r>
-              <a:rPr lang="es-ES" dirty="0" smtClean="0"/>
+              <a:rPr lang="es-ES" dirty="0"/>
               <a:t> para que pueda ser efectivo</a:t>
             </a:r>
           </a:p>
           <a:p>
             <a:pPr lvl="1"/>
             <a:r>
-              <a:rPr lang="es-ES" i="1" dirty="0" smtClean="0"/>
+              <a:rPr lang="es-ES" i="1" dirty="0"/>
               <a:t>a:active</a:t>
             </a:r>
             <a:r>
-              <a:rPr lang="es-ES" dirty="0" smtClean="0"/>
+              <a:rPr lang="es-ES" dirty="0"/>
               <a:t> debe estar definido luego de </a:t>
             </a:r>
             <a:r>
-              <a:rPr lang="es-ES" i="1" dirty="0" smtClean="0"/>
+              <a:rPr lang="es-ES" i="1" dirty="0"/>
               <a:t>a:hover</a:t>
             </a:r>
             <a:r>
-              <a:rPr lang="es-ES" dirty="0" smtClean="0"/>
+              <a:rPr lang="es-ES" dirty="0"/>
               <a:t> para que pueda ser efectivo</a:t>
             </a:r>
           </a:p>
@@ -15692,10 +15597,9 @@
           <a:lstStyle/>
           <a:p>
             <a:r>
-              <a:rPr lang="es-ES" dirty="0" smtClean="0"/>
+              <a:rPr lang="es-ES" dirty="0"/>
               <a:t>CSS – Tablas</a:t>
             </a:r>
-            <a:endParaRPr lang="es-ES" dirty="0"/>
           </a:p>
         </p:txBody>
       </p:sp>
@@ -16043,19 +15947,19 @@
               </a:lnSpc>
             </a:pPr>
             <a:r>
-              <a:rPr lang="es-ES" dirty="0" smtClean="0"/>
+              <a:rPr lang="es-ES" dirty="0"/>
               <a:t>La propiedad </a:t>
             </a:r>
             <a:r>
-              <a:rPr lang="es-ES" i="1" dirty="0" err="1" smtClean="0"/>
+              <a:rPr lang="es-ES" i="1" dirty="0" err="1"/>
               <a:t>display</a:t>
             </a:r>
             <a:r>
-              <a:rPr lang="es-ES" i="1" dirty="0" smtClean="0"/>
+              <a:rPr lang="es-ES" i="1" dirty="0"/>
               <a:t> </a:t>
             </a:r>
             <a:r>
-              <a:rPr lang="es-ES" dirty="0" smtClean="0"/>
+              <a:rPr lang="es-ES" dirty="0"/>
               <a:t>especifica si/cómo un elemento es mostrado</a:t>
             </a:r>
           </a:p>
@@ -16066,39 +15970,35 @@
               </a:lnSpc>
             </a:pPr>
             <a:r>
-              <a:rPr lang="es-ES" dirty="0" smtClean="0"/>
+              <a:rPr lang="es-ES" dirty="0"/>
               <a:t>Cada elemento HTML tiene un valor </a:t>
             </a:r>
             <a:r>
-              <a:rPr lang="es-ES" i="1" dirty="0" err="1" smtClean="0"/>
+              <a:rPr lang="es-ES" i="1" dirty="0" err="1"/>
               <a:t>display</a:t>
             </a:r>
             <a:r>
-              <a:rPr lang="es-ES" i="1" dirty="0" smtClean="0"/>
+              <a:rPr lang="es-ES" i="1" dirty="0"/>
               <a:t> </a:t>
             </a:r>
             <a:r>
-              <a:rPr lang="es-ES" dirty="0" smtClean="0"/>
+              <a:rPr lang="es-ES" dirty="0"/>
               <a:t>por defecto (para la mayoría: </a:t>
             </a:r>
             <a:r>
-              <a:rPr lang="es-ES" i="1" dirty="0" smtClean="0"/>
+              <a:rPr lang="es-ES" i="1" dirty="0"/>
               <a:t>block</a:t>
             </a:r>
             <a:r>
-              <a:rPr lang="es-ES" dirty="0" smtClean="0"/>
-              <a:t> </a:t>
-            </a:r>
-            <a:r>
               <a:rPr lang="es-ES" dirty="0"/>
-              <a:t>o </a:t>
+              <a:t> o </a:t>
             </a:r>
             <a:r>
               <a:rPr lang="es-ES" i="1" dirty="0" err="1"/>
               <a:t>inline</a:t>
             </a:r>
             <a:r>
-              <a:rPr lang="es-ES" dirty="0" smtClean="0"/>
+              <a:rPr lang="es-ES" dirty="0"/>
               <a:t>)</a:t>
             </a:r>
           </a:p>
@@ -16110,14 +16010,10 @@
             </a:pPr>
             <a:r>
               <a:rPr lang="es-ES" i="1" dirty="0" err="1"/>
-              <a:t>d</a:t>
-            </a:r>
-            <a:r>
-              <a:rPr lang="es-ES" i="1" dirty="0" err="1" smtClean="0"/>
-              <a:t>isplay:none</a:t>
-            </a:r>
-            <a:r>
-              <a:rPr lang="es-ES" dirty="0" smtClean="0"/>
+              <a:t>display:none</a:t>
+            </a:r>
+            <a:r>
+              <a:rPr lang="es-ES" dirty="0"/>
               <a:t> se usa comúnmente para esconder y mostrar elementos</a:t>
             </a:r>
           </a:p>
@@ -16128,27 +16024,27 @@
               </a:lnSpc>
             </a:pPr>
             <a:r>
-              <a:rPr lang="es-ES" dirty="0" smtClean="0"/>
+              <a:rPr lang="es-ES" dirty="0"/>
               <a:t>Cambiar un elemento </a:t>
             </a:r>
             <a:r>
-              <a:rPr lang="es-ES" i="1" dirty="0" err="1" smtClean="0"/>
+              <a:rPr lang="es-ES" i="1" dirty="0" err="1"/>
               <a:t>inline</a:t>
             </a:r>
             <a:r>
-              <a:rPr lang="es-ES" i="1" dirty="0" smtClean="0"/>
+              <a:rPr lang="es-ES" i="1" dirty="0"/>
               <a:t> </a:t>
             </a:r>
             <a:r>
-              <a:rPr lang="es-ES" dirty="0" smtClean="0"/>
+              <a:rPr lang="es-ES" dirty="0"/>
               <a:t>y asignarle </a:t>
             </a:r>
             <a:r>
-              <a:rPr lang="es-ES" i="1" dirty="0" err="1" smtClean="0"/>
+              <a:rPr lang="es-ES" i="1" dirty="0" err="1"/>
               <a:t>display:block</a:t>
             </a:r>
             <a:r>
-              <a:rPr lang="es-ES" dirty="0" smtClean="0"/>
+              <a:rPr lang="es-ES" dirty="0"/>
               <a:t>, o viceversa, puede ser útil para que la página se vea de cierta manera y, aún así, seguir los estándares web</a:t>
             </a:r>
           </a:p>
@@ -16160,18 +16056,14 @@
             </a:pPr>
             <a:r>
               <a:rPr lang="es-ES" i="1" dirty="0" err="1"/>
-              <a:t>v</a:t>
-            </a:r>
-            <a:r>
-              <a:rPr lang="es-ES" i="1" dirty="0" err="1" smtClean="0"/>
-              <a:t>isibility:hidden</a:t>
-            </a:r>
-            <a:r>
-              <a:rPr lang="es-ES" i="1" dirty="0" smtClean="0"/>
+              <a:t>visibility:hidden</a:t>
+            </a:r>
+            <a:r>
+              <a:rPr lang="es-ES" i="1" dirty="0"/>
               <a:t> </a:t>
             </a:r>
             <a:r>
-              <a:rPr lang="es-ES" dirty="0" smtClean="0"/>
+              <a:rPr lang="es-ES" dirty="0"/>
               <a:t>también esconde un elemento, pero éste mantiene ocupado el mismo espacio que antes, por lo que afecta el diseño de la página</a:t>
             </a:r>
             <a:endParaRPr lang="es-ES" i="1" dirty="0"/>
@@ -16194,11 +16086,11 @@
           <a:lstStyle/>
           <a:p>
             <a:r>
-              <a:rPr lang="es-ES" dirty="0" smtClean="0"/>
+              <a:rPr lang="es-ES" dirty="0"/>
               <a:t>CSS – La propiedad </a:t>
             </a:r>
             <a:r>
-              <a:rPr lang="es-ES" i="1" dirty="0" err="1" smtClean="0"/>
+              <a:rPr lang="es-ES" i="1" dirty="0" err="1"/>
               <a:t>display</a:t>
             </a:r>
             <a:endParaRPr lang="es-ES" i="1" dirty="0"/>
@@ -16793,55 +16685,55 @@
               </a:lnSpc>
             </a:pPr>
             <a:r>
-              <a:rPr lang="es-ES" dirty="0" smtClean="0"/>
+              <a:rPr lang="es-ES" dirty="0"/>
               <a:t>La propiedad </a:t>
             </a:r>
             <a:r>
-              <a:rPr lang="es-ES" i="1" dirty="0" smtClean="0"/>
+              <a:rPr lang="es-ES" i="1" dirty="0"/>
               <a:t>position </a:t>
             </a:r>
             <a:r>
-              <a:rPr lang="es-ES" dirty="0" smtClean="0"/>
+              <a:rPr lang="es-ES" dirty="0"/>
               <a:t>especifica el método de posicionamiento usado para un elemento (</a:t>
             </a:r>
             <a:r>
-              <a:rPr lang="es-ES" i="1" dirty="0" err="1" smtClean="0"/>
+              <a:rPr lang="es-ES" i="1" dirty="0" err="1"/>
               <a:t>static</a:t>
             </a:r>
             <a:r>
-              <a:rPr lang="es-ES" dirty="0" smtClean="0"/>
+              <a:rPr lang="es-ES" dirty="0"/>
               <a:t>, </a:t>
             </a:r>
             <a:r>
-              <a:rPr lang="es-ES" i="1" dirty="0" err="1" smtClean="0"/>
+              <a:rPr lang="es-ES" i="1" dirty="0" err="1"/>
               <a:t>relative</a:t>
             </a:r>
             <a:r>
-              <a:rPr lang="es-ES" dirty="0" smtClean="0"/>
+              <a:rPr lang="es-ES" dirty="0"/>
               <a:t>, </a:t>
             </a:r>
             <a:r>
-              <a:rPr lang="es-ES" i="1" dirty="0" err="1" smtClean="0"/>
+              <a:rPr lang="es-ES" i="1" dirty="0" err="1"/>
               <a:t>fixed</a:t>
             </a:r>
             <a:r>
-              <a:rPr lang="es-ES" dirty="0" smtClean="0"/>
+              <a:rPr lang="es-ES" dirty="0"/>
               <a:t>, </a:t>
             </a:r>
             <a:r>
-              <a:rPr lang="es-ES" i="1" dirty="0" err="1" smtClean="0"/>
+              <a:rPr lang="es-ES" i="1" dirty="0" err="1"/>
               <a:t>absolute</a:t>
             </a:r>
             <a:r>
-              <a:rPr lang="es-ES" dirty="0" smtClean="0"/>
+              <a:rPr lang="es-ES" dirty="0"/>
               <a:t> o </a:t>
             </a:r>
             <a:r>
-              <a:rPr lang="es-ES" i="1" dirty="0" err="1" smtClean="0"/>
+              <a:rPr lang="es-ES" i="1" dirty="0" err="1"/>
               <a:t>sticky</a:t>
             </a:r>
             <a:r>
-              <a:rPr lang="es-ES" dirty="0" smtClean="0"/>
+              <a:rPr lang="es-ES" dirty="0"/>
               <a:t>)</a:t>
             </a:r>
           </a:p>
@@ -16852,50 +16744,46 @@
               </a:lnSpc>
             </a:pPr>
             <a:r>
-              <a:rPr lang="es-ES" dirty="0" smtClean="0"/>
+              <a:rPr lang="es-ES" dirty="0"/>
               <a:t>Después de aplicar la propiedad </a:t>
             </a:r>
             <a:r>
-              <a:rPr lang="es-ES" i="1" dirty="0" smtClean="0"/>
+              <a:rPr lang="es-ES" i="1" dirty="0"/>
               <a:t>position</a:t>
             </a:r>
             <a:r>
-              <a:rPr lang="es-ES" dirty="0" smtClean="0"/>
+              <a:rPr lang="es-ES" dirty="0"/>
               <a:t>, los elementos son ubicados usando las propiedades </a:t>
             </a:r>
             <a:r>
-              <a:rPr lang="es-ES" i="1" dirty="0" smtClean="0"/>
+              <a:rPr lang="es-ES" i="1" dirty="0"/>
               <a:t>top</a:t>
             </a:r>
             <a:r>
-              <a:rPr lang="es-ES" dirty="0" smtClean="0"/>
+              <a:rPr lang="es-ES" dirty="0"/>
               <a:t>, </a:t>
             </a:r>
             <a:r>
-              <a:rPr lang="es-ES" i="1" dirty="0" err="1" smtClean="0"/>
+              <a:rPr lang="es-ES" i="1" dirty="0" err="1"/>
               <a:t>bottom</a:t>
             </a:r>
             <a:r>
-              <a:rPr lang="es-ES" dirty="0" smtClean="0"/>
+              <a:rPr lang="es-ES" dirty="0"/>
               <a:t>, </a:t>
             </a:r>
             <a:r>
-              <a:rPr lang="es-ES" i="1" dirty="0" err="1" smtClean="0"/>
+              <a:rPr lang="es-ES" i="1" dirty="0" err="1"/>
               <a:t>left</a:t>
             </a:r>
             <a:r>
               <a:rPr lang="es-ES" dirty="0"/>
-              <a:t> </a:t>
-            </a:r>
-            <a:r>
-              <a:rPr lang="es-ES" dirty="0" smtClean="0"/>
-              <a:t>y </a:t>
-            </a:r>
-            <a:r>
-              <a:rPr lang="es-ES" i="1" dirty="0" err="1" smtClean="0"/>
+              <a:t> y </a:t>
+            </a:r>
+            <a:r>
+              <a:rPr lang="es-ES" i="1" dirty="0" err="1"/>
               <a:t>right</a:t>
             </a:r>
-            <a:endParaRPr lang="es-ES" i="1" dirty="0" smtClean="0"/>
+            <a:endParaRPr lang="es-ES" i="1" dirty="0"/>
           </a:p>
           <a:p>
             <a:pPr lvl="1">
@@ -16905,18 +16793,14 @@
             </a:pPr>
             <a:r>
               <a:rPr lang="es-ES" i="1" dirty="0" err="1"/>
-              <a:t>p</a:t>
-            </a:r>
-            <a:r>
-              <a:rPr lang="es-ES" i="1" dirty="0" err="1" smtClean="0"/>
-              <a:t>osition:static</a:t>
-            </a:r>
-            <a:r>
-              <a:rPr lang="es-ES" i="1" dirty="0" smtClean="0"/>
+              <a:t>position:static</a:t>
+            </a:r>
+            <a:r>
+              <a:rPr lang="es-ES" i="1" dirty="0"/>
               <a:t>; </a:t>
             </a:r>
             <a:r>
-              <a:rPr lang="es-ES" dirty="0" smtClean="0"/>
+              <a:rPr lang="es-ES" dirty="0"/>
               <a:t>Los elementos HTML tienen este valor por defecto. Los elementos con este posicionamiento no se ven afectados por las propiedades </a:t>
             </a:r>
             <a:r>
@@ -16944,16 +16828,12 @@
               <a:t> y </a:t>
             </a:r>
             <a:r>
-              <a:rPr lang="es-ES" i="1" dirty="0" err="1" smtClean="0"/>
+              <a:rPr lang="es-ES" i="1" dirty="0" err="1"/>
               <a:t>right</a:t>
             </a:r>
             <a:r>
               <a:rPr lang="es-ES" dirty="0"/>
-              <a:t>;</a:t>
-            </a:r>
-            <a:r>
-              <a:rPr lang="es-ES" dirty="0" smtClean="0"/>
-              <a:t> tampoco se posicionan de alguna manera especial, sólo siguen el flujo normal de la página</a:t>
+              <a:t>; tampoco se posicionan de alguna manera especial, sólo siguen el flujo normal de la página</a:t>
             </a:r>
           </a:p>
           <a:p>
@@ -16963,15 +16843,15 @@
               </a:lnSpc>
             </a:pPr>
             <a:r>
-              <a:rPr lang="es-ES" i="1" dirty="0" err="1" smtClean="0"/>
+              <a:rPr lang="es-ES" i="1" dirty="0" err="1"/>
               <a:t>position:relative</a:t>
             </a:r>
             <a:r>
-              <a:rPr lang="es-ES" i="1" dirty="0" smtClean="0"/>
+              <a:rPr lang="es-ES" i="1" dirty="0"/>
               <a:t>; </a:t>
             </a:r>
             <a:r>
-              <a:rPr lang="es-ES" dirty="0" smtClean="0"/>
+              <a:rPr lang="es-ES" dirty="0"/>
               <a:t>Un elemento con esta propiedad se posiciona relativo a su posición normal. Ajustando las propiedades </a:t>
             </a:r>
             <a:r>
@@ -16999,15 +16879,15 @@
               <a:t> y </a:t>
             </a:r>
             <a:r>
-              <a:rPr lang="es-ES" i="1" dirty="0" err="1" smtClean="0"/>
+              <a:rPr lang="es-ES" i="1" dirty="0" err="1"/>
               <a:t>right</a:t>
             </a:r>
             <a:r>
-              <a:rPr lang="es-ES" i="1" dirty="0" smtClean="0"/>
+              <a:rPr lang="es-ES" i="1" dirty="0"/>
               <a:t> </a:t>
             </a:r>
             <a:r>
-              <a:rPr lang="es-ES" dirty="0" smtClean="0"/>
+              <a:rPr lang="es-ES" dirty="0"/>
               <a:t>de un elemento con este valor, causará que su posición difiera de su lugar original</a:t>
             </a:r>
           </a:p>
@@ -17019,26 +16899,22 @@
             </a:pPr>
             <a:r>
               <a:rPr lang="es-ES" i="1" dirty="0" err="1"/>
-              <a:t>p</a:t>
-            </a:r>
-            <a:r>
-              <a:rPr lang="es-ES" i="1" dirty="0" err="1" smtClean="0"/>
-              <a:t>osition:fixed</a:t>
-            </a:r>
-            <a:r>
-              <a:rPr lang="es-ES" i="1" dirty="0" smtClean="0"/>
+              <a:t>position:fixed</a:t>
+            </a:r>
+            <a:r>
+              <a:rPr lang="es-ES" i="1" dirty="0"/>
               <a:t>; </a:t>
             </a:r>
             <a:r>
-              <a:rPr lang="es-ES" dirty="0" smtClean="0"/>
+              <a:rPr lang="es-ES" dirty="0"/>
               <a:t>Un elemento con esta propiedad se posiciona relativo a la ventana (</a:t>
             </a:r>
             <a:r>
-              <a:rPr lang="es-ES" i="1" dirty="0" err="1" smtClean="0"/>
+              <a:rPr lang="es-ES" i="1" dirty="0" err="1"/>
               <a:t>viewport</a:t>
             </a:r>
             <a:r>
-              <a:rPr lang="es-ES" dirty="0" smtClean="0"/>
+              <a:rPr lang="es-ES" dirty="0"/>
               <a:t>), lo que significa que siempre se mantendrá en el mismo lugar, incluso si la página es desplazada. Las propiedades </a:t>
             </a:r>
             <a:r>
@@ -17066,15 +16942,15 @@
               <a:t> y </a:t>
             </a:r>
             <a:r>
-              <a:rPr lang="es-ES" i="1" dirty="0" err="1" smtClean="0"/>
+              <a:rPr lang="es-ES" i="1" dirty="0" err="1"/>
               <a:t>right</a:t>
             </a:r>
             <a:r>
-              <a:rPr lang="es-ES" i="1" dirty="0" smtClean="0"/>
+              <a:rPr lang="es-ES" i="1" dirty="0"/>
               <a:t> </a:t>
             </a:r>
             <a:r>
-              <a:rPr lang="es-ES" dirty="0" smtClean="0"/>
+              <a:rPr lang="es-ES" dirty="0"/>
               <a:t>se usan para posicionar el elemento</a:t>
             </a:r>
             <a:endParaRPr lang="es-ES" i="1" dirty="0"/>
@@ -17097,7 +16973,7 @@
           <a:lstStyle/>
           <a:p>
             <a:r>
-              <a:rPr lang="es-ES" dirty="0" smtClean="0"/>
+              <a:rPr lang="es-ES" dirty="0"/>
               <a:t>CSS – Posición</a:t>
             </a:r>
             <a:endParaRPr lang="es-ES" i="1" dirty="0"/>
@@ -17431,59 +17307,59 @@
               </a:lnSpc>
             </a:pPr>
             <a:r>
-              <a:rPr lang="es-ES" i="1" dirty="0" err="1" smtClean="0"/>
+              <a:rPr lang="es-ES" i="1" dirty="0" err="1"/>
               <a:t>position:absolute</a:t>
             </a:r>
             <a:r>
-              <a:rPr lang="es-ES" i="1" dirty="0" smtClean="0"/>
+              <a:rPr lang="es-ES" i="1" dirty="0"/>
               <a:t>; </a:t>
             </a:r>
             <a:r>
-              <a:rPr lang="es-ES" dirty="0" smtClean="0"/>
+              <a:rPr lang="es-ES" dirty="0"/>
               <a:t>Un elemento con esta propiedad se posiciona relativo al ancestro posicionado (que tenga establecida la propiedad </a:t>
             </a:r>
             <a:r>
-              <a:rPr lang="es-ES" i="1" dirty="0" smtClean="0"/>
+              <a:rPr lang="es-ES" i="1" dirty="0"/>
               <a:t>position</a:t>
             </a:r>
             <a:r>
-              <a:rPr lang="es-ES" dirty="0" smtClean="0"/>
+              <a:rPr lang="es-ES" dirty="0"/>
               <a:t>) más cercano. Si un elemento con </a:t>
             </a:r>
             <a:r>
-              <a:rPr lang="es-ES" i="1" dirty="0" err="1" smtClean="0"/>
+              <a:rPr lang="es-ES" i="1" dirty="0" err="1"/>
               <a:t>position:aboslute</a:t>
             </a:r>
             <a:r>
-              <a:rPr lang="es-ES" i="1" dirty="0" smtClean="0"/>
+              <a:rPr lang="es-ES" i="1" dirty="0"/>
               <a:t> </a:t>
             </a:r>
             <a:r>
-              <a:rPr lang="es-ES" dirty="0" smtClean="0"/>
+              <a:rPr lang="es-ES" dirty="0"/>
               <a:t>no tiene ningún ancestro con la propiedad </a:t>
             </a:r>
             <a:r>
-              <a:rPr lang="es-ES" i="1" dirty="0" smtClean="0"/>
+              <a:rPr lang="es-ES" i="1" dirty="0"/>
               <a:t>position </a:t>
             </a:r>
             <a:r>
-              <a:rPr lang="es-ES" dirty="0" smtClean="0"/>
+              <a:rPr lang="es-ES" dirty="0"/>
               <a:t>establecida, usa como referencia al elemento</a:t>
             </a:r>
             <a:r>
-              <a:rPr lang="es-ES" i="1" dirty="0" smtClean="0"/>
+              <a:rPr lang="es-ES" i="1" dirty="0"/>
               <a:t> </a:t>
             </a:r>
             <a:r>
-              <a:rPr lang="es-ES" i="1" dirty="0" err="1" smtClean="0"/>
+              <a:rPr lang="es-ES" i="1" dirty="0" err="1"/>
               <a:t>body</a:t>
             </a:r>
             <a:r>
-              <a:rPr lang="es-ES" i="1" dirty="0" smtClean="0"/>
+              <a:rPr lang="es-ES" i="1" dirty="0"/>
               <a:t> </a:t>
             </a:r>
             <a:r>
-              <a:rPr lang="es-ES" dirty="0" smtClean="0"/>
+              <a:rPr lang="es-ES" dirty="0"/>
               <a:t>y se mueve junto a la página cuando ésta se desplace</a:t>
             </a:r>
           </a:p>
@@ -17494,90 +17370,90 @@
               </a:lnSpc>
             </a:pPr>
             <a:r>
-              <a:rPr lang="es-ES" i="1" dirty="0" err="1" smtClean="0"/>
+              <a:rPr lang="es-ES" i="1" dirty="0" err="1"/>
               <a:t>position:sticky</a:t>
             </a:r>
             <a:r>
-              <a:rPr lang="es-ES" i="1" dirty="0" smtClean="0"/>
+              <a:rPr lang="es-ES" i="1" dirty="0"/>
               <a:t>; </a:t>
             </a:r>
             <a:r>
-              <a:rPr lang="es-ES" dirty="0" smtClean="0"/>
+              <a:rPr lang="es-ES" dirty="0"/>
               <a:t>Un elemento con esta propiedad se posiciona basado en la posición del </a:t>
             </a:r>
             <a:r>
-              <a:rPr lang="es-ES" i="1" dirty="0" err="1" smtClean="0"/>
+              <a:rPr lang="es-ES" i="1" dirty="0" err="1"/>
               <a:t>scroll</a:t>
             </a:r>
             <a:r>
-              <a:rPr lang="es-ES" i="1" dirty="0" smtClean="0"/>
+              <a:rPr lang="es-ES" i="1" dirty="0"/>
               <a:t> </a:t>
             </a:r>
             <a:r>
-              <a:rPr lang="es-ES" dirty="0" smtClean="0"/>
+              <a:rPr lang="es-ES" dirty="0"/>
               <a:t>del usuario. Un elemento </a:t>
             </a:r>
             <a:r>
-              <a:rPr lang="es-ES" i="1" dirty="0" err="1" smtClean="0"/>
+              <a:rPr lang="es-ES" i="1" dirty="0" err="1"/>
               <a:t>sticky</a:t>
             </a:r>
             <a:r>
-              <a:rPr lang="es-ES" i="1" dirty="0" smtClean="0"/>
+              <a:rPr lang="es-ES" i="1" dirty="0"/>
               <a:t> </a:t>
             </a:r>
             <a:r>
-              <a:rPr lang="es-ES" dirty="0" smtClean="0"/>
+              <a:rPr lang="es-ES" dirty="0"/>
               <a:t>varía entre </a:t>
             </a:r>
             <a:r>
-              <a:rPr lang="es-ES" i="1" dirty="0" err="1" smtClean="0"/>
+              <a:rPr lang="es-ES" i="1" dirty="0" err="1"/>
               <a:t>relative</a:t>
             </a:r>
             <a:r>
-              <a:rPr lang="es-ES" dirty="0" smtClean="0"/>
+              <a:rPr lang="es-ES" dirty="0"/>
               <a:t> y </a:t>
             </a:r>
             <a:r>
-              <a:rPr lang="es-ES" i="1" dirty="0" err="1" smtClean="0"/>
+              <a:rPr lang="es-ES" i="1" dirty="0" err="1"/>
               <a:t>fixed</a:t>
             </a:r>
             <a:r>
-              <a:rPr lang="es-ES" i="1" dirty="0" smtClean="0"/>
+              <a:rPr lang="es-ES" i="1" dirty="0"/>
               <a:t>, </a:t>
             </a:r>
             <a:r>
-              <a:rPr lang="es-ES" dirty="0" smtClean="0"/>
+              <a:rPr lang="es-ES" dirty="0"/>
               <a:t>dependiendo del desplazamiento de la página. Se posiciona </a:t>
             </a:r>
             <a:r>
-              <a:rPr lang="es-ES" i="1" dirty="0" err="1" smtClean="0"/>
+              <a:rPr lang="es-ES" i="1" dirty="0" err="1"/>
               <a:t>relative</a:t>
             </a:r>
             <a:r>
-              <a:rPr lang="es-ES" i="1" dirty="0" smtClean="0"/>
+              <a:rPr lang="es-ES" i="1" dirty="0"/>
               <a:t> </a:t>
             </a:r>
             <a:r>
-              <a:rPr lang="es-ES" dirty="0" smtClean="0"/>
+              <a:rPr lang="es-ES" dirty="0"/>
               <a:t>hasta que cierto nivel de desplazamiento se cumpla, es allí cuando se adhiere al lugar (como cuando la propiedad </a:t>
             </a:r>
             <a:r>
-              <a:rPr lang="es-ES" i="1" dirty="0" smtClean="0"/>
+              <a:rPr lang="es-ES" i="1" dirty="0"/>
               <a:t>position</a:t>
             </a:r>
             <a:r>
-              <a:rPr lang="es-ES" dirty="0" smtClean="0"/>
+              <a:rPr lang="es-ES" dirty="0"/>
               <a:t> tiene como valor </a:t>
             </a:r>
             <a:r>
-              <a:rPr lang="es-ES" i="1" dirty="0" err="1" smtClean="0"/>
+              <a:rPr lang="es-ES" i="1" dirty="0" err="1"/>
               <a:t>fixed</a:t>
             </a:r>
             <a:r>
-              <a:rPr lang="es-ES" dirty="0" smtClean="0"/>
+              <a:rPr lang="es-ES" dirty="0"/>
               <a:t>)</a:t>
             </a:r>
-            <a:endParaRPr lang="es-ES" i="1" dirty="0" smtClean="0"/>
+            <a:endParaRPr lang="es-ES" i="1" dirty="0"/>
           </a:p>
           <a:p>
             <a:pPr lvl="1">
@@ -17586,23 +17462,23 @@
               </a:lnSpc>
             </a:pPr>
             <a:r>
-              <a:rPr lang="es-ES" dirty="0" smtClean="0"/>
+              <a:rPr lang="es-ES" dirty="0"/>
               <a:t>La propiedad </a:t>
             </a:r>
             <a:r>
-              <a:rPr lang="es-ES" i="1" dirty="0" smtClean="0"/>
+              <a:rPr lang="es-ES" i="1" dirty="0"/>
               <a:t>z-</a:t>
             </a:r>
             <a:r>
-              <a:rPr lang="es-ES" i="1" dirty="0" err="1" smtClean="0"/>
+              <a:rPr lang="es-ES" i="1" dirty="0" err="1"/>
               <a:t>index</a:t>
             </a:r>
             <a:r>
-              <a:rPr lang="es-ES" i="1" dirty="0" smtClean="0"/>
+              <a:rPr lang="es-ES" i="1" dirty="0"/>
               <a:t> </a:t>
             </a:r>
             <a:r>
-              <a:rPr lang="es-ES" dirty="0" smtClean="0"/>
+              <a:rPr lang="es-ES" dirty="0"/>
               <a:t>especifica qué elementos deben posicionarse delante o detrás de otros elementos</a:t>
             </a:r>
             <a:endParaRPr lang="es-ES" i="1" dirty="0"/>
@@ -17625,7 +17501,7 @@
           <a:lstStyle/>
           <a:p>
             <a:r>
-              <a:rPr lang="es-ES" dirty="0" smtClean="0"/>
+              <a:rPr lang="es-ES" dirty="0"/>
               <a:t>CSS – Posición</a:t>
             </a:r>
             <a:endParaRPr lang="es-ES" i="1" dirty="0"/>
@@ -17830,7 +17706,7 @@
           <a:lstStyle/>
           <a:p>
             <a:r>
-              <a:rPr lang="es-ES" dirty="0" smtClean="0"/>
+              <a:rPr lang="es-ES" dirty="0"/>
               <a:t>CSS – Posición</a:t>
             </a:r>
             <a:endParaRPr lang="es-ES" i="1" dirty="0"/>
@@ -18179,19 +18055,19 @@
               </a:lnSpc>
             </a:pPr>
             <a:r>
-              <a:rPr lang="es-ES" dirty="0" smtClean="0"/>
+              <a:rPr lang="es-ES" dirty="0"/>
               <a:t>La propiedad </a:t>
             </a:r>
             <a:r>
-              <a:rPr lang="es-ES" i="1" dirty="0" err="1" smtClean="0"/>
+              <a:rPr lang="es-ES" i="1" dirty="0" err="1"/>
               <a:t>overflow</a:t>
             </a:r>
             <a:r>
-              <a:rPr lang="es-ES" i="1" dirty="0" smtClean="0"/>
+              <a:rPr lang="es-ES" i="1" dirty="0"/>
               <a:t> </a:t>
             </a:r>
             <a:r>
-              <a:rPr lang="es-ES" dirty="0" smtClean="0"/>
+              <a:rPr lang="es-ES" dirty="0"/>
               <a:t>especifica si acortar el contenido o agregar barras de desplazamiento cuando el contenido de un elemento es muy grande para entrar en el área especificada</a:t>
             </a:r>
           </a:p>
@@ -18202,19 +18078,19 @@
               </a:lnSpc>
             </a:pPr>
             <a:r>
-              <a:rPr lang="es-ES" dirty="0" smtClean="0"/>
+              <a:rPr lang="es-ES" dirty="0"/>
               <a:t>La propiedad </a:t>
             </a:r>
             <a:r>
-              <a:rPr lang="es-ES" i="1" dirty="0" err="1" smtClean="0"/>
+              <a:rPr lang="es-ES" i="1" dirty="0" err="1"/>
               <a:t>overflow</a:t>
             </a:r>
             <a:r>
-              <a:rPr lang="es-ES" i="1" dirty="0" smtClean="0"/>
+              <a:rPr lang="es-ES" i="1" dirty="0"/>
               <a:t> </a:t>
             </a:r>
             <a:r>
-              <a:rPr lang="es-ES" dirty="0" smtClean="0"/>
+              <a:rPr lang="es-ES" dirty="0"/>
               <a:t>tiene los siguientes valores:</a:t>
             </a:r>
           </a:p>
@@ -18226,23 +18102,15 @@
             </a:pPr>
             <a:r>
               <a:rPr lang="es-ES" sz="1600" b="1" i="1" dirty="0"/>
-              <a:t>v</a:t>
-            </a:r>
-            <a:r>
-              <a:rPr lang="es-ES" sz="1600" b="1" i="1" dirty="0" smtClean="0"/>
-              <a:t>isible</a:t>
-            </a:r>
-            <a:r>
-              <a:rPr lang="es-ES" sz="1600" i="1" dirty="0" smtClean="0"/>
+              <a:t>visible</a:t>
+            </a:r>
+            <a:r>
+              <a:rPr lang="es-ES" sz="1600" i="1" dirty="0"/>
               <a:t>: </a:t>
             </a:r>
             <a:r>
               <a:rPr lang="es-ES" sz="1600" dirty="0"/>
-              <a:t>e</a:t>
-            </a:r>
-            <a:r>
-              <a:rPr lang="es-ES" sz="1600" dirty="0" smtClean="0"/>
-              <a:t>s el valor por defecto. El contenido no es acortado. El contenido se muestra por fuera del área del elemento</a:t>
+              <a:t>es el valor por defecto. El contenido no es acortado. El contenido se muestra por fuera del área del elemento</a:t>
             </a:r>
           </a:p>
           <a:p>
@@ -18252,20 +18120,16 @@
               </a:lnSpc>
             </a:pPr>
             <a:r>
-              <a:rPr lang="es-ES" sz="1600" b="1" i="1" dirty="0" err="1" smtClean="0"/>
+              <a:rPr lang="es-ES" sz="1600" b="1" i="1" dirty="0" err="1"/>
               <a:t>hidden</a:t>
             </a:r>
             <a:r>
-              <a:rPr lang="es-ES" sz="1600" i="1" dirty="0" smtClean="0"/>
+              <a:rPr lang="es-ES" sz="1600" i="1" dirty="0"/>
               <a:t>: </a:t>
             </a:r>
             <a:r>
               <a:rPr lang="es-ES" sz="1600" dirty="0"/>
-              <a:t>e</a:t>
-            </a:r>
-            <a:r>
-              <a:rPr lang="es-ES" sz="1600" dirty="0" smtClean="0"/>
-              <a:t>l contenido es acortado. Lo que no entra dentro del área del elemento, será invisible</a:t>
+              <a:t>el contenido es acortado. Lo que no entra dentro del área del elemento, será invisible</a:t>
             </a:r>
           </a:p>
           <a:p>
@@ -18276,18 +18140,14 @@
             </a:pPr>
             <a:r>
               <a:rPr lang="es-ES" sz="1600" b="1" i="1" dirty="0" err="1"/>
-              <a:t>s</a:t>
-            </a:r>
-            <a:r>
-              <a:rPr lang="es-ES" sz="1600" b="1" i="1" dirty="0" err="1" smtClean="0"/>
-              <a:t>croll</a:t>
-            </a:r>
-            <a:r>
-              <a:rPr lang="es-ES" sz="1600" i="1" dirty="0" smtClean="0"/>
+              <a:t>scroll</a:t>
+            </a:r>
+            <a:r>
+              <a:rPr lang="es-ES" sz="1600" i="1" dirty="0"/>
               <a:t>: </a:t>
             </a:r>
             <a:r>
-              <a:rPr lang="es-ES" sz="1600" dirty="0" smtClean="0"/>
+              <a:rPr lang="es-ES" sz="1600" dirty="0"/>
               <a:t>el contenido es acortado y una barra de desplazamiento es agregada para ver el contenido restante</a:t>
             </a:r>
           </a:p>
@@ -18299,26 +18159,22 @@
             </a:pPr>
             <a:r>
               <a:rPr lang="es-ES" sz="1600" b="1" i="1" dirty="0"/>
-              <a:t>a</a:t>
-            </a:r>
-            <a:r>
-              <a:rPr lang="es-ES" sz="1600" b="1" i="1" dirty="0" smtClean="0"/>
-              <a:t>uto</a:t>
-            </a:r>
-            <a:r>
-              <a:rPr lang="es-ES" sz="1600" dirty="0" smtClean="0"/>
+              <a:t>auto</a:t>
+            </a:r>
+            <a:r>
+              <a:rPr lang="es-ES" sz="1600" dirty="0"/>
               <a:t>: similar al valor </a:t>
             </a:r>
             <a:r>
-              <a:rPr lang="es-ES" sz="1600" i="1" dirty="0" err="1" smtClean="0"/>
+              <a:rPr lang="es-ES" sz="1600" i="1" dirty="0" err="1"/>
               <a:t>scroll</a:t>
             </a:r>
             <a:r>
-              <a:rPr lang="es-ES" sz="1600" i="1" dirty="0" smtClean="0"/>
+              <a:rPr lang="es-ES" sz="1600" i="1" dirty="0"/>
               <a:t>, </a:t>
             </a:r>
             <a:r>
-              <a:rPr lang="es-ES" sz="1600" dirty="0" smtClean="0"/>
+              <a:rPr lang="es-ES" sz="1600" dirty="0"/>
               <a:t>pero agrega barras de desplazamiento sólo cuando es necesario</a:t>
             </a:r>
           </a:p>
@@ -18329,34 +18185,33 @@
               </a:lnSpc>
             </a:pPr>
             <a:r>
-              <a:rPr lang="es-ES" dirty="0" smtClean="0"/>
+              <a:rPr lang="es-ES" dirty="0"/>
               <a:t>Las propiedades </a:t>
             </a:r>
             <a:r>
-              <a:rPr lang="es-ES" i="1" dirty="0" err="1" smtClean="0"/>
+              <a:rPr lang="es-ES" i="1" dirty="0" err="1"/>
               <a:t>overflow</a:t>
             </a:r>
             <a:r>
-              <a:rPr lang="es-ES" i="1" dirty="0" smtClean="0"/>
+              <a:rPr lang="es-ES" i="1" dirty="0"/>
               <a:t>-x</a:t>
             </a:r>
             <a:r>
-              <a:rPr lang="es-ES" dirty="0" smtClean="0"/>
+              <a:rPr lang="es-ES" dirty="0"/>
               <a:t> y </a:t>
             </a:r>
             <a:r>
-              <a:rPr lang="es-ES" i="1" dirty="0" err="1" smtClean="0"/>
+              <a:rPr lang="es-ES" i="1" dirty="0" err="1"/>
               <a:t>overflow</a:t>
             </a:r>
             <a:r>
-              <a:rPr lang="es-ES" i="1" dirty="0" smtClean="0"/>
+              <a:rPr lang="es-ES" i="1" dirty="0"/>
               <a:t>-y</a:t>
             </a:r>
             <a:r>
-              <a:rPr lang="es-ES" dirty="0" smtClean="0"/>
+              <a:rPr lang="es-ES" dirty="0"/>
               <a:t> especifican si aplicar el acortamiento de contenido cuando éste se desborda de manera horizontal o vertical</a:t>
             </a:r>
-            <a:endParaRPr lang="es-ES" dirty="0"/>
           </a:p>
         </p:txBody>
       </p:sp>
@@ -18376,18 +18231,17 @@
           <a:lstStyle/>
           <a:p>
             <a:r>
-              <a:rPr lang="es-ES" dirty="0" smtClean="0"/>
+              <a:rPr lang="es-ES" dirty="0"/>
               <a:t>CSS – Desbordamiento (</a:t>
             </a:r>
             <a:r>
-              <a:rPr lang="es-ES" i="1" dirty="0" err="1" smtClean="0"/>
+              <a:rPr lang="es-ES" i="1" dirty="0" err="1"/>
               <a:t>Overflow</a:t>
             </a:r>
             <a:r>
-              <a:rPr lang="es-ES" i="1" dirty="0" smtClean="0"/>
+              <a:rPr lang="es-ES" i="1" dirty="0"/>
               <a:t>)</a:t>
             </a:r>
-            <a:endParaRPr lang="es-ES" i="1" dirty="0"/>
           </a:p>
         </p:txBody>
       </p:sp>
@@ -19027,15 +18881,15 @@
               </a:lnSpc>
             </a:pPr>
             <a:r>
-              <a:rPr lang="es-ES" dirty="0" smtClean="0"/>
+              <a:rPr lang="es-ES" dirty="0"/>
               <a:t>La propiedad </a:t>
             </a:r>
             <a:r>
-              <a:rPr lang="es-ES" i="1" dirty="0" err="1" smtClean="0"/>
+              <a:rPr lang="es-ES" i="1" dirty="0" err="1"/>
               <a:t>float</a:t>
             </a:r>
             <a:r>
-              <a:rPr lang="es-ES" dirty="0" smtClean="0"/>
+              <a:rPr lang="es-ES" dirty="0"/>
               <a:t> especifica cómo debe flotar un elemento</a:t>
             </a:r>
           </a:p>
@@ -19046,15 +18900,15 @@
               </a:lnSpc>
             </a:pPr>
             <a:r>
-              <a:rPr lang="es-ES" dirty="0" smtClean="0"/>
+              <a:rPr lang="es-ES" dirty="0"/>
               <a:t>La propiedad </a:t>
             </a:r>
             <a:r>
-              <a:rPr lang="es-ES" i="1" dirty="0" err="1" smtClean="0"/>
+              <a:rPr lang="es-ES" i="1" dirty="0" err="1"/>
               <a:t>float</a:t>
             </a:r>
             <a:r>
-              <a:rPr lang="es-ES" dirty="0" smtClean="0"/>
+              <a:rPr lang="es-ES" dirty="0"/>
               <a:t> es usada para posicionar y dar formato a contenidos. Por ejemplo, permitir a una imagen flotar a la izquierda de un texto en un contenedor</a:t>
             </a:r>
           </a:p>
@@ -19065,19 +18919,19 @@
               </a:lnSpc>
             </a:pPr>
             <a:r>
-              <a:rPr lang="es-ES" dirty="0" smtClean="0"/>
+              <a:rPr lang="es-ES" dirty="0"/>
               <a:t>La propiedad </a:t>
             </a:r>
             <a:r>
-              <a:rPr lang="es-ES" i="1" dirty="0" err="1" smtClean="0"/>
+              <a:rPr lang="es-ES" i="1" dirty="0" err="1"/>
               <a:t>float</a:t>
             </a:r>
             <a:r>
-              <a:rPr lang="es-ES" i="1" dirty="0" smtClean="0"/>
+              <a:rPr lang="es-ES" i="1" dirty="0"/>
               <a:t> </a:t>
             </a:r>
             <a:r>
-              <a:rPr lang="es-ES" dirty="0" smtClean="0"/>
+              <a:rPr lang="es-ES" dirty="0"/>
               <a:t>puede tener uno de los siguientes valores:</a:t>
             </a:r>
           </a:p>
@@ -19088,15 +18942,15 @@
               </a:lnSpc>
             </a:pPr>
             <a:r>
-              <a:rPr lang="es-ES" sz="1600" b="1" i="1" dirty="0" err="1" smtClean="0"/>
+              <a:rPr lang="es-ES" sz="1600" b="1" i="1" dirty="0" err="1"/>
               <a:t>left</a:t>
             </a:r>
             <a:r>
-              <a:rPr lang="es-ES" sz="1600" i="1" dirty="0" smtClean="0"/>
+              <a:rPr lang="es-ES" sz="1600" i="1" dirty="0"/>
               <a:t>: </a:t>
             </a:r>
             <a:r>
-              <a:rPr lang="es-ES" sz="1600" dirty="0" smtClean="0"/>
+              <a:rPr lang="es-ES" sz="1600" dirty="0"/>
               <a:t>el elemento flota a la izquierda de su contenedor</a:t>
             </a:r>
           </a:p>
@@ -19108,18 +18962,14 @@
             </a:pPr>
             <a:r>
               <a:rPr lang="es-ES" sz="1600" b="1" i="1" dirty="0" err="1"/>
-              <a:t>r</a:t>
-            </a:r>
-            <a:r>
-              <a:rPr lang="es-ES" sz="1600" b="1" i="1" dirty="0" err="1" smtClean="0"/>
-              <a:t>ight</a:t>
-            </a:r>
-            <a:r>
-              <a:rPr lang="es-ES" sz="1600" i="1" dirty="0" smtClean="0"/>
+              <a:t>right</a:t>
+            </a:r>
+            <a:r>
+              <a:rPr lang="es-ES" sz="1600" i="1" dirty="0"/>
               <a:t>: </a:t>
             </a:r>
             <a:r>
-              <a:rPr lang="es-ES" sz="1600" dirty="0" smtClean="0"/>
+              <a:rPr lang="es-ES" sz="1600" dirty="0"/>
               <a:t>el elemento flota a la derecha de su contenedor</a:t>
             </a:r>
           </a:p>
@@ -19131,18 +18981,14 @@
             </a:pPr>
             <a:r>
               <a:rPr lang="es-ES" sz="1600" b="1" i="1" dirty="0" err="1"/>
-              <a:t>n</a:t>
-            </a:r>
-            <a:r>
-              <a:rPr lang="es-ES" sz="1600" b="1" i="1" dirty="0" err="1" smtClean="0"/>
-              <a:t>one</a:t>
-            </a:r>
-            <a:r>
-              <a:rPr lang="es-ES" sz="1600" i="1" dirty="0" smtClean="0"/>
+              <a:t>none</a:t>
+            </a:r>
+            <a:r>
+              <a:rPr lang="es-ES" sz="1600" i="1" dirty="0"/>
               <a:t>: </a:t>
             </a:r>
             <a:r>
-              <a:rPr lang="es-ES" sz="1600" dirty="0" smtClean="0"/>
+              <a:rPr lang="es-ES" sz="1600" dirty="0"/>
               <a:t>el elemento no flota (se muestra tal como debe, dado el flujo del contenido). Éste es el valor por defecto</a:t>
             </a:r>
           </a:p>
@@ -19154,36 +19000,32 @@
             </a:pPr>
             <a:r>
               <a:rPr lang="es-ES" sz="1600" b="1" i="1" dirty="0" err="1"/>
-              <a:t>i</a:t>
-            </a:r>
-            <a:r>
-              <a:rPr lang="es-ES" sz="1600" b="1" i="1" dirty="0" err="1" smtClean="0"/>
-              <a:t>nherit</a:t>
-            </a:r>
-            <a:r>
-              <a:rPr lang="es-ES" sz="1600" i="1" dirty="0" smtClean="0"/>
+              <a:t>inherit</a:t>
+            </a:r>
+            <a:r>
+              <a:rPr lang="es-ES" sz="1600" i="1" dirty="0"/>
               <a:t>: </a:t>
             </a:r>
             <a:r>
-              <a:rPr lang="es-ES" sz="1600" dirty="0" smtClean="0"/>
+              <a:rPr lang="es-ES" sz="1600" dirty="0"/>
               <a:t>el elemento hereda el valor </a:t>
             </a:r>
             <a:r>
-              <a:rPr lang="es-ES" sz="1600" i="1" dirty="0" err="1" smtClean="0"/>
+              <a:rPr lang="es-ES" sz="1600" i="1" dirty="0" err="1"/>
               <a:t>float</a:t>
             </a:r>
             <a:r>
-              <a:rPr lang="es-ES" sz="1600" i="1" dirty="0" smtClean="0"/>
+              <a:rPr lang="es-ES" sz="1600" i="1" dirty="0"/>
               <a:t> </a:t>
             </a:r>
             <a:r>
-              <a:rPr lang="es-ES" sz="1600" dirty="0" smtClean="0"/>
+              <a:rPr lang="es-ES" sz="1600" dirty="0"/>
               <a:t>de sus padres</a:t>
             </a:r>
           </a:p>
           <a:p>
             <a:pPr lvl="1"/>
-            <a:endParaRPr lang="es-ES" i="1" dirty="0" smtClean="0"/>
+            <a:endParaRPr lang="es-ES" i="1" dirty="0"/>
           </a:p>
         </p:txBody>
       </p:sp>
@@ -19203,11 +19045,11 @@
           <a:lstStyle/>
           <a:p>
             <a:r>
-              <a:rPr lang="es-ES" dirty="0" smtClean="0"/>
+              <a:rPr lang="es-ES" dirty="0"/>
               <a:t>CSS – </a:t>
             </a:r>
             <a:r>
-              <a:rPr lang="es-ES" i="1" dirty="0" err="1" smtClean="0"/>
+              <a:rPr lang="es-ES" i="1" dirty="0" err="1"/>
               <a:t>float</a:t>
             </a:r>
             <a:endParaRPr lang="es-ES" i="1" dirty="0"/>
@@ -20022,12 +19864,8 @@
               </a:lnSpc>
             </a:pPr>
             <a:r>
-              <a:rPr lang="es-ES" dirty="0" smtClean="0"/>
-              <a:t>La </a:t>
-            </a:r>
-            <a:r>
               <a:rPr lang="es-ES" dirty="0"/>
-              <a:t>propiedad </a:t>
+              <a:t>La propiedad </a:t>
             </a:r>
             <a:r>
               <a:rPr lang="es-ES" i="1" dirty="0" err="1"/>
@@ -20035,15 +19873,7 @@
             </a:r>
             <a:r>
               <a:rPr lang="es-ES" dirty="0"/>
-              <a:t> especifica qué elementos pueden flotar al lado del elemento con </a:t>
-            </a:r>
-            <a:r>
-              <a:rPr lang="es-ES" dirty="0" smtClean="0"/>
-              <a:t>esta propiedad y </a:t>
-            </a:r>
-            <a:r>
-              <a:rPr lang="es-ES" dirty="0"/>
-              <a:t>de qué lado</a:t>
+              <a:t> especifica qué elementos pueden flotar al lado del elemento con esta propiedad y de qué lado</a:t>
             </a:r>
           </a:p>
           <a:p>
@@ -20053,19 +19883,19 @@
               </a:lnSpc>
             </a:pPr>
             <a:r>
-              <a:rPr lang="es-ES" dirty="0" smtClean="0"/>
+              <a:rPr lang="es-ES" dirty="0"/>
               <a:t>La propiedad </a:t>
             </a:r>
             <a:r>
-              <a:rPr lang="es-ES" i="1" dirty="0" err="1" smtClean="0"/>
+              <a:rPr lang="es-ES" i="1" dirty="0" err="1"/>
               <a:t>clear</a:t>
             </a:r>
             <a:r>
-              <a:rPr lang="es-ES" i="1" dirty="0" smtClean="0"/>
+              <a:rPr lang="es-ES" i="1" dirty="0"/>
               <a:t> </a:t>
             </a:r>
             <a:r>
-              <a:rPr lang="es-ES" dirty="0" smtClean="0"/>
+              <a:rPr lang="es-ES" dirty="0"/>
               <a:t>puede tener uno de los siguientes valores:</a:t>
             </a:r>
           </a:p>
@@ -20076,15 +19906,15 @@
               </a:lnSpc>
             </a:pPr>
             <a:r>
-              <a:rPr lang="es-ES" sz="1600" b="1" i="1" dirty="0" err="1" smtClean="0"/>
+              <a:rPr lang="es-ES" sz="1600" b="1" i="1" dirty="0" err="1"/>
               <a:t>left</a:t>
             </a:r>
             <a:r>
-              <a:rPr lang="es-ES" sz="1600" i="1" dirty="0" smtClean="0"/>
+              <a:rPr lang="es-ES" sz="1600" i="1" dirty="0"/>
               <a:t>: </a:t>
             </a:r>
             <a:r>
-              <a:rPr lang="es-ES" sz="1600" dirty="0" smtClean="0"/>
+              <a:rPr lang="es-ES" sz="1600" dirty="0"/>
               <a:t>no se permiten elementos flotando a la izquierda</a:t>
             </a:r>
           </a:p>
@@ -20096,18 +19926,14 @@
             </a:pPr>
             <a:r>
               <a:rPr lang="es-ES" sz="1600" b="1" i="1" dirty="0" err="1"/>
-              <a:t>r</a:t>
-            </a:r>
-            <a:r>
-              <a:rPr lang="es-ES" sz="1600" b="1" i="1" dirty="0" err="1" smtClean="0"/>
-              <a:t>ight</a:t>
-            </a:r>
-            <a:r>
-              <a:rPr lang="es-ES" sz="1600" i="1" dirty="0" smtClean="0"/>
+              <a:t>right</a:t>
+            </a:r>
+            <a:r>
+              <a:rPr lang="es-ES" sz="1600" i="1" dirty="0"/>
               <a:t>: </a:t>
             </a:r>
             <a:r>
-              <a:rPr lang="es-ES" sz="1600" dirty="0" smtClean="0"/>
+              <a:rPr lang="es-ES" sz="1600" dirty="0"/>
               <a:t>no se permiten elementos flotando a la derecha</a:t>
             </a:r>
           </a:p>
@@ -20118,15 +19944,15 @@
               </a:lnSpc>
             </a:pPr>
             <a:r>
-              <a:rPr lang="es-ES" sz="1600" b="1" i="1" dirty="0" err="1" smtClean="0"/>
+              <a:rPr lang="es-ES" sz="1600" b="1" i="1" dirty="0" err="1"/>
               <a:t>none</a:t>
             </a:r>
             <a:r>
-              <a:rPr lang="es-ES" sz="1600" i="1" dirty="0" smtClean="0"/>
+              <a:rPr lang="es-ES" sz="1600" i="1" dirty="0"/>
               <a:t>: </a:t>
             </a:r>
             <a:r>
-              <a:rPr lang="es-ES" sz="1600" dirty="0" smtClean="0"/>
+              <a:rPr lang="es-ES" sz="1600" dirty="0"/>
               <a:t>se permiten elementos flotando a ambos lados. Valor por defecto</a:t>
             </a:r>
           </a:p>
@@ -20138,21 +19964,17 @@
             </a:pPr>
             <a:r>
               <a:rPr lang="es-ES" sz="1600" b="1" i="1" dirty="0" err="1"/>
-              <a:t>b</a:t>
-            </a:r>
-            <a:r>
-              <a:rPr lang="es-ES" sz="1600" b="1" i="1" dirty="0" err="1" smtClean="0"/>
-              <a:t>oth</a:t>
-            </a:r>
-            <a:r>
-              <a:rPr lang="es-ES" sz="1600" i="1" dirty="0" smtClean="0"/>
+              <a:t>both</a:t>
+            </a:r>
+            <a:r>
+              <a:rPr lang="es-ES" sz="1600" i="1" dirty="0"/>
               <a:t>: </a:t>
             </a:r>
             <a:r>
-              <a:rPr lang="es-ES" sz="1600" dirty="0" smtClean="0"/>
+              <a:rPr lang="es-ES" sz="1600" dirty="0"/>
               <a:t>no se permiten elementos flotantes ni a la izquierda ni a la derecha</a:t>
             </a:r>
-            <a:endParaRPr lang="es-ES" sz="1600" i="1" dirty="0" smtClean="0"/>
+            <a:endParaRPr lang="es-ES" sz="1600" i="1" dirty="0"/>
           </a:p>
           <a:p>
             <a:pPr lvl="2">
@@ -20161,27 +19983,27 @@
               </a:lnSpc>
             </a:pPr>
             <a:r>
-              <a:rPr lang="es-ES" sz="1600" b="1" i="1" dirty="0" err="1" smtClean="0"/>
+              <a:rPr lang="es-ES" sz="1600" b="1" i="1" dirty="0" err="1"/>
               <a:t>inherit</a:t>
             </a:r>
             <a:r>
-              <a:rPr lang="es-ES" sz="1600" i="1" dirty="0" smtClean="0"/>
+              <a:rPr lang="es-ES" sz="1600" i="1" dirty="0"/>
               <a:t>: </a:t>
             </a:r>
             <a:r>
-              <a:rPr lang="es-ES" sz="1600" dirty="0" smtClean="0"/>
+              <a:rPr lang="es-ES" sz="1600" dirty="0"/>
               <a:t>el elemento hereda el valor </a:t>
             </a:r>
             <a:r>
-              <a:rPr lang="es-ES" sz="1600" i="1" dirty="0" err="1" smtClean="0"/>
+              <a:rPr lang="es-ES" sz="1600" i="1" dirty="0" err="1"/>
               <a:t>clear</a:t>
             </a:r>
             <a:r>
-              <a:rPr lang="es-ES" sz="1600" i="1" dirty="0" smtClean="0"/>
+              <a:rPr lang="es-ES" sz="1600" i="1" dirty="0"/>
               <a:t> </a:t>
             </a:r>
             <a:r>
-              <a:rPr lang="es-ES" sz="1600" dirty="0" smtClean="0"/>
+              <a:rPr lang="es-ES" sz="1600" dirty="0"/>
               <a:t>de sus padres</a:t>
             </a:r>
           </a:p>
@@ -20192,38 +20014,38 @@
               </a:lnSpc>
             </a:pPr>
             <a:r>
-              <a:rPr lang="es-ES" dirty="0" smtClean="0"/>
+              <a:rPr lang="es-ES" dirty="0"/>
               <a:t>La manera más común de usar la propiedad </a:t>
             </a:r>
             <a:r>
-              <a:rPr lang="es-ES" i="1" dirty="0" err="1" smtClean="0"/>
+              <a:rPr lang="es-ES" i="1" dirty="0" err="1"/>
               <a:t>clear</a:t>
             </a:r>
             <a:r>
-              <a:rPr lang="es-ES" i="1" dirty="0" smtClean="0"/>
+              <a:rPr lang="es-ES" i="1" dirty="0"/>
               <a:t> </a:t>
             </a:r>
             <a:r>
-              <a:rPr lang="es-ES" dirty="0" smtClean="0"/>
+              <a:rPr lang="es-ES" dirty="0"/>
               <a:t>es después de haber usado la propiedad </a:t>
             </a:r>
             <a:r>
-              <a:rPr lang="es-ES" i="1" dirty="0" err="1" smtClean="0"/>
+              <a:rPr lang="es-ES" i="1" dirty="0" err="1"/>
               <a:t>float</a:t>
             </a:r>
             <a:r>
-              <a:rPr lang="es-ES" i="1" dirty="0" smtClean="0"/>
+              <a:rPr lang="es-ES" i="1" dirty="0"/>
               <a:t> </a:t>
             </a:r>
             <a:r>
-              <a:rPr lang="es-ES" dirty="0" smtClean="0"/>
+              <a:rPr lang="es-ES" dirty="0"/>
               <a:t>sobre un elemento</a:t>
             </a:r>
-            <a:endParaRPr lang="es-ES" i="1" dirty="0" smtClean="0"/>
+            <a:endParaRPr lang="es-ES" i="1" dirty="0"/>
           </a:p>
           <a:p>
             <a:pPr lvl="1"/>
-            <a:endParaRPr lang="es-ES" i="1" dirty="0" smtClean="0"/>
+            <a:endParaRPr lang="es-ES" i="1" dirty="0"/>
           </a:p>
         </p:txBody>
       </p:sp>
@@ -20243,11 +20065,11 @@
           <a:lstStyle/>
           <a:p>
             <a:r>
-              <a:rPr lang="es-ES" dirty="0" smtClean="0"/>
+              <a:rPr lang="es-ES" dirty="0"/>
               <a:t>CSS – </a:t>
             </a:r>
             <a:r>
-              <a:rPr lang="es-ES" i="1" dirty="0" err="1" smtClean="0"/>
+              <a:rPr lang="es-ES" i="1" dirty="0" err="1"/>
               <a:t>clear</a:t>
             </a:r>
             <a:endParaRPr lang="es-ES" i="1" dirty="0"/>
@@ -21015,26 +20837,25 @@
           <a:lstStyle/>
           <a:p>
             <a:r>
-              <a:rPr lang="es-ES" dirty="0" smtClean="0"/>
+              <a:rPr lang="es-ES" dirty="0"/>
               <a:t>CSS – </a:t>
             </a:r>
             <a:r>
-              <a:rPr lang="es-ES" dirty="0" err="1" smtClean="0"/>
+              <a:rPr lang="es-ES" dirty="0" err="1"/>
               <a:t>display</a:t>
             </a:r>
             <a:r>
-              <a:rPr lang="es-ES" dirty="0" smtClean="0"/>
+              <a:rPr lang="es-ES" dirty="0"/>
               <a:t>: </a:t>
             </a:r>
             <a:r>
-              <a:rPr lang="es-ES" i="1" dirty="0" err="1" smtClean="0"/>
+              <a:rPr lang="es-ES" i="1" dirty="0" err="1"/>
               <a:t>inline</a:t>
             </a:r>
             <a:r>
-              <a:rPr lang="es-ES" i="1" dirty="0" smtClean="0"/>
+              <a:rPr lang="es-ES" i="1" dirty="0"/>
               <a:t>-block</a:t>
             </a:r>
-            <a:endParaRPr lang="es-ES" i="1" dirty="0"/>
           </a:p>
         </p:txBody>
       </p:sp>
@@ -21059,66 +20880,66 @@
               </a:lnSpc>
             </a:pPr>
             <a:r>
-              <a:rPr lang="es-ES" dirty="0" smtClean="0"/>
+              <a:rPr lang="es-ES" dirty="0"/>
               <a:t>Comparado con </a:t>
             </a:r>
             <a:r>
-              <a:rPr lang="es-ES" i="1" dirty="0" err="1" smtClean="0"/>
+              <a:rPr lang="es-ES" i="1" dirty="0" err="1"/>
               <a:t>display:inline</a:t>
             </a:r>
             <a:r>
-              <a:rPr lang="es-ES" i="1" dirty="0" smtClean="0"/>
+              <a:rPr lang="es-ES" i="1" dirty="0"/>
               <a:t>, </a:t>
             </a:r>
             <a:r>
-              <a:rPr lang="es-ES" dirty="0" smtClean="0"/>
+              <a:rPr lang="es-ES" dirty="0"/>
               <a:t>la mayor diferencia es que </a:t>
             </a:r>
             <a:r>
-              <a:rPr lang="es-ES" i="1" dirty="0" err="1" smtClean="0"/>
+              <a:rPr lang="es-ES" i="1" dirty="0" err="1"/>
               <a:t>display:inline-block</a:t>
             </a:r>
             <a:r>
-              <a:rPr lang="es-ES" i="1" dirty="0" smtClean="0"/>
+              <a:rPr lang="es-ES" i="1" dirty="0"/>
               <a:t> </a:t>
             </a:r>
             <a:r>
-              <a:rPr lang="es-ES" dirty="0" smtClean="0"/>
+              <a:rPr lang="es-ES" dirty="0"/>
               <a:t>permite establecer el ancho y alto del elemento</a:t>
             </a:r>
             <a:r>
-              <a:rPr lang="es-ES" i="1" dirty="0" smtClean="0"/>
+              <a:rPr lang="es-ES" i="1" dirty="0"/>
               <a:t>. </a:t>
             </a:r>
             <a:r>
-              <a:rPr lang="es-ES" dirty="0" smtClean="0"/>
+              <a:rPr lang="es-ES" dirty="0"/>
               <a:t>También, las propiedades </a:t>
             </a:r>
             <a:r>
-              <a:rPr lang="es-ES" i="1" dirty="0" err="1" smtClean="0"/>
+              <a:rPr lang="es-ES" i="1" dirty="0" err="1"/>
               <a:t>margin</a:t>
             </a:r>
             <a:r>
-              <a:rPr lang="es-ES" i="1" dirty="0" smtClean="0"/>
+              <a:rPr lang="es-ES" i="1" dirty="0"/>
               <a:t>/</a:t>
             </a:r>
             <a:r>
-              <a:rPr lang="es-ES" i="1" dirty="0" err="1" smtClean="0"/>
+              <a:rPr lang="es-ES" i="1" dirty="0" err="1"/>
               <a:t>padding</a:t>
             </a:r>
             <a:r>
-              <a:rPr lang="es-ES" i="1" dirty="0" smtClean="0"/>
+              <a:rPr lang="es-ES" i="1" dirty="0"/>
               <a:t> </a:t>
             </a:r>
             <a:r>
-              <a:rPr lang="es-ES" dirty="0" smtClean="0"/>
+              <a:rPr lang="es-ES" dirty="0"/>
               <a:t>son respetadas, lo cual no sucede con </a:t>
             </a:r>
             <a:r>
-              <a:rPr lang="es-ES" i="1" dirty="0" err="1" smtClean="0"/>
+              <a:rPr lang="es-ES" i="1" dirty="0" err="1"/>
               <a:t>display:inline</a:t>
             </a:r>
-            <a:endParaRPr lang="es-ES" i="1" dirty="0" smtClean="0"/>
+            <a:endParaRPr lang="es-ES" i="1" dirty="0"/>
           </a:p>
           <a:p>
             <a:pPr lvl="1">
@@ -21127,31 +20948,31 @@
               </a:lnSpc>
             </a:pPr>
             <a:r>
-              <a:rPr lang="es-ES" dirty="0" smtClean="0"/>
+              <a:rPr lang="es-ES" dirty="0"/>
               <a:t>Comparado con </a:t>
             </a:r>
             <a:r>
-              <a:rPr lang="es-ES" i="1" dirty="0" err="1" smtClean="0"/>
+              <a:rPr lang="es-ES" i="1" dirty="0" err="1"/>
               <a:t>display:block</a:t>
             </a:r>
             <a:r>
-              <a:rPr lang="es-ES" i="1" dirty="0" smtClean="0"/>
+              <a:rPr lang="es-ES" i="1" dirty="0"/>
               <a:t>, </a:t>
             </a:r>
             <a:r>
-              <a:rPr lang="es-ES" dirty="0" smtClean="0"/>
+              <a:rPr lang="es-ES" dirty="0"/>
               <a:t>la mayor diferencia es que </a:t>
             </a:r>
             <a:r>
-              <a:rPr lang="es-ES" i="1" dirty="0" err="1" smtClean="0"/>
+              <a:rPr lang="es-ES" i="1" dirty="0" err="1"/>
               <a:t>display:inline-block</a:t>
             </a:r>
             <a:r>
-              <a:rPr lang="es-ES" i="1" dirty="0" smtClean="0"/>
+              <a:rPr lang="es-ES" i="1" dirty="0"/>
               <a:t> </a:t>
             </a:r>
             <a:r>
-              <a:rPr lang="es-ES" dirty="0" smtClean="0"/>
+              <a:rPr lang="es-ES" dirty="0"/>
               <a:t>no agrega un salto de línea después del elemento, por lo que el elemento se puede ubicar al lado de otros elementos</a:t>
             </a:r>
           </a:p>
@@ -21626,13 +21447,8 @@
           <a:p>
             <a:r>
               <a:rPr lang="es-ES" dirty="0"/>
-              <a:t>CSS –</a:t>
-            </a:r>
-            <a:r>
-              <a:rPr lang="es-ES" dirty="0" smtClean="0"/>
-              <a:t> Ejemplo básico</a:t>
-            </a:r>
-            <a:endParaRPr lang="es-ES" dirty="0"/>
+              <a:t>CSS – Ejemplo básico</a:t>
+            </a:r>
           </a:p>
         </p:txBody>
       </p:sp>
@@ -21791,18 +21607,17 @@
           <a:lstStyle/>
           <a:p>
             <a:r>
-              <a:rPr lang="es-ES" dirty="0" smtClean="0"/>
+              <a:rPr lang="es-ES" dirty="0"/>
               <a:t>CSS – Selectores </a:t>
             </a:r>
             <a:r>
-              <a:rPr lang="es-ES" dirty="0" err="1" smtClean="0"/>
+              <a:rPr lang="es-ES" dirty="0" err="1"/>
               <a:t>combinadores</a:t>
             </a:r>
             <a:r>
-              <a:rPr lang="es-ES" dirty="0" smtClean="0"/>
+              <a:rPr lang="es-ES" dirty="0"/>
               <a:t> </a:t>
             </a:r>
-            <a:endParaRPr lang="es-ES" dirty="0"/>
           </a:p>
         </p:txBody>
       </p:sp>
@@ -21861,10 +21676,9 @@
                     <a:lstStyle/>
                     <a:p>
                       <a:r>
-                        <a:rPr lang="es-ES" dirty="0" smtClean="0"/>
+                        <a:rPr lang="es-ES" dirty="0"/>
                         <a:t>Selector</a:t>
                       </a:r>
-                      <a:endParaRPr lang="es-ES" dirty="0"/>
                     </a:p>
                   </a:txBody>
                   <a:tcPr/>
@@ -21875,10 +21689,9 @@
                     <a:lstStyle/>
                     <a:p>
                       <a:r>
-                        <a:rPr lang="es-ES" dirty="0" smtClean="0"/>
+                        <a:rPr lang="es-ES" dirty="0"/>
                         <a:t>Ejemplo</a:t>
                       </a:r>
-                      <a:endParaRPr lang="es-ES" dirty="0"/>
                     </a:p>
                   </a:txBody>
                   <a:tcPr/>
@@ -21889,11 +21702,11 @@
                     <a:lstStyle/>
                     <a:p>
                       <a:r>
-                        <a:rPr lang="es-ES" dirty="0" smtClean="0"/>
+                        <a:rPr lang="es-ES" dirty="0"/>
                         <a:t>Descripción</a:t>
                       </a:r>
                       <a:r>
-                        <a:rPr lang="es-ES" baseline="0" dirty="0" smtClean="0"/>
+                        <a:rPr lang="es-ES" baseline="0" dirty="0"/>
                         <a:t> de ejemplo</a:t>
                       </a:r>
                       <a:endParaRPr lang="es-ES" dirty="0"/>
@@ -21914,11 +21727,11 @@
                     <a:lstStyle/>
                     <a:p>
                       <a:r>
-                        <a:rPr lang="es-ES" i="1" dirty="0" smtClean="0"/>
+                        <a:rPr lang="es-ES" i="1" dirty="0"/>
                         <a:t>elemento </a:t>
                       </a:r>
                       <a:r>
-                        <a:rPr lang="es-ES" i="1" dirty="0" err="1" smtClean="0"/>
+                        <a:rPr lang="es-ES" i="1" dirty="0" err="1"/>
                         <a:t>elemento</a:t>
                       </a:r>
                       <a:endParaRPr lang="es-ES" i="1" dirty="0"/>
@@ -21932,10 +21745,9 @@
                     <a:lstStyle/>
                     <a:p>
                       <a:r>
-                        <a:rPr lang="es-ES" b="0" i="1" dirty="0" smtClean="0"/>
+                        <a:rPr lang="es-ES" b="0" i="1" dirty="0"/>
                         <a:t>div p</a:t>
                       </a:r>
-                      <a:endParaRPr lang="es-ES" b="0" i="1" dirty="0"/>
                     </a:p>
                   </a:txBody>
                   <a:tcPr/>
@@ -21946,23 +21758,23 @@
                     <a:lstStyle/>
                     <a:p>
                       <a:r>
-                        <a:rPr lang="es-ES" dirty="0" smtClean="0"/>
+                        <a:rPr lang="es-ES" dirty="0"/>
                         <a:t>Selecciona todos los elementos </a:t>
                       </a:r>
                       <a:r>
-                        <a:rPr lang="es-ES" i="1" dirty="0" smtClean="0"/>
+                        <a:rPr lang="es-ES" i="1" dirty="0"/>
                         <a:t>&lt;p&gt;</a:t>
                       </a:r>
                       <a:r>
-                        <a:rPr lang="es-ES" dirty="0" smtClean="0"/>
+                        <a:rPr lang="es-ES" dirty="0"/>
                         <a:t> que</a:t>
                       </a:r>
                       <a:r>
-                        <a:rPr lang="es-ES" baseline="0" dirty="0" smtClean="0"/>
+                        <a:rPr lang="es-ES" baseline="0" dirty="0"/>
                         <a:t> estén dentro de los elementos </a:t>
                       </a:r>
                       <a:r>
-                        <a:rPr lang="es-ES" i="1" baseline="0" dirty="0" smtClean="0"/>
+                        <a:rPr lang="es-ES" i="1" baseline="0" dirty="0"/>
                         <a:t>&lt;div&gt;</a:t>
                       </a:r>
                       <a:endParaRPr lang="es-ES" i="1" dirty="0"/>
@@ -21983,10 +21795,9 @@
                     <a:lstStyle/>
                     <a:p>
                       <a:r>
-                        <a:rPr lang="es-ES" i="1" dirty="0" smtClean="0"/>
+                        <a:rPr lang="es-ES" i="1" dirty="0"/>
                         <a:t>elemento&gt;elemento</a:t>
                       </a:r>
-                      <a:endParaRPr lang="es-ES" i="1" dirty="0"/>
                     </a:p>
                   </a:txBody>
                   <a:tcPr/>
@@ -21997,10 +21808,9 @@
                     <a:lstStyle/>
                     <a:p>
                       <a:r>
-                        <a:rPr lang="es-ES" i="1" dirty="0" smtClean="0"/>
+                        <a:rPr lang="es-ES" i="1" dirty="0"/>
                         <a:t>div &gt; p</a:t>
                       </a:r>
-                      <a:endParaRPr lang="es-ES" i="1" dirty="0"/>
                     </a:p>
                   </a:txBody>
                   <a:tcPr/>
@@ -22011,23 +21821,23 @@
                     <a:lstStyle/>
                     <a:p>
                       <a:r>
-                        <a:rPr lang="es-ES" dirty="0" smtClean="0"/>
+                        <a:rPr lang="es-ES" dirty="0"/>
                         <a:t>Selecciona todos los elementos </a:t>
                       </a:r>
                       <a:r>
-                        <a:rPr lang="es-ES" i="1" dirty="0" smtClean="0"/>
+                        <a:rPr lang="es-ES" i="1" dirty="0"/>
                         <a:t>&lt;p&gt;</a:t>
                       </a:r>
                       <a:r>
-                        <a:rPr lang="es-ES" dirty="0" smtClean="0"/>
+                        <a:rPr lang="es-ES" dirty="0"/>
                         <a:t> que</a:t>
                       </a:r>
                       <a:r>
-                        <a:rPr lang="es-ES" baseline="0" dirty="0" smtClean="0"/>
+                        <a:rPr lang="es-ES" baseline="0" dirty="0"/>
                         <a:t> tengan como padre un elemento </a:t>
                       </a:r>
                       <a:r>
-                        <a:rPr lang="es-ES" i="1" baseline="0" dirty="0" smtClean="0"/>
+                        <a:rPr lang="es-ES" i="1" baseline="0" dirty="0"/>
                         <a:t>&lt;div&gt;</a:t>
                       </a:r>
                       <a:endParaRPr lang="es-ES" i="1" dirty="0"/>
@@ -22048,7 +21858,7 @@
                     <a:lstStyle/>
                     <a:p>
                       <a:r>
-                        <a:rPr lang="es-ES" i="1" dirty="0" err="1" smtClean="0"/>
+                        <a:rPr lang="es-ES" i="1" dirty="0" err="1"/>
                         <a:t>elemento+elemento</a:t>
                       </a:r>
                       <a:endParaRPr lang="es-ES" i="1" dirty="0"/>
@@ -22062,10 +21872,9 @@
                     <a:lstStyle/>
                     <a:p>
                       <a:r>
-                        <a:rPr lang="es-ES" i="1" dirty="0" smtClean="0"/>
+                        <a:rPr lang="es-ES" i="1" dirty="0"/>
                         <a:t>div + p</a:t>
                       </a:r>
-                      <a:endParaRPr lang="es-ES" i="1" dirty="0"/>
                     </a:p>
                   </a:txBody>
                   <a:tcPr/>
@@ -22076,23 +21885,23 @@
                     <a:lstStyle/>
                     <a:p>
                       <a:r>
-                        <a:rPr lang="es-ES" dirty="0" smtClean="0"/>
+                        <a:rPr lang="es-ES" dirty="0"/>
                         <a:t>Selecciona todos los elementos </a:t>
                       </a:r>
                       <a:r>
-                        <a:rPr lang="es-ES" i="1" dirty="0" smtClean="0"/>
+                        <a:rPr lang="es-ES" i="1" dirty="0"/>
                         <a:t>&lt;p&gt;</a:t>
                       </a:r>
                       <a:r>
-                        <a:rPr lang="es-ES" dirty="0" smtClean="0"/>
+                        <a:rPr lang="es-ES" dirty="0"/>
                         <a:t> que estén</a:t>
                       </a:r>
                       <a:r>
-                        <a:rPr lang="es-ES" baseline="0" dirty="0" smtClean="0"/>
+                        <a:rPr lang="es-ES" baseline="0" dirty="0"/>
                         <a:t> ubicados inmediatamente después de elementos </a:t>
                       </a:r>
                       <a:r>
-                        <a:rPr lang="es-ES" i="1" baseline="0" dirty="0" smtClean="0"/>
+                        <a:rPr lang="es-ES" i="1" baseline="0" dirty="0"/>
                         <a:t>&lt;div&gt;</a:t>
                       </a:r>
                       <a:endParaRPr lang="es-ES" i="1" dirty="0"/>
@@ -22113,11 +21922,11 @@
                     <a:lstStyle/>
                     <a:p>
                       <a:r>
-                        <a:rPr lang="es-ES" i="1" dirty="0" err="1" smtClean="0"/>
+                        <a:rPr lang="es-ES" i="1" dirty="0" err="1"/>
                         <a:t>elemento~</a:t>
                       </a:r>
                       <a:r>
-                        <a:rPr lang="es-ES" sz="1800" b="0" i="1" kern="1200" baseline="0" dirty="0" err="1" smtClean="0">
+                        <a:rPr lang="es-ES" sz="1800" b="0" i="1" kern="1200" baseline="0" dirty="0" err="1">
                           <a:solidFill>
                             <a:schemeClr val="dk1"/>
                           </a:solidFill>
@@ -22139,11 +21948,11 @@
                     <a:lstStyle/>
                     <a:p>
                       <a:r>
-                        <a:rPr lang="es-ES" i="1" dirty="0" smtClean="0"/>
+                        <a:rPr lang="es-ES" i="1" dirty="0"/>
                         <a:t>p ~ </a:t>
                       </a:r>
                       <a:r>
-                        <a:rPr lang="es-ES" i="1" dirty="0" err="1" smtClean="0"/>
+                        <a:rPr lang="es-ES" i="1" dirty="0" err="1"/>
                         <a:t>ul</a:t>
                       </a:r>
                       <a:endParaRPr lang="es-ES" i="1" dirty="0"/>
@@ -22157,31 +21966,31 @@
                     <a:lstStyle/>
                     <a:p>
                       <a:r>
-                        <a:rPr lang="es-ES" dirty="0" smtClean="0"/>
+                        <a:rPr lang="es-ES" dirty="0"/>
                         <a:t>Selecciona todos los elementos </a:t>
                       </a:r>
                       <a:r>
-                        <a:rPr lang="es-ES" i="1" dirty="0" smtClean="0"/>
+                        <a:rPr lang="es-ES" i="1" dirty="0"/>
                         <a:t>&lt;</a:t>
                       </a:r>
                       <a:r>
-                        <a:rPr lang="es-ES" i="1" dirty="0" err="1" smtClean="0"/>
+                        <a:rPr lang="es-ES" i="1" dirty="0" err="1"/>
                         <a:t>ul</a:t>
                       </a:r>
                       <a:r>
-                        <a:rPr lang="es-ES" i="1" dirty="0" smtClean="0"/>
+                        <a:rPr lang="es-ES" i="1" dirty="0"/>
                         <a:t>&gt;</a:t>
                       </a:r>
                       <a:r>
-                        <a:rPr lang="es-ES" dirty="0" smtClean="0"/>
+                        <a:rPr lang="es-ES" dirty="0"/>
                         <a:t> que estén</a:t>
                       </a:r>
                       <a:r>
-                        <a:rPr lang="es-ES" baseline="0" dirty="0" smtClean="0"/>
+                        <a:rPr lang="es-ES" baseline="0" dirty="0"/>
                         <a:t> precedidos por un elemento </a:t>
                       </a:r>
                       <a:r>
-                        <a:rPr lang="es-ES" i="1" baseline="0" dirty="0" smtClean="0"/>
+                        <a:rPr lang="es-ES" i="1" baseline="0" dirty="0"/>
                         <a:t>&lt;p&gt;</a:t>
                       </a:r>
                       <a:endParaRPr lang="es-ES" i="1" dirty="0"/>
@@ -22449,18 +22258,17 @@
           <a:lstStyle/>
           <a:p>
             <a:r>
-              <a:rPr lang="es-ES" dirty="0" smtClean="0"/>
+              <a:rPr lang="es-ES" dirty="0"/>
               <a:t>CSS – </a:t>
             </a:r>
             <a:r>
-              <a:rPr lang="es-ES" dirty="0" err="1" smtClean="0"/>
+              <a:rPr lang="es-ES" dirty="0" err="1"/>
               <a:t>Pseudo</a:t>
             </a:r>
             <a:r>
-              <a:rPr lang="es-ES" dirty="0" smtClean="0"/>
+              <a:rPr lang="es-ES" dirty="0"/>
               <a:t> Elementos</a:t>
             </a:r>
-            <a:endParaRPr lang="es-ES" dirty="0"/>
           </a:p>
         </p:txBody>
       </p:sp>
@@ -22519,10 +22327,9 @@
                     <a:lstStyle/>
                     <a:p>
                       <a:r>
-                        <a:rPr lang="es-ES" dirty="0" smtClean="0"/>
+                        <a:rPr lang="es-ES" dirty="0"/>
                         <a:t>Selector</a:t>
                       </a:r>
-                      <a:endParaRPr lang="es-ES" dirty="0"/>
                     </a:p>
                   </a:txBody>
                   <a:tcPr/>
@@ -22533,10 +22340,9 @@
                     <a:lstStyle/>
                     <a:p>
                       <a:r>
-                        <a:rPr lang="es-ES" dirty="0" smtClean="0"/>
+                        <a:rPr lang="es-ES" dirty="0"/>
                         <a:t>Ejemplo</a:t>
                       </a:r>
-                      <a:endParaRPr lang="es-ES" dirty="0"/>
                     </a:p>
                   </a:txBody>
                   <a:tcPr/>
@@ -22547,11 +22353,11 @@
                     <a:lstStyle/>
                     <a:p>
                       <a:r>
-                        <a:rPr lang="es-ES" dirty="0" smtClean="0"/>
+                        <a:rPr lang="es-ES" dirty="0"/>
                         <a:t>Descripción</a:t>
                       </a:r>
                       <a:r>
-                        <a:rPr lang="es-ES" baseline="0" dirty="0" smtClean="0"/>
+                        <a:rPr lang="es-ES" baseline="0" dirty="0"/>
                         <a:t> de ejemplo</a:t>
                       </a:r>
                       <a:endParaRPr lang="es-ES" dirty="0"/>
@@ -22572,11 +22378,11 @@
                     <a:lstStyle/>
                     <a:p>
                       <a:r>
-                        <a:rPr lang="es-ES" i="1" dirty="0" smtClean="0"/>
+                        <a:rPr lang="es-ES" i="1" dirty="0"/>
                         <a:t>::</a:t>
                       </a:r>
                       <a:r>
-                        <a:rPr lang="es-ES" i="1" dirty="0" err="1" smtClean="0"/>
+                        <a:rPr lang="es-ES" i="1" dirty="0" err="1"/>
                         <a:t>after</a:t>
                       </a:r>
                       <a:endParaRPr lang="es-ES" i="1" dirty="0"/>
@@ -22590,10 +22396,9 @@
                     <a:lstStyle/>
                     <a:p>
                       <a:r>
-                        <a:rPr lang="es-ES" i="1" dirty="0" smtClean="0"/>
+                        <a:rPr lang="es-ES" i="1" dirty="0"/>
                         <a:t>p::after</a:t>
                       </a:r>
-                      <a:endParaRPr lang="es-ES" i="1" dirty="0"/>
                     </a:p>
                   </a:txBody>
                   <a:tcPr/>
@@ -22604,15 +22409,15 @@
                     <a:lstStyle/>
                     <a:p>
                       <a:r>
-                        <a:rPr lang="es-ES" dirty="0" smtClean="0"/>
+                        <a:rPr lang="es-ES" dirty="0"/>
                         <a:t>Inserta algo detrás</a:t>
                       </a:r>
                       <a:r>
-                        <a:rPr lang="es-ES" baseline="0" dirty="0" smtClean="0"/>
+                        <a:rPr lang="es-ES" baseline="0" dirty="0"/>
                         <a:t> del contenido de cada elemento </a:t>
                       </a:r>
                       <a:r>
-                        <a:rPr lang="es-ES" i="1" baseline="0" dirty="0" smtClean="0"/>
+                        <a:rPr lang="es-ES" i="1" baseline="0" dirty="0"/>
                         <a:t>&lt;p&gt;</a:t>
                       </a:r>
                       <a:endParaRPr lang="es-ES" i="1" dirty="0"/>
@@ -22633,11 +22438,11 @@
                     <a:lstStyle/>
                     <a:p>
                       <a:r>
-                        <a:rPr lang="es-ES" i="1" dirty="0" smtClean="0"/>
+                        <a:rPr lang="es-ES" i="1" dirty="0"/>
                         <a:t>::</a:t>
                       </a:r>
                       <a:r>
-                        <a:rPr lang="es-ES" i="1" dirty="0" err="1" smtClean="0"/>
+                        <a:rPr lang="es-ES" i="1" dirty="0" err="1"/>
                         <a:t>before</a:t>
                       </a:r>
                       <a:endParaRPr lang="es-ES" i="1" dirty="0"/>
@@ -22651,10 +22456,9 @@
                     <a:lstStyle/>
                     <a:p>
                       <a:r>
-                        <a:rPr lang="es-ES" i="1" dirty="0" smtClean="0"/>
+                        <a:rPr lang="es-ES" i="1" dirty="0"/>
                         <a:t>p::before</a:t>
                       </a:r>
-                      <a:endParaRPr lang="es-ES" i="1" dirty="0"/>
                     </a:p>
                   </a:txBody>
                   <a:tcPr/>
@@ -22665,15 +22469,15 @@
                     <a:lstStyle/>
                     <a:p>
                       <a:r>
-                        <a:rPr lang="es-ES" dirty="0" smtClean="0"/>
+                        <a:rPr lang="es-ES" dirty="0"/>
                         <a:t>Inserta algo antes</a:t>
                       </a:r>
                       <a:r>
-                        <a:rPr lang="es-ES" baseline="0" dirty="0" smtClean="0"/>
+                        <a:rPr lang="es-ES" baseline="0" dirty="0"/>
                         <a:t> del contenido de cada elemento </a:t>
                       </a:r>
                       <a:r>
-                        <a:rPr lang="es-ES" i="1" baseline="0" dirty="0" smtClean="0"/>
+                        <a:rPr lang="es-ES" i="1" baseline="0" dirty="0"/>
                         <a:t>&lt;p&gt;</a:t>
                       </a:r>
                       <a:endParaRPr lang="es-ES" i="1" dirty="0"/>
@@ -22694,11 +22498,11 @@
                     <a:lstStyle/>
                     <a:p>
                       <a:r>
-                        <a:rPr lang="es-ES" i="1" dirty="0" smtClean="0"/>
+                        <a:rPr lang="es-ES" i="1" dirty="0"/>
                         <a:t>::</a:t>
                       </a:r>
                       <a:r>
-                        <a:rPr lang="es-ES" i="1" dirty="0" err="1" smtClean="0"/>
+                        <a:rPr lang="es-ES" i="1" dirty="0" err="1"/>
                         <a:t>first-letter</a:t>
                       </a:r>
                       <a:endParaRPr lang="es-ES" i="1" dirty="0"/>
@@ -22712,10 +22516,9 @@
                     <a:lstStyle/>
                     <a:p>
                       <a:r>
-                        <a:rPr lang="es-ES" i="1" dirty="0" smtClean="0"/>
+                        <a:rPr lang="es-ES" i="1" dirty="0"/>
                         <a:t>p::first-letter</a:t>
                       </a:r>
-                      <a:endParaRPr lang="es-ES" i="1" dirty="0"/>
                     </a:p>
                   </a:txBody>
                   <a:tcPr/>
@@ -22726,15 +22529,15 @@
                     <a:lstStyle/>
                     <a:p>
                       <a:r>
-                        <a:rPr lang="es-ES" dirty="0" smtClean="0"/>
+                        <a:rPr lang="es-ES" dirty="0"/>
                         <a:t>Selecciona</a:t>
                       </a:r>
                       <a:r>
-                        <a:rPr lang="es-ES" baseline="0" dirty="0" smtClean="0"/>
+                        <a:rPr lang="es-ES" baseline="0" dirty="0"/>
                         <a:t> la primera letra de cada elemento </a:t>
                       </a:r>
                       <a:r>
-                        <a:rPr lang="es-ES" i="1" baseline="0" dirty="0" smtClean="0"/>
+                        <a:rPr lang="es-ES" i="1" baseline="0" dirty="0"/>
                         <a:t>&lt;p&gt;</a:t>
                       </a:r>
                       <a:endParaRPr lang="es-ES" i="1" dirty="0"/>
@@ -22755,18 +22558,17 @@
                     <a:lstStyle/>
                     <a:p>
                       <a:r>
-                        <a:rPr lang="es-ES" i="1" dirty="0" smtClean="0"/>
+                        <a:rPr lang="es-ES" i="1" dirty="0"/>
                         <a:t>::</a:t>
                       </a:r>
                       <a:r>
-                        <a:rPr lang="es-ES" i="1" dirty="0" err="1" smtClean="0"/>
+                        <a:rPr lang="es-ES" i="1" dirty="0" err="1"/>
                         <a:t>first</a:t>
                       </a:r>
                       <a:r>
-                        <a:rPr lang="es-ES" i="1" dirty="0" smtClean="0"/>
+                        <a:rPr lang="es-ES" i="1" dirty="0"/>
                         <a:t>-line</a:t>
                       </a:r>
-                      <a:endParaRPr lang="es-ES" i="1" dirty="0"/>
                     </a:p>
                   </a:txBody>
                   <a:tcPr/>
@@ -22777,10 +22579,9 @@
                     <a:lstStyle/>
                     <a:p>
                       <a:r>
-                        <a:rPr lang="es-ES" i="1" dirty="0" smtClean="0"/>
+                        <a:rPr lang="es-ES" i="1" dirty="0"/>
                         <a:t>p::first-line</a:t>
                       </a:r>
-                      <a:endParaRPr lang="es-ES" i="1" dirty="0"/>
                     </a:p>
                   </a:txBody>
                   <a:tcPr/>
@@ -22791,14 +22592,13 @@
                     <a:lstStyle/>
                     <a:p>
                       <a:r>
-                        <a:rPr lang="es-ES" dirty="0" smtClean="0"/>
+                        <a:rPr lang="es-ES" dirty="0"/>
                         <a:t>Selecciona la primera línea de cada elemento </a:t>
                       </a:r>
                       <a:r>
-                        <a:rPr lang="es-ES" i="1" dirty="0" smtClean="0"/>
+                        <a:rPr lang="es-ES" i="1" dirty="0"/>
                         <a:t>&lt;p&gt;</a:t>
                       </a:r>
-                      <a:endParaRPr lang="es-ES" i="1" dirty="0"/>
                     </a:p>
                   </a:txBody>
                   <a:tcPr/>
@@ -22816,11 +22616,11 @@
                     <a:lstStyle/>
                     <a:p>
                       <a:r>
-                        <a:rPr lang="es-ES" i="1" dirty="0" smtClean="0"/>
+                        <a:rPr lang="es-ES" i="1" dirty="0"/>
                         <a:t>::</a:t>
                       </a:r>
                       <a:r>
-                        <a:rPr lang="es-ES" i="1" dirty="0" err="1" smtClean="0"/>
+                        <a:rPr lang="es-ES" i="1" dirty="0" err="1"/>
                         <a:t>selection</a:t>
                       </a:r>
                       <a:endParaRPr lang="es-ES" i="1" dirty="0"/>
@@ -22834,10 +22634,9 @@
                     <a:lstStyle/>
                     <a:p>
                       <a:r>
-                        <a:rPr lang="es-ES" i="1" dirty="0" smtClean="0"/>
+                        <a:rPr lang="es-ES" i="1" dirty="0"/>
                         <a:t>p::selection</a:t>
                       </a:r>
-                      <a:endParaRPr lang="es-ES" i="1" dirty="0"/>
                     </a:p>
                   </a:txBody>
                   <a:tcPr/>
@@ -22848,11 +22647,11 @@
                     <a:lstStyle/>
                     <a:p>
                       <a:r>
-                        <a:rPr lang="es-ES" dirty="0" smtClean="0"/>
+                        <a:rPr lang="es-ES" dirty="0"/>
                         <a:t>Selecciona</a:t>
                       </a:r>
                       <a:r>
-                        <a:rPr lang="es-ES" baseline="0" dirty="0" smtClean="0"/>
+                        <a:rPr lang="es-ES" baseline="0" dirty="0"/>
                         <a:t> la porción de un elemento que está seleccionada por un usuario</a:t>
                       </a:r>
                       <a:endParaRPr lang="es-ES" dirty="0"/>
@@ -23120,10 +22919,9 @@
           <a:lstStyle/>
           <a:p>
             <a:r>
-              <a:rPr lang="es-ES" dirty="0" smtClean="0"/>
+              <a:rPr lang="es-ES" dirty="0"/>
               <a:t>CSS – Opacidad</a:t>
             </a:r>
-            <a:endParaRPr lang="es-ES" dirty="0"/>
           </a:p>
         </p:txBody>
       </p:sp>
@@ -23144,73 +22942,73 @@
           <a:p>
             <a:pPr lvl="1"/>
             <a:r>
-              <a:rPr lang="es-ES" dirty="0" smtClean="0"/>
+              <a:rPr lang="es-ES" dirty="0"/>
               <a:t>La propiedad </a:t>
             </a:r>
             <a:r>
-              <a:rPr lang="es-ES" i="1" dirty="0" err="1" smtClean="0"/>
+              <a:rPr lang="es-ES" i="1" dirty="0" err="1"/>
               <a:t>opacity</a:t>
             </a:r>
             <a:r>
-              <a:rPr lang="es-ES" i="1" dirty="0" smtClean="0"/>
+              <a:rPr lang="es-ES" i="1" dirty="0"/>
               <a:t> </a:t>
             </a:r>
             <a:r>
-              <a:rPr lang="es-ES" dirty="0" smtClean="0"/>
+              <a:rPr lang="es-ES" dirty="0"/>
               <a:t>especifica la opacidad/transparencia de un elemento</a:t>
             </a:r>
           </a:p>
           <a:p>
             <a:pPr lvl="1"/>
             <a:r>
-              <a:rPr lang="es-ES" dirty="0" smtClean="0"/>
+              <a:rPr lang="es-ES" dirty="0"/>
               <a:t>La propiedad </a:t>
             </a:r>
             <a:r>
-              <a:rPr lang="es-ES" i="1" dirty="0" err="1" smtClean="0"/>
+              <a:rPr lang="es-ES" i="1" dirty="0" err="1"/>
               <a:t>opacity</a:t>
             </a:r>
             <a:r>
-              <a:rPr lang="es-ES" i="1" dirty="0" smtClean="0"/>
+              <a:rPr lang="es-ES" i="1" dirty="0"/>
               <a:t> </a:t>
             </a:r>
             <a:r>
-              <a:rPr lang="es-ES" dirty="0" smtClean="0"/>
+              <a:rPr lang="es-ES" dirty="0"/>
               <a:t>puede tomar un valor entre 0.0 y 1.0. Mientras más bajo sea el valor, es mayor la transparencia</a:t>
             </a:r>
-            <a:endParaRPr lang="es-ES" i="1" dirty="0" smtClean="0"/>
+            <a:endParaRPr lang="es-ES" i="1" dirty="0"/>
           </a:p>
           <a:p>
             <a:pPr lvl="1"/>
             <a:r>
-              <a:rPr lang="es-ES" dirty="0" smtClean="0"/>
+              <a:rPr lang="es-ES" dirty="0"/>
               <a:t>Cuando se aplica la propiedad </a:t>
             </a:r>
             <a:r>
-              <a:rPr lang="es-ES" i="1" dirty="0" err="1" smtClean="0"/>
+              <a:rPr lang="es-ES" i="1" dirty="0" err="1"/>
               <a:t>opacity</a:t>
             </a:r>
             <a:r>
-              <a:rPr lang="es-ES" i="1" dirty="0" smtClean="0"/>
+              <a:rPr lang="es-ES" i="1" dirty="0"/>
               <a:t> </a:t>
             </a:r>
             <a:r>
-              <a:rPr lang="es-ES" dirty="0" smtClean="0"/>
+              <a:rPr lang="es-ES" dirty="0"/>
               <a:t>a un elemento</a:t>
             </a:r>
             <a:r>
-              <a:rPr lang="es-ES" i="1" dirty="0" smtClean="0"/>
+              <a:rPr lang="es-ES" i="1" dirty="0"/>
               <a:t>, </a:t>
             </a:r>
             <a:r>
-              <a:rPr lang="es-ES" dirty="0" smtClean="0"/>
+              <a:rPr lang="es-ES" dirty="0"/>
               <a:t>se aplica también a todos los elementos hijos</a:t>
             </a:r>
           </a:p>
           <a:p>
             <a:pPr lvl="1"/>
             <a:r>
-              <a:rPr lang="es-ES" dirty="0" smtClean="0"/>
+              <a:rPr lang="es-ES" dirty="0"/>
               <a:t>Si se desea evitar aplicar opacidad a elementos hijos, se debe usar una combinación de colores RGBA</a:t>
             </a:r>
           </a:p>
@@ -24080,10 +23878,9 @@
                     <a:lstStyle/>
                     <a:p>
                       <a:r>
-                        <a:rPr lang="es-ES" dirty="0" smtClean="0"/>
+                        <a:rPr lang="es-ES" dirty="0"/>
                         <a:t>Selector</a:t>
                       </a:r>
-                      <a:endParaRPr lang="es-ES" dirty="0"/>
                     </a:p>
                   </a:txBody>
                   <a:tcPr/>
@@ -24094,10 +23891,9 @@
                     <a:lstStyle/>
                     <a:p>
                       <a:r>
-                        <a:rPr lang="es-ES" dirty="0" smtClean="0"/>
+                        <a:rPr lang="es-ES" dirty="0"/>
                         <a:t>Ejemplo</a:t>
                       </a:r>
-                      <a:endParaRPr lang="es-ES" dirty="0"/>
                     </a:p>
                   </a:txBody>
                   <a:tcPr/>
@@ -24108,10 +23904,9 @@
                     <a:lstStyle/>
                     <a:p>
                       <a:r>
-                        <a:rPr lang="es-ES" dirty="0" smtClean="0"/>
+                        <a:rPr lang="es-ES" dirty="0"/>
                         <a:t>Descripción de ejemplo</a:t>
                       </a:r>
-                      <a:endParaRPr lang="es-ES" dirty="0"/>
                     </a:p>
                   </a:txBody>
                   <a:tcPr/>
@@ -24182,15 +23977,15 @@
                     <a:lstStyle/>
                     <a:p>
                       <a:r>
-                        <a:rPr lang="es-ES" dirty="0" smtClean="0"/>
+                        <a:rPr lang="es-ES" dirty="0"/>
                         <a:t>Selecciona todos</a:t>
                       </a:r>
                       <a:r>
-                        <a:rPr lang="es-ES" baseline="0" dirty="0" smtClean="0"/>
+                        <a:rPr lang="es-ES" baseline="0" dirty="0"/>
                         <a:t> los elementos con el atributo </a:t>
                       </a:r>
                       <a:r>
-                        <a:rPr lang="es-ES" i="1" baseline="0" dirty="0" smtClean="0"/>
+                        <a:rPr lang="es-ES" i="1" baseline="0" dirty="0"/>
                         <a:t>target</a:t>
                       </a:r>
                       <a:endParaRPr lang="es-ES" i="1" dirty="0"/>
@@ -24285,22 +24080,21 @@
                     <a:lstStyle/>
                     <a:p>
                       <a:r>
-                        <a:rPr lang="es-ES" dirty="0" smtClean="0"/>
+                        <a:rPr lang="es-ES" dirty="0"/>
                         <a:t>Selecciona todos los elementos con el atributo </a:t>
                       </a:r>
                       <a:r>
-                        <a:rPr lang="es-ES" i="1" dirty="0" smtClean="0"/>
+                        <a:rPr lang="es-ES" i="1" dirty="0"/>
                         <a:t>target=“_</a:t>
                       </a:r>
                       <a:r>
-                        <a:rPr lang="es-ES" i="1" dirty="0" err="1" smtClean="0"/>
+                        <a:rPr lang="es-ES" i="1" dirty="0" err="1"/>
                         <a:t>blank</a:t>
                       </a:r>
                       <a:r>
-                        <a:rPr lang="es-ES" i="1" dirty="0" smtClean="0"/>
+                        <a:rPr lang="es-ES" i="1" dirty="0"/>
                         <a:t>”</a:t>
                       </a:r>
-                      <a:endParaRPr lang="es-ES" i="1" dirty="0"/>
                     </a:p>
                   </a:txBody>
                   <a:tcPr/>
@@ -24368,19 +24162,7 @@
                         <a:rPr lang="es-ES" dirty="0">
                           <a:effectLst/>
                         </a:rPr>
-                        <a:t>[</a:t>
-                      </a:r>
-                      <a:r>
-                        <a:rPr lang="es-ES" dirty="0" smtClean="0">
-                          <a:effectLst/>
-                        </a:rPr>
-                        <a:t>titulo~=flor</a:t>
-                      </a:r>
-                      <a:r>
-                        <a:rPr lang="es-ES" dirty="0">
-                          <a:effectLst/>
-                        </a:rPr>
-                        <a:t>]</a:t>
+                        <a:t>[titulo~=flor]</a:t>
                       </a:r>
                     </a:p>
                   </a:txBody>
@@ -24392,23 +24174,23 @@
                     <a:lstStyle/>
                     <a:p>
                       <a:r>
-                        <a:rPr lang="es-ES" dirty="0" smtClean="0"/>
+                        <a:rPr lang="es-ES" dirty="0"/>
                         <a:t>Selecciona todos los elementos que tengan un atributo </a:t>
                       </a:r>
                       <a:r>
-                        <a:rPr lang="es-ES" i="1" dirty="0" smtClean="0"/>
+                        <a:rPr lang="es-ES" i="1" dirty="0"/>
                         <a:t>titulo,</a:t>
                       </a:r>
                       <a:r>
-                        <a:rPr lang="es-ES" i="1" baseline="0" dirty="0" smtClean="0"/>
+                        <a:rPr lang="es-ES" i="1" baseline="0" dirty="0"/>
                         <a:t> </a:t>
                       </a:r>
                       <a:r>
-                        <a:rPr lang="es-ES" i="0" baseline="0" dirty="0" smtClean="0"/>
+                        <a:rPr lang="es-ES" i="0" baseline="0" dirty="0"/>
                         <a:t>y que su valor contenga la palabra </a:t>
                       </a:r>
                       <a:r>
-                        <a:rPr lang="es-ES" i="1" baseline="0" dirty="0" smtClean="0"/>
+                        <a:rPr lang="es-ES" i="1" baseline="0" dirty="0"/>
                         <a:t>flor</a:t>
                       </a:r>
                       <a:endParaRPr lang="es-ES" i="1" dirty="0"/>
@@ -24503,51 +24285,51 @@
                     <a:lstStyle/>
                     <a:p>
                       <a:r>
-                        <a:rPr lang="es-ES" dirty="0" smtClean="0"/>
+                        <a:rPr lang="es-ES" dirty="0"/>
                         <a:t>Selecciona todos los elementos con atributo</a:t>
                       </a:r>
                       <a:r>
-                        <a:rPr lang="es-ES" baseline="0" dirty="0" smtClean="0"/>
+                        <a:rPr lang="es-ES" baseline="0" dirty="0"/>
                         <a:t> </a:t>
                       </a:r>
                       <a:r>
-                        <a:rPr lang="es-ES" i="1" baseline="0" dirty="0" err="1" smtClean="0"/>
+                        <a:rPr lang="es-ES" i="1" baseline="0" dirty="0" err="1"/>
                         <a:t>lang</a:t>
                       </a:r>
                       <a:r>
-                        <a:rPr lang="es-ES" i="1" baseline="0" dirty="0" smtClean="0"/>
+                        <a:rPr lang="es-ES" i="1" baseline="0" dirty="0"/>
                         <a:t>, </a:t>
                       </a:r>
                       <a:r>
-                        <a:rPr lang="es-ES" i="0" baseline="0" dirty="0" smtClean="0"/>
+                        <a:rPr lang="es-ES" i="0" baseline="0" dirty="0"/>
                         <a:t>y que su valor </a:t>
                       </a:r>
                       <a:r>
-                        <a:rPr lang="es-ES" b="0" i="0" baseline="0" dirty="0" smtClean="0"/>
+                        <a:rPr lang="es-ES" b="0" i="0" baseline="0" dirty="0"/>
                         <a:t>comience</a:t>
                       </a:r>
                       <a:r>
-                        <a:rPr lang="es-ES" i="0" baseline="0" dirty="0" smtClean="0"/>
+                        <a:rPr lang="es-ES" i="0" baseline="0" dirty="0"/>
                         <a:t> por </a:t>
                       </a:r>
                       <a:r>
-                        <a:rPr lang="es-ES" i="1" baseline="0" dirty="0" smtClean="0"/>
+                        <a:rPr lang="es-ES" i="1" baseline="0" dirty="0"/>
                         <a:t>en </a:t>
                       </a:r>
                       <a:r>
-                        <a:rPr lang="es-ES" i="0" baseline="0" dirty="0" smtClean="0"/>
+                        <a:rPr lang="es-ES" i="0" baseline="0" dirty="0"/>
                         <a:t>(</a:t>
                       </a:r>
                       <a:r>
-                        <a:rPr lang="es-ES" b="1" i="0" baseline="0" dirty="0" smtClean="0"/>
+                        <a:rPr lang="es-ES" b="1" i="0" baseline="0" dirty="0"/>
                         <a:t>palabra completa o seguida de </a:t>
                       </a:r>
                       <a:r>
-                        <a:rPr lang="es-ES" b="1" i="1" baseline="0" dirty="0" smtClean="0"/>
+                        <a:rPr lang="es-ES" b="1" i="1" baseline="0" dirty="0"/>
                         <a:t>-</a:t>
                       </a:r>
                       <a:r>
-                        <a:rPr lang="es-ES" i="0" baseline="0" dirty="0" smtClean="0"/>
+                        <a:rPr lang="es-ES" i="0" baseline="0" dirty="0"/>
                         <a:t>)</a:t>
                       </a:r>
                       <a:endParaRPr lang="es-ES" i="0" dirty="0"/>
@@ -24642,35 +24424,35 @@
                     <a:lstStyle/>
                     <a:p>
                       <a:r>
-                        <a:rPr lang="es-ES" dirty="0" smtClean="0"/>
+                        <a:rPr lang="es-ES" dirty="0"/>
                         <a:t>Selecciona</a:t>
                       </a:r>
                       <a:r>
-                        <a:rPr lang="es-ES" baseline="0" dirty="0" smtClean="0"/>
+                        <a:rPr lang="es-ES" baseline="0" dirty="0"/>
                         <a:t> todos los elementos </a:t>
                       </a:r>
                       <a:r>
-                        <a:rPr lang="es-ES" i="1" baseline="0" dirty="0" smtClean="0"/>
+                        <a:rPr lang="es-ES" i="1" baseline="0" dirty="0"/>
                         <a:t>&lt;a&gt;</a:t>
                       </a:r>
                       <a:r>
-                        <a:rPr lang="es-ES" baseline="0" dirty="0" smtClean="0"/>
+                        <a:rPr lang="es-ES" baseline="0" dirty="0"/>
                         <a:t> que tengan el atributo </a:t>
                       </a:r>
                       <a:r>
-                        <a:rPr lang="es-ES" i="1" baseline="0" dirty="0" err="1" smtClean="0"/>
+                        <a:rPr lang="es-ES" i="1" baseline="0" dirty="0" err="1"/>
                         <a:t>href</a:t>
                       </a:r>
                       <a:r>
-                        <a:rPr lang="es-ES" i="1" baseline="0" dirty="0" smtClean="0"/>
+                        <a:rPr lang="es-ES" i="1" baseline="0" dirty="0"/>
                         <a:t>, </a:t>
                       </a:r>
                       <a:r>
-                        <a:rPr lang="es-ES" i="0" baseline="0" dirty="0" smtClean="0"/>
+                        <a:rPr lang="es-ES" i="0" baseline="0" dirty="0"/>
                         <a:t>y que el valor de éste comience por </a:t>
                       </a:r>
                       <a:r>
-                        <a:rPr lang="es-ES" i="1" baseline="0" dirty="0" smtClean="0"/>
+                        <a:rPr lang="es-ES" i="1" baseline="0" dirty="0"/>
                         <a:t>https</a:t>
                       </a:r>
                       <a:endParaRPr lang="es-ES" i="1" dirty="0"/>
@@ -24777,42 +24559,42 @@
                     <a:lstStyle/>
                     <a:p>
                       <a:r>
-                        <a:rPr lang="es-ES" dirty="0" smtClean="0"/>
+                        <a:rPr lang="es-ES" dirty="0"/>
                         <a:t>Selecciona todos los elementos </a:t>
                       </a:r>
                       <a:r>
-                        <a:rPr lang="es-ES" i="1" dirty="0" smtClean="0"/>
+                        <a:rPr lang="es-ES" i="1" dirty="0"/>
                         <a:t>&lt;a&gt; </a:t>
                       </a:r>
                       <a:r>
-                        <a:rPr lang="es-ES" i="0" dirty="0" smtClean="0"/>
+                        <a:rPr lang="es-ES" i="0" dirty="0"/>
                         <a:t>cuyo</a:t>
                       </a:r>
                       <a:r>
-                        <a:rPr lang="es-ES" i="0" baseline="0" dirty="0" smtClean="0"/>
+                        <a:rPr lang="es-ES" i="0" baseline="0" dirty="0"/>
                         <a:t> atributo </a:t>
                       </a:r>
                       <a:r>
-                        <a:rPr lang="es-ES" i="1" baseline="0" dirty="0" err="1" smtClean="0"/>
+                        <a:rPr lang="es-ES" i="1" baseline="0" dirty="0" err="1"/>
                         <a:t>href</a:t>
                       </a:r>
                       <a:r>
-                        <a:rPr lang="es-ES" i="1" baseline="0" dirty="0" smtClean="0"/>
+                        <a:rPr lang="es-ES" i="1" baseline="0" dirty="0"/>
                         <a:t> </a:t>
                       </a:r>
                       <a:r>
-                        <a:rPr lang="es-ES" i="0" baseline="0" dirty="0" smtClean="0"/>
+                        <a:rPr lang="es-ES" i="0" baseline="0" dirty="0"/>
                         <a:t>finalice en </a:t>
                       </a:r>
                       <a:r>
-                        <a:rPr lang="es-ES" i="1" baseline="0" dirty="0" smtClean="0"/>
+                        <a:rPr lang="es-ES" i="1" baseline="0" dirty="0"/>
                         <a:t>.</a:t>
                       </a:r>
                       <a:r>
-                        <a:rPr lang="es-ES" i="1" baseline="0" dirty="0" err="1" smtClean="0"/>
+                        <a:rPr lang="es-ES" i="1" baseline="0" dirty="0" err="1"/>
                         <a:t>pdf</a:t>
                       </a:r>
-                      <a:endParaRPr lang="es-ES" i="1" dirty="0" smtClean="0"/>
+                      <a:endParaRPr lang="es-ES" i="1" dirty="0"/>
                     </a:p>
                   </a:txBody>
                   <a:tcPr/>
@@ -24889,26 +24671,23 @@
                         <a:t>href</a:t>
                       </a:r>
                       <a:r>
-                        <a:rPr lang="es-ES" dirty="0" smtClean="0">
+                        <a:rPr lang="es-ES" dirty="0">
                           <a:effectLst/>
                         </a:rPr>
                         <a:t>*=“</a:t>
                       </a:r>
                       <a:r>
-                        <a:rPr lang="es-ES" dirty="0" err="1" smtClean="0">
+                        <a:rPr lang="es-ES" dirty="0" err="1">
                           <a:effectLst/>
                         </a:rPr>
                         <a:t>protec</a:t>
                       </a:r>
                       <a:r>
-                        <a:rPr lang="es-ES" dirty="0" smtClean="0">
+                        <a:rPr lang="es-ES" dirty="0">
                           <a:effectLst/>
                         </a:rPr>
                         <a:t>"]</a:t>
                       </a:r>
-                      <a:endParaRPr lang="es-ES" dirty="0">
-                        <a:effectLst/>
-                      </a:endParaRPr>
                     </a:p>
                   </a:txBody>
                   <a:tcPr marL="76200" marR="76200" marT="76200" marB="76200"/>
@@ -24919,35 +24698,35 @@
                     <a:lstStyle/>
                     <a:p>
                       <a:r>
-                        <a:rPr lang="es-ES" dirty="0" smtClean="0"/>
+                        <a:rPr lang="es-ES" dirty="0"/>
                         <a:t>Selecciona todos</a:t>
                       </a:r>
                       <a:r>
-                        <a:rPr lang="es-ES" baseline="0" dirty="0" smtClean="0"/>
+                        <a:rPr lang="es-ES" baseline="0" dirty="0"/>
                         <a:t> los elementos </a:t>
                       </a:r>
                       <a:r>
-                        <a:rPr lang="es-ES" i="1" baseline="0" dirty="0" smtClean="0"/>
+                        <a:rPr lang="es-ES" i="1" baseline="0" dirty="0"/>
                         <a:t>&lt;a&gt; </a:t>
                       </a:r>
                       <a:r>
-                        <a:rPr lang="es-ES" i="0" baseline="0" dirty="0" smtClean="0"/>
+                        <a:rPr lang="es-ES" i="0" baseline="0" dirty="0"/>
                         <a:t>cuyo atributo </a:t>
                       </a:r>
                       <a:r>
-                        <a:rPr lang="es-ES" i="1" baseline="0" dirty="0" err="1" smtClean="0"/>
+                        <a:rPr lang="es-ES" i="1" baseline="0" dirty="0" err="1"/>
                         <a:t>href</a:t>
                       </a:r>
                       <a:r>
-                        <a:rPr lang="es-ES" i="1" baseline="0" dirty="0" smtClean="0"/>
+                        <a:rPr lang="es-ES" i="1" baseline="0" dirty="0"/>
                         <a:t> </a:t>
                       </a:r>
                       <a:r>
-                        <a:rPr lang="es-ES" i="0" baseline="0" dirty="0" smtClean="0"/>
+                        <a:rPr lang="es-ES" i="0" baseline="0" dirty="0"/>
                         <a:t>contenga la cadena </a:t>
                       </a:r>
                       <a:r>
-                        <a:rPr lang="es-ES" i="1" baseline="0" dirty="0" err="1" smtClean="0"/>
+                        <a:rPr lang="es-ES" i="1" baseline="0" dirty="0" err="1"/>
                         <a:t>protec</a:t>
                       </a:r>
                       <a:endParaRPr lang="es-ES" i="1" dirty="0"/>
@@ -24981,10 +24760,9 @@
           <a:lstStyle/>
           <a:p>
             <a:r>
-              <a:rPr lang="es-ES" dirty="0" smtClean="0"/>
+              <a:rPr lang="es-ES" dirty="0"/>
               <a:t>CSS – Selectores de atributos</a:t>
             </a:r>
-            <a:endParaRPr lang="es-ES" dirty="0"/>
           </a:p>
         </p:txBody>
       </p:sp>
@@ -25326,105 +25104,105 @@
           <a:p>
             <a:pPr lvl="1"/>
             <a:r>
-              <a:rPr lang="es-ES" dirty="0" smtClean="0"/>
+              <a:rPr lang="es-ES" dirty="0"/>
               <a:t>Los </a:t>
             </a:r>
             <a:r>
-              <a:rPr lang="es-ES" i="1" dirty="0" smtClean="0"/>
+              <a:rPr lang="es-ES" i="1" dirty="0"/>
               <a:t>media </a:t>
             </a:r>
             <a:r>
-              <a:rPr lang="es-ES" i="1" dirty="0" err="1" smtClean="0"/>
+              <a:rPr lang="es-ES" i="1" dirty="0" err="1"/>
               <a:t>queries</a:t>
             </a:r>
             <a:r>
-              <a:rPr lang="es-ES" i="1" dirty="0" smtClean="0"/>
+              <a:rPr lang="es-ES" i="1" dirty="0"/>
               <a:t> </a:t>
             </a:r>
             <a:r>
-              <a:rPr lang="es-ES" dirty="0" smtClean="0"/>
+              <a:rPr lang="es-ES" dirty="0"/>
               <a:t>pueden ser usados para chequear muchas cosas, tales como:</a:t>
             </a:r>
           </a:p>
           <a:p>
             <a:pPr lvl="2"/>
             <a:r>
-              <a:rPr lang="es-ES" sz="1600" dirty="0" smtClean="0"/>
+              <a:rPr lang="es-ES" sz="1600" dirty="0"/>
               <a:t>Ancho y alto del</a:t>
             </a:r>
             <a:r>
-              <a:rPr lang="es-ES" sz="1600" i="1" dirty="0" smtClean="0"/>
+              <a:rPr lang="es-ES" sz="1600" i="1" dirty="0"/>
               <a:t> </a:t>
             </a:r>
             <a:r>
-              <a:rPr lang="es-ES" sz="1600" i="1" dirty="0" err="1" smtClean="0"/>
+              <a:rPr lang="es-ES" sz="1600" i="1" dirty="0" err="1"/>
               <a:t>viewport</a:t>
             </a:r>
-            <a:endParaRPr lang="es-ES" sz="1600" i="1" dirty="0" smtClean="0"/>
+            <a:endParaRPr lang="es-ES" sz="1600" i="1" dirty="0"/>
           </a:p>
           <a:p>
             <a:pPr lvl="2"/>
             <a:r>
-              <a:rPr lang="es-ES" sz="1600" dirty="0" smtClean="0"/>
+              <a:rPr lang="es-ES" sz="1600" dirty="0"/>
               <a:t>Ancho y alto del dispositivo</a:t>
             </a:r>
           </a:p>
           <a:p>
             <a:pPr lvl="2"/>
             <a:r>
-              <a:rPr lang="es-ES" sz="1600" dirty="0" smtClean="0"/>
+              <a:rPr lang="es-ES" sz="1600" dirty="0"/>
               <a:t>Orientación (¿está la tableta o el teléfono en modo </a:t>
             </a:r>
             <a:r>
-              <a:rPr lang="es-ES" sz="1600" i="1" dirty="0" err="1" smtClean="0"/>
+              <a:rPr lang="es-ES" sz="1600" i="1" dirty="0" err="1"/>
               <a:t>landscape</a:t>
             </a:r>
             <a:r>
-              <a:rPr lang="es-ES" sz="1600" dirty="0" smtClean="0"/>
+              <a:rPr lang="es-ES" sz="1600" dirty="0"/>
               <a:t> o </a:t>
             </a:r>
             <a:r>
-              <a:rPr lang="es-ES" sz="1600" i="1" dirty="0" err="1" smtClean="0"/>
+              <a:rPr lang="es-ES" sz="1600" i="1" dirty="0" err="1"/>
               <a:t>portrait</a:t>
             </a:r>
             <a:r>
-              <a:rPr lang="es-ES" sz="1600" dirty="0" smtClean="0"/>
+              <a:rPr lang="es-ES" sz="1600" dirty="0"/>
               <a:t>?)</a:t>
             </a:r>
           </a:p>
           <a:p>
             <a:pPr lvl="2"/>
             <a:r>
-              <a:rPr lang="es-ES" sz="1600" dirty="0" smtClean="0"/>
+              <a:rPr lang="es-ES" sz="1600" dirty="0"/>
               <a:t>Resolución</a:t>
             </a:r>
           </a:p>
           <a:p>
             <a:pPr lvl="1"/>
             <a:r>
-              <a:rPr lang="es-ES" dirty="0" smtClean="0"/>
+              <a:rPr lang="es-ES" dirty="0"/>
               <a:t>Un </a:t>
             </a:r>
             <a:r>
-              <a:rPr lang="es-ES" i="1" dirty="0" smtClean="0"/>
+              <a:rPr lang="es-ES" i="1" dirty="0"/>
               <a:t>media </a:t>
             </a:r>
             <a:r>
-              <a:rPr lang="es-ES" i="1" dirty="0" err="1" smtClean="0"/>
+              <a:rPr lang="es-ES" i="1" dirty="0" err="1"/>
               <a:t>query</a:t>
             </a:r>
             <a:r>
-              <a:rPr lang="es-ES" i="1" dirty="0" smtClean="0"/>
+              <a:rPr lang="es-ES" i="1" dirty="0"/>
               <a:t> </a:t>
             </a:r>
             <a:r>
-              <a:rPr lang="es-ES" dirty="0" smtClean="0"/>
+              <a:rPr lang="es-ES" dirty="0"/>
               <a:t>consiste en un tipo de medio y puede contener una o más expresiones, las cuales resuelve como verdadero o falso</a:t>
             </a:r>
           </a:p>
           <a:p>
             <a:pPr lvl="1"/>
-            <a:endParaRPr lang="es-ES" i="1" dirty="0" smtClean="0"/>
+            <a:endParaRPr lang="es-ES" i="1" dirty="0"/>
           </a:p>
           <a:p>
             <a:pPr lvl="1"/>
@@ -25448,20 +25226,16 @@
           <a:lstStyle/>
           <a:p>
             <a:r>
-              <a:rPr lang="es-ES" dirty="0" smtClean="0"/>
+              <a:rPr lang="es-ES" dirty="0"/>
               <a:t>CSS – </a:t>
             </a:r>
             <a:r>
-              <a:rPr lang="es-ES" i="1" dirty="0" smtClean="0"/>
+              <a:rPr lang="es-ES" i="1" dirty="0"/>
               <a:t>Media </a:t>
             </a:r>
             <a:r>
               <a:rPr lang="es-ES" i="1" dirty="0" err="1"/>
-              <a:t>Q</a:t>
-            </a:r>
-            <a:r>
-              <a:rPr lang="es-ES" i="1" dirty="0" err="1" smtClean="0"/>
-              <a:t>ueries</a:t>
+              <a:t>Queries</a:t>
             </a:r>
             <a:endParaRPr lang="es-ES" i="1" dirty="0"/>
           </a:p>
@@ -25548,7 +25322,7 @@
                     <a:lstStyle/>
                     <a:p>
                       <a:r>
-                        <a:rPr lang="es-ES" sz="1600" smtClean="0"/>
+                        <a:rPr lang="es-ES" sz="1600"/>
                         <a:t>Valor</a:t>
                       </a:r>
                       <a:endParaRPr lang="es-ES" sz="1600" dirty="0"/>
@@ -25562,10 +25336,9 @@
                     <a:lstStyle/>
                     <a:p>
                       <a:r>
-                        <a:rPr lang="es-ES" sz="1600" dirty="0" smtClean="0"/>
+                        <a:rPr lang="es-ES" sz="1600" dirty="0"/>
                         <a:t>Descripción</a:t>
                       </a:r>
-                      <a:endParaRPr lang="es-ES" sz="1600" dirty="0"/>
                     </a:p>
                   </a:txBody>
                   <a:tcPr/>
@@ -25583,7 +25356,7 @@
                     <a:lstStyle/>
                     <a:p>
                       <a:r>
-                        <a:rPr lang="es-ES" sz="1600" i="1" dirty="0" err="1" smtClean="0"/>
+                        <a:rPr lang="es-ES" sz="1600" i="1" dirty="0" err="1"/>
                         <a:t>all</a:t>
                       </a:r>
                       <a:endParaRPr lang="es-ES" sz="1600" i="1" dirty="0"/>
@@ -25597,7 +25370,7 @@
                     <a:lstStyle/>
                     <a:p>
                       <a:r>
-                        <a:rPr lang="es-ES" sz="1600" smtClean="0"/>
+                        <a:rPr lang="es-ES" sz="1600"/>
                         <a:t>Usado para todos los tipos de dispositivo multimedia </a:t>
                       </a:r>
                       <a:endParaRPr lang="es-ES" sz="1600" dirty="0"/>
@@ -25618,7 +25391,7 @@
                     <a:lstStyle/>
                     <a:p>
                       <a:r>
-                        <a:rPr lang="es-ES" sz="1600" i="1" dirty="0" err="1" smtClean="0"/>
+                        <a:rPr lang="es-ES" sz="1600" i="1" dirty="0" err="1"/>
                         <a:t>print</a:t>
                       </a:r>
                       <a:endParaRPr lang="es-ES" sz="1600" i="1" dirty="0"/>
@@ -25632,11 +25405,11 @@
                     <a:lstStyle/>
                     <a:p>
                       <a:r>
-                        <a:rPr lang="es-ES" sz="1600" smtClean="0"/>
+                        <a:rPr lang="es-ES" sz="1600"/>
                         <a:t>Usado</a:t>
                       </a:r>
                       <a:r>
-                        <a:rPr lang="es-ES" sz="1600" baseline="0" smtClean="0"/>
+                        <a:rPr lang="es-ES" sz="1600" baseline="0"/>
                         <a:t> para impresoras</a:t>
                       </a:r>
                       <a:endParaRPr lang="es-ES" sz="1600" dirty="0"/>
@@ -25657,7 +25430,7 @@
                     <a:lstStyle/>
                     <a:p>
                       <a:r>
-                        <a:rPr lang="es-ES" sz="1600" i="1" dirty="0" err="1" smtClean="0"/>
+                        <a:rPr lang="es-ES" sz="1600" i="1" dirty="0" err="1"/>
                         <a:t>screen</a:t>
                       </a:r>
                       <a:endParaRPr lang="es-ES" sz="1600" i="1" dirty="0"/>
@@ -25671,11 +25444,11 @@
                     <a:lstStyle/>
                     <a:p>
                       <a:r>
-                        <a:rPr lang="es-ES" sz="1600" smtClean="0"/>
+                        <a:rPr lang="es-ES" sz="1600"/>
                         <a:t>Usado para pantalla</a:t>
                       </a:r>
                       <a:r>
-                        <a:rPr lang="es-ES" sz="1600" baseline="0" smtClean="0"/>
+                        <a:rPr lang="es-ES" sz="1600" baseline="0"/>
                         <a:t> de ordenadores, tabletas, móviles, etc.</a:t>
                       </a:r>
                       <a:endParaRPr lang="es-ES" sz="1600" dirty="0"/>
@@ -25696,7 +25469,7 @@
                     <a:lstStyle/>
                     <a:p>
                       <a:r>
-                        <a:rPr lang="es-ES" sz="1600" i="1" dirty="0" err="1" smtClean="0"/>
+                        <a:rPr lang="es-ES" sz="1600" i="1" dirty="0" err="1"/>
                         <a:t>speech</a:t>
                       </a:r>
                       <a:endParaRPr lang="es-ES" sz="1600" i="1" dirty="0"/>
@@ -25710,11 +25483,11 @@
                     <a:lstStyle/>
                     <a:p>
                       <a:r>
-                        <a:rPr lang="es-ES" sz="1600" dirty="0" smtClean="0"/>
+                        <a:rPr lang="es-ES" sz="1600" dirty="0"/>
                         <a:t>Usado por lectores de pantalla</a:t>
                       </a:r>
                       <a:r>
-                        <a:rPr lang="es-ES" sz="1600" baseline="0" dirty="0" smtClean="0"/>
+                        <a:rPr lang="es-ES" sz="1600" baseline="0" dirty="0"/>
                         <a:t> que “leen” la página en voz alta</a:t>
                       </a:r>
                       <a:endParaRPr lang="es-ES" sz="1600" dirty="0"/>
@@ -26236,11 +26009,11 @@
           <a:lstStyle/>
           <a:p>
             <a:r>
-              <a:rPr lang="es-ES" dirty="0" smtClean="0"/>
+              <a:rPr lang="es-ES" dirty="0"/>
               <a:t>CSS – </a:t>
             </a:r>
             <a:r>
-              <a:rPr lang="es-ES" smtClean="0"/>
+              <a:rPr lang="es-ES"/>
               <a:t>Material recomendado</a:t>
             </a:r>
             <a:endParaRPr lang="es-ES" dirty="0"/>
@@ -26264,151 +26037,115 @@
           <a:p>
             <a:pPr lvl="1"/>
             <a:r>
-              <a:rPr lang="es-ES" dirty="0" err="1" smtClean="0"/>
+              <a:rPr lang="es-ES" dirty="0" err="1"/>
               <a:t>Flexbox</a:t>
             </a:r>
             <a:r>
-              <a:rPr lang="es-ES" dirty="0" smtClean="0"/>
+              <a:rPr lang="es-ES" dirty="0"/>
               <a:t>: </a:t>
             </a:r>
             <a:r>
               <a:rPr lang="es-ES" dirty="0">
                 <a:hlinkClick r:id="rId2"/>
               </a:rPr>
-              <a:t>https://</a:t>
-            </a:r>
-            <a:r>
-              <a:rPr lang="es-ES" dirty="0" smtClean="0">
-                <a:hlinkClick r:id="rId2"/>
-              </a:rPr>
-              <a:t>developer.mozilla.org/en-US/docs/Learn/CSS/CSS_layout/Flexbox</a:t>
-            </a:r>
-            <a:endParaRPr lang="es-ES" dirty="0" smtClean="0"/>
+              <a:t>https://developer.mozilla.org/en-US/docs/Learn/CSS/CSS_layout/Flexbox</a:t>
+            </a:r>
+            <a:endParaRPr lang="es-ES" dirty="0"/>
           </a:p>
           <a:p>
             <a:pPr lvl="1"/>
             <a:r>
-              <a:rPr lang="es-ES" dirty="0" err="1" smtClean="0"/>
+              <a:rPr lang="es-ES" dirty="0" err="1"/>
               <a:t>Grids</a:t>
             </a:r>
             <a:r>
-              <a:rPr lang="es-ES" dirty="0" smtClean="0"/>
+              <a:rPr lang="es-ES" dirty="0"/>
               <a:t>: </a:t>
             </a:r>
             <a:r>
               <a:rPr lang="es-ES" dirty="0">
                 <a:hlinkClick r:id="rId3"/>
               </a:rPr>
-              <a:t>https://</a:t>
-            </a:r>
-            <a:r>
-              <a:rPr lang="es-ES" dirty="0" smtClean="0">
-                <a:hlinkClick r:id="rId3"/>
-              </a:rPr>
-              <a:t>developer.mozilla.org/en-US/docs/Learn/CSS/CSS_layout/Grids</a:t>
-            </a:r>
-            <a:endParaRPr lang="es-ES" dirty="0" smtClean="0"/>
+              <a:t>https://developer.mozilla.org/en-US/docs/Learn/CSS/CSS_layout/Grids</a:t>
+            </a:r>
+            <a:endParaRPr lang="es-ES" dirty="0"/>
           </a:p>
           <a:p>
             <a:pPr lvl="1"/>
             <a:r>
-              <a:rPr lang="es-ES" dirty="0" smtClean="0"/>
+              <a:rPr lang="es-ES" dirty="0"/>
               <a:t>Diseño adaptativo: </a:t>
             </a:r>
             <a:r>
               <a:rPr lang="es-ES" dirty="0">
                 <a:hlinkClick r:id="rId4"/>
               </a:rPr>
-              <a:t>https://</a:t>
-            </a:r>
-            <a:r>
-              <a:rPr lang="es-ES" dirty="0" smtClean="0">
-                <a:hlinkClick r:id="rId4"/>
-              </a:rPr>
-              <a:t>developer.mozilla.org/en-US/docs/Learn/CSS/CSS_layout/Responsive_Design</a:t>
-            </a:r>
-            <a:endParaRPr lang="es-ES" dirty="0" smtClean="0"/>
+              <a:t>https://developer.mozilla.org/en-US/docs/Learn/CSS/CSS_layout/Responsive_Design</a:t>
+            </a:r>
+            <a:endParaRPr lang="es-ES" dirty="0"/>
           </a:p>
           <a:p>
             <a:pPr lvl="1"/>
             <a:r>
-              <a:rPr lang="es-ES" dirty="0" smtClean="0"/>
+              <a:rPr lang="es-ES" dirty="0"/>
               <a:t>Usando </a:t>
             </a:r>
             <a:r>
-              <a:rPr lang="es-ES" i="1" dirty="0" smtClean="0"/>
+              <a:rPr lang="es-ES" i="1" dirty="0"/>
               <a:t>media </a:t>
             </a:r>
             <a:r>
-              <a:rPr lang="es-ES" i="1" dirty="0" err="1" smtClean="0"/>
+              <a:rPr lang="es-ES" i="1" dirty="0" err="1"/>
               <a:t>queries</a:t>
             </a:r>
             <a:r>
-              <a:rPr lang="es-ES" dirty="0" smtClean="0"/>
+              <a:rPr lang="es-ES" dirty="0"/>
               <a:t>: </a:t>
             </a:r>
             <a:r>
               <a:rPr lang="es-ES" dirty="0">
                 <a:hlinkClick r:id="rId5"/>
               </a:rPr>
-              <a:t>https://</a:t>
-            </a:r>
-            <a:r>
-              <a:rPr lang="es-ES" dirty="0" smtClean="0">
-                <a:hlinkClick r:id="rId5"/>
-              </a:rPr>
-              <a:t>developer.mozilla.org/en-US/docs/Web/CSS/Media_Queries/Using_media_queries</a:t>
-            </a:r>
-            <a:endParaRPr lang="es-ES" dirty="0" smtClean="0"/>
+              <a:t>https://developer.mozilla.org/en-US/docs/Web/CSS/Media_Queries/Using_media_queries</a:t>
+            </a:r>
+            <a:endParaRPr lang="es-ES" dirty="0"/>
           </a:p>
           <a:p>
             <a:pPr lvl="1"/>
             <a:r>
-              <a:rPr lang="es-ES" dirty="0" smtClean="0"/>
+              <a:rPr lang="es-ES" dirty="0"/>
               <a:t>Transiciones: </a:t>
             </a:r>
             <a:r>
               <a:rPr lang="es-ES" dirty="0">
                 <a:hlinkClick r:id="rId6"/>
               </a:rPr>
-              <a:t>https://</a:t>
-            </a:r>
-            <a:r>
-              <a:rPr lang="es-ES" dirty="0" smtClean="0">
-                <a:hlinkClick r:id="rId6"/>
-              </a:rPr>
-              <a:t>www.w3schools.com/css/css3_transitions.asp</a:t>
-            </a:r>
-            <a:endParaRPr lang="es-ES" dirty="0" smtClean="0"/>
+              <a:t>https://www.w3schools.com/css/css3_transitions.asp</a:t>
+            </a:r>
+            <a:endParaRPr lang="es-ES" dirty="0"/>
           </a:p>
           <a:p>
             <a:pPr lvl="1"/>
             <a:r>
-              <a:rPr lang="es-ES" dirty="0" smtClean="0"/>
+              <a:rPr lang="es-ES" dirty="0"/>
               <a:t>Animaciones: </a:t>
             </a:r>
             <a:r>
               <a:rPr lang="es-ES" dirty="0">
                 <a:hlinkClick r:id="rId7"/>
               </a:rPr>
-              <a:t>https://</a:t>
-            </a:r>
-            <a:r>
-              <a:rPr lang="es-ES" dirty="0" smtClean="0">
-                <a:hlinkClick r:id="rId7"/>
-              </a:rPr>
-              <a:t>www.w3schools.com/css/css3_animations.asp</a:t>
-            </a:r>
-            <a:endParaRPr lang="es-ES" dirty="0" smtClean="0"/>
+              <a:t>https://www.w3schools.com/css/css3_animations.asp</a:t>
+            </a:r>
+            <a:endParaRPr lang="es-ES" dirty="0"/>
           </a:p>
           <a:p>
             <a:pPr lvl="1"/>
             <a:r>
-              <a:rPr lang="es-ES" dirty="0" err="1" smtClean="0"/>
+              <a:rPr lang="es-ES" dirty="0" err="1"/>
               <a:t>Flexbox</a:t>
             </a:r>
             <a:r>
-              <a:rPr lang="es-ES" dirty="0" smtClean="0"/>
+              <a:rPr lang="es-ES" dirty="0"/>
               <a:t>: </a:t>
             </a:r>
             <a:r>
@@ -26431,13 +26168,6 @@
   <p:clrMapOvr>
     <a:masterClrMapping/>
   </p:clrMapOvr>
-  <p:timing>
-    <p:tnLst>
-      <p:par>
-        <p:cTn id="1" dur="indefinite" restart="never" nodeType="tmRoot"/>
-      </p:par>
-    </p:tnLst>
-  </p:timing>
 </p:sld>
 </file>
 
@@ -26474,18 +26204,9 @@
           <a:lstStyle/>
           <a:p>
             <a:r>
-              <a:rPr lang="es-ES" dirty="0" smtClean="0"/>
-              <a:t>CSS </a:t>
-            </a:r>
-            <a:r>
               <a:rPr lang="es-ES" dirty="0"/>
-              <a:t>– </a:t>
-            </a:r>
-            <a:r>
-              <a:rPr lang="es-ES" dirty="0" smtClean="0"/>
-              <a:t>Sintaxis</a:t>
-            </a:r>
-            <a:endParaRPr lang="es-ES" dirty="0"/>
+              <a:t>CSS – Sintaxis</a:t>
+            </a:r>
           </a:p>
         </p:txBody>
       </p:sp>
@@ -26512,15 +26233,15 @@
               </a:lnSpc>
             </a:pPr>
             <a:r>
-              <a:rPr lang="es-ES" dirty="0" smtClean="0"/>
+              <a:rPr lang="es-ES" dirty="0"/>
               <a:t>El </a:t>
             </a:r>
             <a:r>
-              <a:rPr lang="es-ES" b="1" dirty="0" smtClean="0"/>
+              <a:rPr lang="es-ES" b="1" dirty="0"/>
               <a:t>selector</a:t>
             </a:r>
             <a:r>
-              <a:rPr lang="es-ES" dirty="0" smtClean="0"/>
+              <a:rPr lang="es-ES" dirty="0"/>
               <a:t> especifica el elemento HTML al que se desea dar estilo</a:t>
             </a:r>
           </a:p>
@@ -26531,15 +26252,15 @@
               </a:lnSpc>
             </a:pPr>
             <a:r>
-              <a:rPr lang="es-ES" dirty="0" smtClean="0"/>
+              <a:rPr lang="es-ES" dirty="0"/>
               <a:t>El </a:t>
             </a:r>
             <a:r>
-              <a:rPr lang="es-ES" b="1" dirty="0" smtClean="0"/>
+              <a:rPr lang="es-ES" b="1" dirty="0"/>
               <a:t>bloque de declaración</a:t>
             </a:r>
             <a:r>
-              <a:rPr lang="es-ES" dirty="0" smtClean="0"/>
+              <a:rPr lang="es-ES" dirty="0"/>
               <a:t> contiene una o mas declaraciones, separadas por punto y coma</a:t>
             </a:r>
           </a:p>
@@ -26550,31 +26271,31 @@
               </a:lnSpc>
             </a:pPr>
             <a:r>
-              <a:rPr lang="es-ES" dirty="0" smtClean="0"/>
+              <a:rPr lang="es-ES" dirty="0"/>
               <a:t>Cada </a:t>
             </a:r>
             <a:r>
-              <a:rPr lang="es-ES" b="1" dirty="0" smtClean="0"/>
+              <a:rPr lang="es-ES" b="1" dirty="0"/>
               <a:t>declaración</a:t>
             </a:r>
             <a:r>
-              <a:rPr lang="es-ES" dirty="0" smtClean="0"/>
+              <a:rPr lang="es-ES" dirty="0"/>
               <a:t> incluye una </a:t>
             </a:r>
             <a:r>
-              <a:rPr lang="es-ES" b="1" dirty="0" smtClean="0"/>
+              <a:rPr lang="es-ES" b="1" dirty="0"/>
               <a:t>propiedad</a:t>
             </a:r>
             <a:r>
-              <a:rPr lang="es-ES" dirty="0" smtClean="0"/>
+              <a:rPr lang="es-ES" dirty="0"/>
               <a:t> y un </a:t>
             </a:r>
             <a:r>
-              <a:rPr lang="es-ES" b="1" dirty="0" smtClean="0"/>
+              <a:rPr lang="es-ES" b="1" dirty="0"/>
               <a:t>valor</a:t>
             </a:r>
             <a:r>
-              <a:rPr lang="es-ES" dirty="0" smtClean="0"/>
+              <a:rPr lang="es-ES" dirty="0"/>
               <a:t> CSS, separados por dos puntos</a:t>
             </a:r>
           </a:p>
@@ -26585,7 +26306,7 @@
               </a:lnSpc>
             </a:pPr>
             <a:r>
-              <a:rPr lang="es-ES" dirty="0" smtClean="0"/>
+              <a:rPr lang="es-ES" dirty="0"/>
               <a:t>Una declaración CSS siempre termina con punto y coma</a:t>
             </a:r>
           </a:p>
@@ -26596,16 +26317,15 @@
               </a:lnSpc>
             </a:pPr>
             <a:r>
-              <a:rPr lang="es-ES" dirty="0" smtClean="0"/>
+              <a:rPr lang="es-ES" dirty="0"/>
               <a:t>Los bloques de declaración comienzan y terminan con llaves</a:t>
             </a:r>
-            <a:endParaRPr lang="es-ES" dirty="0"/>
           </a:p>
         </p:txBody>
       </p:sp>
       <p:pic>
         <p:nvPicPr>
-          <p:cNvPr id="9" name="Picture 8" descr="Image result for sintaxis css"/>
+          <p:cNvPr id="9" name="Content Placeholder 8" descr="Image result for sintaxis css"/>
           <p:cNvPicPr>
             <a:picLocks noGrp="1" noChangeAspect="1" noChangeArrowheads="1"/>
           </p:cNvPicPr>
@@ -27131,90 +26851,90 @@
           <a:p>
             <a:pPr lvl="1"/>
             <a:r>
-              <a:rPr lang="es-ES" dirty="0" smtClean="0"/>
+              <a:rPr lang="es-ES" dirty="0"/>
               <a:t>Los selectores CSS se usan para “encontrar” (o seleccionar) los elementos HTML a los que se desea asignar estilos</a:t>
             </a:r>
           </a:p>
           <a:p>
             <a:pPr lvl="1"/>
             <a:r>
-              <a:rPr lang="es-ES" dirty="0" smtClean="0"/>
+              <a:rPr lang="es-ES" dirty="0"/>
               <a:t>Existen cinco categorías de selectores:</a:t>
             </a:r>
           </a:p>
           <a:p>
             <a:pPr lvl="2"/>
             <a:r>
-              <a:rPr lang="es-ES" sz="1600" b="1" dirty="0" smtClean="0"/>
+              <a:rPr lang="es-ES" sz="1600" b="1" dirty="0"/>
               <a:t>Selectores simples:</a:t>
             </a:r>
             <a:r>
-              <a:rPr lang="es-ES" sz="1600" dirty="0" smtClean="0"/>
+              <a:rPr lang="es-ES" sz="1600" dirty="0"/>
               <a:t> seleccionan elementos usando el atributo </a:t>
             </a:r>
             <a:r>
-              <a:rPr lang="es-ES" sz="1600" i="1" dirty="0" err="1" smtClean="0"/>
+              <a:rPr lang="es-ES" sz="1600" i="1" dirty="0" err="1"/>
               <a:t>name</a:t>
             </a:r>
             <a:r>
-              <a:rPr lang="es-ES" sz="1600" dirty="0" smtClean="0"/>
+              <a:rPr lang="es-ES" sz="1600" dirty="0"/>
               <a:t>, </a:t>
             </a:r>
             <a:r>
-              <a:rPr lang="es-ES" sz="1600" i="1" dirty="0" smtClean="0"/>
+              <a:rPr lang="es-ES" sz="1600" i="1" dirty="0"/>
               <a:t>id</a:t>
             </a:r>
             <a:r>
-              <a:rPr lang="es-ES" sz="1600" dirty="0" smtClean="0"/>
+              <a:rPr lang="es-ES" sz="1600" dirty="0"/>
               <a:t> o </a:t>
             </a:r>
             <a:r>
-              <a:rPr lang="es-ES" sz="1600" i="1" dirty="0" err="1" smtClean="0"/>
+              <a:rPr lang="es-ES" sz="1600" i="1" dirty="0" err="1"/>
               <a:t>class</a:t>
             </a:r>
-            <a:endParaRPr lang="es-ES" sz="1600" i="1" dirty="0" smtClean="0"/>
+            <a:endParaRPr lang="es-ES" sz="1600" i="1" dirty="0"/>
           </a:p>
           <a:p>
             <a:pPr marL="566928" lvl="3" indent="0" algn="ctr">
               <a:buNone/>
             </a:pPr>
             <a:r>
-              <a:rPr lang="es-ES" sz="1600" i="1" dirty="0" smtClean="0"/>
+              <a:rPr lang="es-ES" sz="1600" i="1" dirty="0"/>
               <a:t>#</a:t>
             </a:r>
             <a:r>
-              <a:rPr lang="es-ES" sz="1600" i="1" dirty="0" err="1" smtClean="0"/>
+              <a:rPr lang="es-ES" sz="1600" i="1" dirty="0" err="1"/>
               <a:t>idelemento</a:t>
             </a:r>
             <a:r>
-              <a:rPr lang="es-ES" sz="1600" i="1" dirty="0" smtClean="0"/>
+              <a:rPr lang="es-ES" sz="1600" i="1" dirty="0"/>
               <a:t> { color: </a:t>
             </a:r>
             <a:r>
-              <a:rPr lang="es-ES" sz="1600" i="1" dirty="0" err="1" smtClean="0"/>
+              <a:rPr lang="es-ES" sz="1600" i="1" dirty="0" err="1"/>
               <a:t>white</a:t>
             </a:r>
             <a:r>
-              <a:rPr lang="es-ES" sz="1600" i="1" dirty="0" smtClean="0"/>
+              <a:rPr lang="es-ES" sz="1600" i="1" dirty="0"/>
               <a:t>; }</a:t>
             </a:r>
           </a:p>
           <a:p>
             <a:pPr lvl="2"/>
             <a:r>
-              <a:rPr lang="es-ES" sz="1600" b="1" dirty="0" smtClean="0"/>
+              <a:rPr lang="es-ES" sz="1600" b="1" dirty="0"/>
               <a:t>Selectores </a:t>
             </a:r>
             <a:r>
-              <a:rPr lang="es-ES" sz="1600" b="1" dirty="0" err="1" smtClean="0"/>
+              <a:rPr lang="es-ES" sz="1600" b="1" dirty="0" err="1"/>
               <a:t>combinadores</a:t>
             </a:r>
             <a:r>
-              <a:rPr lang="es-ES" sz="1600" b="1" dirty="0" smtClean="0"/>
+              <a:rPr lang="es-ES" sz="1600" b="1" dirty="0"/>
               <a:t>: </a:t>
             </a:r>
             <a:r>
-              <a:rPr lang="es-ES" sz="1600" dirty="0" smtClean="0"/>
+              <a:rPr lang="es-ES" sz="1600" dirty="0"/>
               <a:t>seleccionan elementos basándose en las relaciones específicas entre ellos</a:t>
             </a:r>
           </a:p>
@@ -27224,45 +26944,41 @@
             </a:pPr>
             <a:r>
               <a:rPr lang="es-ES" sz="1600" i="1" dirty="0"/>
-              <a:t>d</a:t>
-            </a:r>
-            <a:r>
-              <a:rPr lang="es-ES" sz="1600" i="1" dirty="0" smtClean="0"/>
-              <a:t>iv p { </a:t>
-            </a:r>
-            <a:r>
-              <a:rPr lang="es-ES" sz="1600" i="1" dirty="0" err="1" smtClean="0"/>
+              <a:t>div p { </a:t>
+            </a:r>
+            <a:r>
+              <a:rPr lang="es-ES" sz="1600" i="1" dirty="0" err="1"/>
               <a:t>background</a:t>
             </a:r>
             <a:r>
-              <a:rPr lang="es-ES" sz="1600" i="1" dirty="0" smtClean="0"/>
+              <a:rPr lang="es-ES" sz="1600" i="1" dirty="0"/>
               <a:t>-color: </a:t>
             </a:r>
             <a:r>
-              <a:rPr lang="es-ES" sz="1600" i="1" dirty="0" err="1" smtClean="0"/>
+              <a:rPr lang="es-ES" sz="1600" i="1" dirty="0" err="1"/>
               <a:t>yellow</a:t>
             </a:r>
             <a:r>
-              <a:rPr lang="es-ES" sz="1600" i="1" dirty="0" smtClean="0"/>
+              <a:rPr lang="es-ES" sz="1600" i="1" dirty="0"/>
               <a:t>; } </a:t>
             </a:r>
           </a:p>
           <a:p>
             <a:pPr lvl="2"/>
             <a:r>
-              <a:rPr lang="es-ES" sz="1600" b="1" dirty="0" smtClean="0"/>
+              <a:rPr lang="es-ES" sz="1600" b="1" dirty="0"/>
               <a:t>Selectores de </a:t>
             </a:r>
             <a:r>
-              <a:rPr lang="es-ES" sz="1600" b="1" dirty="0" err="1" smtClean="0"/>
+              <a:rPr lang="es-ES" sz="1600" b="1" dirty="0" err="1"/>
               <a:t>pseudo</a:t>
             </a:r>
             <a:r>
-              <a:rPr lang="es-ES" sz="1600" b="1" dirty="0" smtClean="0"/>
+              <a:rPr lang="es-ES" sz="1600" b="1" dirty="0"/>
               <a:t>-clases: </a:t>
             </a:r>
             <a:r>
-              <a:rPr lang="es-ES" sz="1600" dirty="0" smtClean="0"/>
+              <a:rPr lang="es-ES" sz="1600" dirty="0"/>
               <a:t>seleccionan elementos basándose en ciertos estados</a:t>
             </a:r>
           </a:p>
@@ -27272,29 +26988,25 @@
             </a:pPr>
             <a:r>
               <a:rPr lang="es-ES" sz="1600" i="1" dirty="0"/>
-              <a:t>a</a:t>
-            </a:r>
-            <a:r>
-              <a:rPr lang="es-ES" sz="1600" i="1" dirty="0" smtClean="0"/>
-              <a:t>:hover { color: blue; }</a:t>
+              <a:t>a:hover { color: blue; }</a:t>
             </a:r>
           </a:p>
           <a:p>
             <a:pPr lvl="2"/>
             <a:r>
-              <a:rPr lang="es-ES" sz="1600" b="1" dirty="0" smtClean="0"/>
+              <a:rPr lang="es-ES" sz="1600" b="1" dirty="0"/>
               <a:t>Selectores de </a:t>
             </a:r>
             <a:r>
-              <a:rPr lang="es-ES" sz="1600" b="1" dirty="0" err="1" smtClean="0"/>
+              <a:rPr lang="es-ES" sz="1600" b="1" dirty="0" err="1"/>
               <a:t>pseudo</a:t>
             </a:r>
             <a:r>
-              <a:rPr lang="es-ES" sz="1600" b="1" dirty="0" smtClean="0"/>
+              <a:rPr lang="es-ES" sz="1600" b="1" dirty="0"/>
               <a:t>-elementos: </a:t>
             </a:r>
             <a:r>
-              <a:rPr lang="es-ES" sz="1600" dirty="0" smtClean="0"/>
+              <a:rPr lang="es-ES" sz="1600" dirty="0"/>
               <a:t>seleccionan y dan estilos a una parte de un elemento</a:t>
             </a:r>
           </a:p>
@@ -27304,29 +27016,25 @@
             </a:pPr>
             <a:r>
               <a:rPr lang="es-ES" sz="1600" i="1" dirty="0"/>
-              <a:t>p</a:t>
-            </a:r>
-            <a:r>
-              <a:rPr lang="es-ES" sz="1600" i="1" dirty="0" smtClean="0"/>
-              <a:t>::first-letter { </a:t>
-            </a:r>
-            <a:r>
-              <a:rPr lang="es-ES" sz="1600" i="1" dirty="0" err="1" smtClean="0"/>
+              <a:t>p::first-letter { </a:t>
+            </a:r>
+            <a:r>
+              <a:rPr lang="es-ES" sz="1600" i="1" dirty="0" err="1"/>
               <a:t>font-size</a:t>
             </a:r>
             <a:r>
-              <a:rPr lang="es-ES" sz="1600" i="1" dirty="0" smtClean="0"/>
+              <a:rPr lang="es-ES" sz="1600" i="1" dirty="0"/>
               <a:t>: 50px; }</a:t>
             </a:r>
           </a:p>
           <a:p>
             <a:pPr lvl="2"/>
             <a:r>
-              <a:rPr lang="es-ES" sz="1600" b="1" dirty="0" smtClean="0"/>
+              <a:rPr lang="es-ES" sz="1600" b="1" dirty="0"/>
               <a:t>Selectores de atributos: </a:t>
             </a:r>
             <a:r>
-              <a:rPr lang="es-ES" sz="1600" dirty="0" smtClean="0"/>
+              <a:rPr lang="es-ES" sz="1600" dirty="0"/>
               <a:t>seleccionan elementos basándose en un atributo o en el valor de un atributo</a:t>
             </a:r>
           </a:p>
@@ -27348,18 +27056,9 @@
           <a:lstStyle/>
           <a:p>
             <a:r>
-              <a:rPr lang="es-ES" dirty="0" smtClean="0"/>
-              <a:t>CSS </a:t>
-            </a:r>
-            <a:r>
               <a:rPr lang="es-ES" dirty="0"/>
-              <a:t>– </a:t>
-            </a:r>
-            <a:r>
-              <a:rPr lang="es-ES" dirty="0" smtClean="0"/>
-              <a:t>Selectores	</a:t>
-            </a:r>
-            <a:endParaRPr lang="es-ES" dirty="0"/>
+              <a:t>CSS – Selectores	</a:t>
+            </a:r>
           </a:p>
         </p:txBody>
       </p:sp>
@@ -27427,23 +27126,23 @@
                         <a:defRPr/>
                       </a:pPr>
                       <a:r>
-                        <a:rPr lang="es-ES" sz="1600" b="0" i="1" dirty="0" smtClean="0"/>
+                        <a:rPr lang="es-ES" sz="1600" b="0" i="1" dirty="0"/>
                         <a:t>a[target] { </a:t>
                       </a:r>
                       <a:r>
-                        <a:rPr lang="es-ES" sz="1600" b="0" i="1" dirty="0" err="1" smtClean="0"/>
+                        <a:rPr lang="es-ES" sz="1600" b="0" i="1" dirty="0" err="1"/>
                         <a:t>background</a:t>
                       </a:r>
                       <a:r>
-                        <a:rPr lang="es-ES" sz="1600" b="0" i="1" dirty="0" smtClean="0"/>
+                        <a:rPr lang="es-ES" sz="1600" b="0" i="1" dirty="0"/>
                         <a:t>-color: </a:t>
                       </a:r>
                       <a:r>
-                        <a:rPr lang="es-ES" sz="1600" b="0" i="1" dirty="0" err="1" smtClean="0"/>
+                        <a:rPr lang="es-ES" sz="1600" b="0" i="1" dirty="0" err="1"/>
                         <a:t>yellow</a:t>
                       </a:r>
                       <a:r>
-                        <a:rPr lang="es-ES" sz="1600" b="0" i="1" dirty="0" smtClean="0"/>
+                        <a:rPr lang="es-ES" sz="1600" b="0" i="1" dirty="0"/>
                         <a:t>; }	</a:t>
                       </a:r>
                       <a:endParaRPr lang="es-ES" sz="1600" b="0" dirty="0"/>
@@ -27474,31 +27173,31 @@
                         <a:defRPr/>
                       </a:pPr>
                       <a:r>
-                        <a:rPr lang="es-ES" sz="1600" b="0" i="1" dirty="0" smtClean="0"/>
+                        <a:rPr lang="es-ES" sz="1600" b="0" i="1" dirty="0"/>
                         <a:t>a[target=“_</a:t>
                       </a:r>
                       <a:r>
-                        <a:rPr lang="es-ES" sz="1600" b="0" i="1" dirty="0" err="1" smtClean="0"/>
+                        <a:rPr lang="es-ES" sz="1600" b="0" i="1" dirty="0" err="1"/>
                         <a:t>blank</a:t>
                       </a:r>
                       <a:r>
-                        <a:rPr lang="es-ES" sz="1600" b="0" i="1" dirty="0" smtClean="0"/>
+                        <a:rPr lang="es-ES" sz="1600" b="0" i="1" dirty="0"/>
                         <a:t>”] { </a:t>
                       </a:r>
                       <a:r>
-                        <a:rPr lang="es-ES" sz="1600" b="0" i="1" dirty="0" err="1" smtClean="0"/>
+                        <a:rPr lang="es-ES" sz="1600" b="0" i="1" dirty="0" err="1"/>
                         <a:t>background</a:t>
                       </a:r>
                       <a:r>
-                        <a:rPr lang="es-ES" sz="1600" b="0" i="1" dirty="0" smtClean="0"/>
+                        <a:rPr lang="es-ES" sz="1600" b="0" i="1" dirty="0"/>
                         <a:t>-color: </a:t>
                       </a:r>
                       <a:r>
-                        <a:rPr lang="es-ES" sz="1600" b="0" i="1" dirty="0" err="1" smtClean="0"/>
+                        <a:rPr lang="es-ES" sz="1600" b="0" i="1" dirty="0" err="1"/>
                         <a:t>yellow</a:t>
                       </a:r>
                       <a:r>
-                        <a:rPr lang="es-ES" sz="1600" b="0" i="1" dirty="0" smtClean="0"/>
+                        <a:rPr lang="es-ES" sz="1600" b="0" i="1" dirty="0"/>
                         <a:t>; }</a:t>
                       </a:r>
                     </a:p>
@@ -28164,10 +27863,9 @@
           <a:lstStyle/>
           <a:p>
             <a:r>
-              <a:rPr lang="es-ES" dirty="0" smtClean="0"/>
+              <a:rPr lang="es-ES" dirty="0"/>
               <a:t>CSS – Selectores simples</a:t>
             </a:r>
-            <a:endParaRPr lang="es-ES" dirty="0"/>
           </a:p>
         </p:txBody>
       </p:sp>
@@ -28226,10 +27924,9 @@
                     <a:lstStyle/>
                     <a:p>
                       <a:r>
-                        <a:rPr lang="es-ES" sz="2000" dirty="0" smtClean="0"/>
+                        <a:rPr lang="es-ES" sz="2000" dirty="0"/>
                         <a:t>Selector</a:t>
                       </a:r>
-                      <a:endParaRPr lang="es-ES" sz="2000" dirty="0"/>
                     </a:p>
                   </a:txBody>
                   <a:tcPr/>
@@ -28240,10 +27937,9 @@
                     <a:lstStyle/>
                     <a:p>
                       <a:r>
-                        <a:rPr lang="es-ES" sz="2000" dirty="0" smtClean="0"/>
+                        <a:rPr lang="es-ES" sz="2000" dirty="0"/>
                         <a:t>Ejemplo</a:t>
                       </a:r>
-                      <a:endParaRPr lang="es-ES" sz="2000" dirty="0"/>
                     </a:p>
                   </a:txBody>
                   <a:tcPr/>
@@ -28254,10 +27950,9 @@
                     <a:lstStyle/>
                     <a:p>
                       <a:r>
-                        <a:rPr lang="es-ES" sz="2000" dirty="0" smtClean="0"/>
+                        <a:rPr lang="es-ES" sz="2000" dirty="0"/>
                         <a:t>Descripción de ejemplo</a:t>
                       </a:r>
-                      <a:endParaRPr lang="es-ES" sz="2000" dirty="0"/>
                     </a:p>
                   </a:txBody>
                   <a:tcPr/>
@@ -28275,11 +27970,11 @@
                     <a:lstStyle/>
                     <a:p>
                       <a:r>
-                        <a:rPr lang="es-ES" sz="2000" i="1" dirty="0" smtClean="0"/>
+                        <a:rPr lang="es-ES" sz="2000" i="1" dirty="0"/>
                         <a:t>.</a:t>
                       </a:r>
                       <a:r>
-                        <a:rPr lang="es-ES" sz="2000" i="1" dirty="0" err="1" smtClean="0"/>
+                        <a:rPr lang="es-ES" sz="2000" i="1" dirty="0" err="1"/>
                         <a:t>class</a:t>
                       </a:r>
                       <a:endParaRPr lang="es-ES" sz="2000" i="1" dirty="0"/>
@@ -28293,10 +27988,9 @@
                     <a:lstStyle/>
                     <a:p>
                       <a:r>
-                        <a:rPr lang="es-ES" sz="2000" dirty="0" smtClean="0"/>
+                        <a:rPr lang="es-ES" sz="2000" dirty="0"/>
                         <a:t>.error</a:t>
                       </a:r>
-                      <a:endParaRPr lang="es-ES" sz="2000" dirty="0"/>
                     </a:p>
                   </a:txBody>
                   <a:tcPr/>
@@ -28307,38 +28001,38 @@
                     <a:lstStyle/>
                     <a:p>
                       <a:r>
-                        <a:rPr lang="es-ES" sz="2000" dirty="0" smtClean="0"/>
+                        <a:rPr lang="es-ES" sz="2000" dirty="0"/>
                         <a:t>Selecciona </a:t>
                       </a:r>
                       <a:r>
-                        <a:rPr lang="es-ES" sz="2000" b="1" dirty="0" smtClean="0"/>
+                        <a:rPr lang="es-ES" sz="2000" b="1" dirty="0"/>
                         <a:t>todos los elementos </a:t>
                       </a:r>
                       <a:r>
-                        <a:rPr lang="es-ES" sz="2000" dirty="0" smtClean="0"/>
+                        <a:rPr lang="es-ES" sz="2000" dirty="0"/>
                         <a:t>con la clase</a:t>
                       </a:r>
                       <a:r>
-                        <a:rPr lang="es-ES" sz="2000" baseline="0" dirty="0" smtClean="0"/>
+                        <a:rPr lang="es-ES" sz="2000" baseline="0" dirty="0"/>
                         <a:t> </a:t>
                       </a:r>
                       <a:r>
-                        <a:rPr lang="es-ES" sz="2000" i="1" baseline="0" dirty="0" smtClean="0"/>
+                        <a:rPr lang="es-ES" sz="2000" i="1" baseline="0" dirty="0"/>
                         <a:t>error</a:t>
                       </a:r>
                     </a:p>
                     <a:p>
                       <a:pPr algn="ctr"/>
                       <a:r>
-                        <a:rPr lang="es-ES" sz="2000" i="1" baseline="0" dirty="0" smtClean="0"/>
+                        <a:rPr lang="es-ES" sz="2000" i="1" baseline="0" dirty="0"/>
                         <a:t>&lt;p </a:t>
                       </a:r>
                       <a:r>
-                        <a:rPr lang="es-ES" sz="2000" i="1" baseline="0" dirty="0" err="1" smtClean="0"/>
+                        <a:rPr lang="es-ES" sz="2000" i="1" baseline="0" dirty="0" err="1"/>
                         <a:t>class</a:t>
                       </a:r>
                       <a:r>
-                        <a:rPr lang="es-ES" sz="2000" i="1" baseline="0" dirty="0" smtClean="0"/>
+                        <a:rPr lang="es-ES" sz="2000" i="1" baseline="0" dirty="0"/>
                         <a:t>=“error”&gt;…&lt;/p&gt;</a:t>
                       </a:r>
                       <a:endParaRPr lang="es-ES" sz="2000" i="1" dirty="0"/>
@@ -28359,10 +28053,9 @@
                     <a:lstStyle/>
                     <a:p>
                       <a:r>
-                        <a:rPr lang="es-ES" sz="2000" i="1" dirty="0" smtClean="0"/>
+                        <a:rPr lang="es-ES" sz="2000" i="1" dirty="0"/>
                         <a:t>#id</a:t>
                       </a:r>
-                      <a:endParaRPr lang="es-ES" sz="2000" i="1" dirty="0"/>
                     </a:p>
                   </a:txBody>
                   <a:tcPr/>
@@ -28373,10 +28066,9 @@
                     <a:lstStyle/>
                     <a:p>
                       <a:r>
-                        <a:rPr lang="es-ES" sz="2000" dirty="0" smtClean="0"/>
+                        <a:rPr lang="es-ES" sz="2000" dirty="0"/>
                         <a:t>#respuesta</a:t>
                       </a:r>
-                      <a:endParaRPr lang="es-ES" sz="2000" dirty="0"/>
                     </a:p>
                   </a:txBody>
                   <a:tcPr/>
@@ -28387,29 +28079,28 @@
                     <a:lstStyle/>
                     <a:p>
                       <a:r>
-                        <a:rPr lang="es-ES" sz="2000" dirty="0" smtClean="0"/>
+                        <a:rPr lang="es-ES" sz="2000" dirty="0"/>
                         <a:t>Selecciona </a:t>
                       </a:r>
                       <a:r>
-                        <a:rPr lang="es-ES" sz="2000" b="1" dirty="0" smtClean="0"/>
+                        <a:rPr lang="es-ES" sz="2000" b="1" dirty="0"/>
                         <a:t>el elemento </a:t>
                       </a:r>
                       <a:r>
-                        <a:rPr lang="es-ES" sz="2000" dirty="0" smtClean="0"/>
+                        <a:rPr lang="es-ES" sz="2000" dirty="0"/>
                         <a:t>con identificador </a:t>
                       </a:r>
                       <a:r>
-                        <a:rPr lang="es-ES" sz="2000" i="1" dirty="0" smtClean="0"/>
+                        <a:rPr lang="es-ES" sz="2000" i="1" dirty="0"/>
                         <a:t>respuesta</a:t>
                       </a:r>
                     </a:p>
                     <a:p>
                       <a:pPr algn="ctr"/>
                       <a:r>
-                        <a:rPr lang="es-ES" sz="2000" i="1" dirty="0" smtClean="0"/>
+                        <a:rPr lang="es-ES" sz="2000" i="1" dirty="0"/>
                         <a:t>&lt;div id=“respuesta”&gt;…&lt;/div&gt;</a:t>
                       </a:r>
-                      <a:endParaRPr lang="es-ES" sz="2000" i="1" dirty="0"/>
                     </a:p>
                   </a:txBody>
                   <a:tcPr/>
@@ -28427,10 +28118,9 @@
                     <a:lstStyle/>
                     <a:p>
                       <a:r>
-                        <a:rPr lang="es-ES" sz="2000" i="1" dirty="0" smtClean="0"/>
+                        <a:rPr lang="es-ES" sz="2000" i="1" dirty="0"/>
                         <a:t>*</a:t>
                       </a:r>
-                      <a:endParaRPr lang="es-ES" sz="2000" i="1" dirty="0"/>
                     </a:p>
                   </a:txBody>
                   <a:tcPr/>
@@ -28441,10 +28131,9 @@
                     <a:lstStyle/>
                     <a:p>
                       <a:r>
-                        <a:rPr lang="es-ES" sz="2000" dirty="0" smtClean="0"/>
+                        <a:rPr lang="es-ES" sz="2000" dirty="0"/>
                         <a:t>*</a:t>
                       </a:r>
-                      <a:endParaRPr lang="es-ES" sz="2000" dirty="0"/>
                     </a:p>
                   </a:txBody>
                   <a:tcPr/>
@@ -28455,10 +28144,9 @@
                     <a:lstStyle/>
                     <a:p>
                       <a:r>
-                        <a:rPr lang="es-ES" sz="2000" dirty="0" smtClean="0"/>
+                        <a:rPr lang="es-ES" sz="2000" dirty="0"/>
                         <a:t>Selecciona todos los elementos</a:t>
                       </a:r>
-                      <a:endParaRPr lang="es-ES" sz="2000" dirty="0"/>
                     </a:p>
                   </a:txBody>
                   <a:tcPr/>
@@ -28476,10 +28164,9 @@
                     <a:lstStyle/>
                     <a:p>
                       <a:r>
-                        <a:rPr lang="es-ES" sz="2000" i="1" dirty="0" smtClean="0"/>
+                        <a:rPr lang="es-ES" sz="2000" i="1" dirty="0"/>
                         <a:t>elemento</a:t>
                       </a:r>
-                      <a:endParaRPr lang="es-ES" sz="2000" i="1" dirty="0"/>
                     </a:p>
                   </a:txBody>
                   <a:tcPr/>
@@ -28490,10 +28177,9 @@
                     <a:lstStyle/>
                     <a:p>
                       <a:r>
-                        <a:rPr lang="es-ES" sz="2000" dirty="0" smtClean="0"/>
+                        <a:rPr lang="es-ES" sz="2000" dirty="0"/>
                         <a:t>p</a:t>
                       </a:r>
-                      <a:endParaRPr lang="es-ES" sz="2000" dirty="0"/>
                     </a:p>
                   </a:txBody>
                   <a:tcPr/>
@@ -28504,14 +28190,13 @@
                     <a:lstStyle/>
                     <a:p>
                       <a:r>
-                        <a:rPr lang="es-ES" sz="2000" dirty="0" smtClean="0"/>
+                        <a:rPr lang="es-ES" sz="2000" dirty="0"/>
                         <a:t>Selecciona todos los elementos </a:t>
                       </a:r>
                       <a:r>
-                        <a:rPr lang="es-ES" sz="2000" i="1" dirty="0" smtClean="0"/>
+                        <a:rPr lang="es-ES" sz="2000" i="1" dirty="0"/>
                         <a:t>&lt;p&gt;</a:t>
                       </a:r>
-                      <a:endParaRPr lang="es-ES" sz="2000" i="1" dirty="0"/>
                     </a:p>
                   </a:txBody>
                   <a:tcPr/>
@@ -28529,10 +28214,9 @@
                     <a:lstStyle/>
                     <a:p>
                       <a:r>
-                        <a:rPr lang="es-ES" sz="2000" i="1" dirty="0" smtClean="0"/>
+                        <a:rPr lang="es-ES" sz="2000" i="1" dirty="0"/>
                         <a:t>elemento, elemento,..</a:t>
                       </a:r>
-                      <a:endParaRPr lang="es-ES" sz="2000" i="1" dirty="0"/>
                     </a:p>
                   </a:txBody>
                   <a:tcPr/>
@@ -28543,10 +28227,9 @@
                     <a:lstStyle/>
                     <a:p>
                       <a:r>
-                        <a:rPr lang="es-ES" sz="2000" dirty="0" smtClean="0"/>
+                        <a:rPr lang="es-ES" sz="2000" dirty="0"/>
                         <a:t>div, p</a:t>
                       </a:r>
-                      <a:endParaRPr lang="es-ES" sz="2000" dirty="0"/>
                     </a:p>
                   </a:txBody>
                   <a:tcPr/>
@@ -28557,22 +28240,21 @@
                     <a:lstStyle/>
                     <a:p>
                       <a:r>
-                        <a:rPr lang="es-ES" sz="2000" dirty="0" smtClean="0"/>
+                        <a:rPr lang="es-ES" sz="2000" dirty="0"/>
                         <a:t>Selecciona todos los elementos </a:t>
                       </a:r>
                       <a:r>
-                        <a:rPr lang="es-ES" sz="2000" i="1" dirty="0" smtClean="0"/>
+                        <a:rPr lang="es-ES" sz="2000" i="1" dirty="0"/>
                         <a:t>&lt;div&gt; </a:t>
                       </a:r>
                       <a:r>
-                        <a:rPr lang="es-ES" sz="2000" dirty="0" smtClean="0"/>
+                        <a:rPr lang="es-ES" sz="2000" dirty="0"/>
                         <a:t>y todos los elementos </a:t>
                       </a:r>
                       <a:r>
-                        <a:rPr lang="es-ES" sz="2000" i="1" dirty="0" smtClean="0"/>
+                        <a:rPr lang="es-ES" sz="2000" i="1" dirty="0"/>
                         <a:t>&lt;p&gt;</a:t>
                       </a:r>
-                      <a:endParaRPr lang="es-ES" sz="2000" i="1" dirty="0"/>
                     </a:p>
                   </a:txBody>
                   <a:tcPr/>
@@ -28597,13 +28279,6 @@
   <p:clrMapOvr>
     <a:masterClrMapping/>
   </p:clrMapOvr>
-  <p:timing>
-    <p:tnLst>
-      <p:par>
-        <p:cTn id="1" dur="indefinite" restart="never" nodeType="tmRoot"/>
-      </p:par>
-    </p:tnLst>
-  </p:timing>
 </p:sld>
 </file>
 
@@ -28646,12 +28321,8 @@
               <a:buNone/>
             </a:pPr>
             <a:r>
-              <a:rPr lang="es-ES" sz="2000" dirty="0" smtClean="0"/>
-              <a:t>Se </a:t>
-            </a:r>
-            <a:r>
               <a:rPr lang="es-ES" sz="2000" dirty="0"/>
-              <a:t>puede agregar CSS al documento HTML de tres maneras diferentes:</a:t>
+              <a:t>Se puede agregar CSS al documento HTML de tres maneras diferentes:</a:t>
             </a:r>
           </a:p>
           <a:p>
@@ -28678,11 +28349,7 @@
             </a:r>
             <a:r>
               <a:rPr lang="es-ES" dirty="0"/>
-              <a:t>en los elementos </a:t>
-            </a:r>
-            <a:r>
-              <a:rPr lang="es-ES" dirty="0" smtClean="0"/>
-              <a:t>HTML</a:t>
+              <a:t>en los elementos HTML</a:t>
             </a:r>
           </a:p>
           <a:p>
@@ -28707,7 +28374,7 @@
                 <a:spcPct val="150000"/>
               </a:lnSpc>
             </a:pPr>
-            <a:endParaRPr lang="es-ES" b="1" dirty="0" smtClean="0"/>
+            <a:endParaRPr lang="es-ES" b="1" dirty="0"/>
           </a:p>
           <a:p>
             <a:pPr lvl="1">
@@ -28716,11 +28383,11 @@
               </a:lnSpc>
             </a:pPr>
             <a:r>
-              <a:rPr lang="es-ES" b="1" dirty="0" err="1" smtClean="0"/>
+              <a:rPr lang="es-ES" b="1" dirty="0" err="1"/>
               <a:t>Internal</a:t>
             </a:r>
             <a:r>
-              <a:rPr lang="es-ES" b="1" dirty="0" smtClean="0"/>
+              <a:rPr lang="es-ES" b="1" dirty="0"/>
               <a:t> </a:t>
             </a:r>
             <a:r>
@@ -28764,13 +28431,8 @@
             </a:r>
             <a:r>
               <a:rPr lang="es-ES" dirty="0"/>
-              <a:t>(externamente): usando un fichero CSS </a:t>
-            </a:r>
-            <a:r>
-              <a:rPr lang="es-ES" dirty="0" smtClean="0"/>
-              <a:t>externo</a:t>
-            </a:r>
-            <a:endParaRPr lang="es-ES" dirty="0"/>
+              <a:t>(externamente): usando un fichero CSS externo</a:t>
+            </a:r>
           </a:p>
         </p:txBody>
       </p:sp>
@@ -28790,10 +28452,9 @@
           <a:lstStyle/>
           <a:p>
             <a:r>
-              <a:rPr lang="es-ES" dirty="0" smtClean="0"/>
+              <a:rPr lang="es-ES" dirty="0"/>
               <a:t>CSS – Cómo agregar CSS</a:t>
             </a:r>
-            <a:endParaRPr lang="es-ES" dirty="0"/>
           </a:p>
         </p:txBody>
       </p:sp>
@@ -29308,18 +28969,9 @@
           <a:lstStyle/>
           <a:p>
             <a:r>
-              <a:rPr lang="es-ES" dirty="0" smtClean="0"/>
-              <a:t>CSS – </a:t>
-            </a:r>
-            <a:r>
               <a:rPr lang="es-ES" dirty="0"/>
-              <a:t>Cómo agregar CSS </a:t>
-            </a:r>
-            <a:r>
-              <a:rPr lang="es-ES" dirty="0" smtClean="0"/>
-              <a:t>(internamente)</a:t>
-            </a:r>
-            <a:endParaRPr lang="es-ES" dirty="0"/>
+              <a:t>CSS – Cómo agregar CSS (internamente)</a:t>
+            </a:r>
           </a:p>
         </p:txBody>
       </p:sp>
@@ -29356,7 +29008,7 @@
               <a:rPr lang="es-ES" i="1" dirty="0"/>
             </a:br>
             <a:r>
-              <a:rPr lang="es-ES" i="1" dirty="0" smtClean="0"/>
+              <a:rPr lang="es-ES" i="1" dirty="0"/>
               <a:t>  &lt;</a:t>
             </a:r>
             <a:r>
@@ -29371,18 +29023,14 @@
               <a:rPr lang="es-ES" i="1" dirty="0"/>
             </a:br>
             <a:r>
-              <a:rPr lang="es-ES" i="1" dirty="0" smtClean="0"/>
-              <a:t>    &lt;</a:t>
-            </a:r>
-            <a:r>
               <a:rPr lang="es-ES" i="1" dirty="0"/>
-              <a:t>head&gt;</a:t>
+              <a:t>    &lt;head&gt;</a:t>
             </a:r>
             <a:br>
               <a:rPr lang="es-ES" i="1" dirty="0"/>
             </a:br>
             <a:r>
-              <a:rPr lang="es-ES" i="1" dirty="0" smtClean="0"/>
+              <a:rPr lang="es-ES" i="1" dirty="0"/>
               <a:t>      &lt;</a:t>
             </a:r>
             <a:r>
@@ -29397,11 +29045,11 @@
               <a:rPr lang="es-ES" i="1" dirty="0"/>
             </a:br>
             <a:r>
-              <a:rPr lang="es-ES" i="1" dirty="0" smtClean="0"/>
+              <a:rPr lang="es-ES" i="1" dirty="0"/>
               <a:t>        </a:t>
             </a:r>
             <a:r>
-              <a:rPr lang="es-ES" i="1" dirty="0" err="1" smtClean="0"/>
+              <a:rPr lang="es-ES" i="1" dirty="0" err="1"/>
               <a:t>body</a:t>
             </a:r>
             <a:r>
@@ -29428,37 +29076,21 @@
               <a:rPr lang="es-ES" i="1" dirty="0"/>
             </a:br>
             <a:r>
-              <a:rPr lang="es-ES" i="1" dirty="0" smtClean="0"/>
-              <a:t>        h1  {color</a:t>
-            </a:r>
-            <a:r>
               <a:rPr lang="es-ES" i="1" dirty="0"/>
-              <a:t>: blue;}</a:t>
+              <a:t>        h1  {color: blue;}</a:t>
             </a:r>
             <a:br>
               <a:rPr lang="es-ES" i="1" dirty="0"/>
             </a:br>
             <a:r>
-              <a:rPr lang="es-ES" i="1" dirty="0" smtClean="0"/>
-              <a:t>        p</a:t>
-            </a:r>
-            <a:r>
               <a:rPr lang="es-ES" i="1" dirty="0"/>
-              <a:t> </a:t>
-            </a:r>
-            <a:r>
-              <a:rPr lang="es-ES" i="1" dirty="0" smtClean="0"/>
-              <a:t> {color</a:t>
-            </a:r>
-            <a:r>
-              <a:rPr lang="es-ES" i="1" dirty="0"/>
-              <a:t>: red;}</a:t>
+              <a:t>        p  {color: red;}</a:t>
             </a:r>
             <a:br>
               <a:rPr lang="es-ES" i="1" dirty="0"/>
             </a:br>
             <a:r>
-              <a:rPr lang="es-ES" i="1" dirty="0" smtClean="0"/>
+              <a:rPr lang="es-ES" i="1" dirty="0"/>
               <a:t>      &lt;/</a:t>
             </a:r>
             <a:r>
@@ -29473,18 +29105,14 @@
               <a:rPr lang="es-ES" i="1" dirty="0"/>
             </a:br>
             <a:r>
-              <a:rPr lang="es-ES" i="1" dirty="0" smtClean="0"/>
-              <a:t>    &lt;/</a:t>
-            </a:r>
-            <a:r>
               <a:rPr lang="es-ES" i="1" dirty="0"/>
-              <a:t>head&gt;</a:t>
+              <a:t>    &lt;/head&gt;</a:t>
             </a:r>
             <a:br>
               <a:rPr lang="es-ES" i="1" dirty="0"/>
             </a:br>
             <a:r>
-              <a:rPr lang="es-ES" i="1" dirty="0" smtClean="0"/>
+              <a:rPr lang="es-ES" i="1" dirty="0"/>
               <a:t>    &lt;</a:t>
             </a:r>
             <a:r>
@@ -29492,54 +29120,34 @@
               <a:t>body</a:t>
             </a:r>
             <a:r>
-              <a:rPr lang="es-ES" i="1" dirty="0" smtClean="0"/>
+              <a:rPr lang="es-ES" i="1" dirty="0"/>
               <a:t>&gt;</a:t>
-            </a:r>
-            <a:r>
-              <a:rPr lang="es-ES" i="1" dirty="0"/>
-              <a:t/>
             </a:r>
             <a:br>
               <a:rPr lang="es-ES" i="1" dirty="0"/>
             </a:br>
-            <a:r>
-              <a:rPr lang="es-ES" i="1" dirty="0"/>
-              <a:t/>
-            </a:r>
             <a:br>
               <a:rPr lang="es-ES" i="1" dirty="0"/>
             </a:br>
             <a:r>
-              <a:rPr lang="es-ES" i="1" dirty="0" smtClean="0"/>
-              <a:t>      &lt;h1&gt;Encabezado&lt;/</a:t>
-            </a:r>
-            <a:r>
               <a:rPr lang="es-ES" i="1" dirty="0"/>
-              <a:t>h1&gt;</a:t>
+              <a:t>      &lt;h1&gt;Encabezado&lt;/h1&gt;</a:t>
             </a:r>
             <a:br>
               <a:rPr lang="es-ES" i="1" dirty="0"/>
             </a:br>
             <a:r>
-              <a:rPr lang="es-ES" i="1" dirty="0" smtClean="0"/>
-              <a:t>      &lt;p&gt;Esto es un párrafo.&lt;/</a:t>
-            </a:r>
-            <a:r>
               <a:rPr lang="es-ES" i="1" dirty="0"/>
-              <a:t>p&gt;</a:t>
+              <a:t>      &lt;p&gt;Esto es un párrafo.&lt;/p&gt;</a:t>
             </a:r>
             <a:br>
               <a:rPr lang="es-ES" i="1" dirty="0"/>
             </a:br>
-            <a:r>
-              <a:rPr lang="es-ES" i="1" dirty="0"/>
-              <a:t/>
-            </a:r>
             <a:br>
               <a:rPr lang="es-ES" i="1" dirty="0"/>
             </a:br>
             <a:r>
-              <a:rPr lang="es-ES" i="1" dirty="0" smtClean="0"/>
+              <a:rPr lang="es-ES" i="1" dirty="0"/>
               <a:t>    &lt;/</a:t>
             </a:r>
             <a:r>
@@ -29554,7 +29162,7 @@
               <a:rPr lang="es-ES" i="1" dirty="0"/>
             </a:br>
             <a:r>
-              <a:rPr lang="es-ES" i="1" dirty="0" smtClean="0"/>
+              <a:rPr lang="es-ES" i="1" dirty="0"/>
               <a:t>  &lt;/</a:t>
             </a:r>
             <a:r>
@@ -29723,18 +29331,9 @@
           <a:lstStyle/>
           <a:p>
             <a:r>
-              <a:rPr lang="es-ES" dirty="0" smtClean="0"/>
-              <a:t>CSS </a:t>
-            </a:r>
-            <a:r>
               <a:rPr lang="es-ES" dirty="0"/>
-              <a:t>– Cómo agregar CSS </a:t>
-            </a:r>
-            <a:r>
-              <a:rPr lang="es-ES" dirty="0" smtClean="0"/>
-              <a:t>(externamente)</a:t>
-            </a:r>
-            <a:endParaRPr lang="es-ES" dirty="0"/>
+              <a:t>CSS – Cómo agregar CSS (externamente)</a:t>
+            </a:r>
           </a:p>
         </p:txBody>
       </p:sp>
@@ -29756,7 +29355,7 @@
           <a:lstStyle/>
           <a:p>
             <a:r>
-              <a:rPr lang="es-ES" i="1" dirty="0" smtClean="0"/>
+              <a:rPr lang="es-ES" i="1" dirty="0"/>
               <a:t>styles.css:</a:t>
             </a:r>
           </a:p>
@@ -29874,7 +29473,7 @@
               <a:rPr lang="es-ES" i="1" dirty="0"/>
             </a:br>
             <a:r>
-              <a:rPr lang="es-ES" i="1" dirty="0" smtClean="0"/>
+              <a:rPr lang="es-ES" i="1" dirty="0"/>
               <a:t>  &lt;</a:t>
             </a:r>
             <a:r>
@@ -29889,12 +29488,8 @@
               <a:rPr lang="es-ES" i="1" dirty="0"/>
             </a:br>
             <a:r>
-              <a:rPr lang="es-ES" i="1" dirty="0" smtClean="0"/>
-              <a:t>    &lt;</a:t>
-            </a:r>
-            <a:r>
               <a:rPr lang="es-ES" i="1" dirty="0"/>
-              <a:t>head&gt;</a:t>
+              <a:t>    &lt;head&gt;</a:t>
             </a:r>
             <a:br>
               <a:rPr lang="es-ES" i="1" dirty="0"/>
@@ -29931,18 +29526,14 @@
               <a:rPr lang="es-ES" i="1" dirty="0"/>
             </a:br>
             <a:r>
-              <a:rPr lang="es-ES" i="1" dirty="0" smtClean="0"/>
-              <a:t>    &lt;/</a:t>
-            </a:r>
-            <a:r>
               <a:rPr lang="es-ES" i="1" dirty="0"/>
-              <a:t>head&gt;</a:t>
+              <a:t>    &lt;/head&gt;</a:t>
             </a:r>
             <a:br>
               <a:rPr lang="es-ES" i="1" dirty="0"/>
             </a:br>
             <a:r>
-              <a:rPr lang="es-ES" i="1" dirty="0" smtClean="0"/>
+              <a:rPr lang="es-ES" i="1" dirty="0"/>
               <a:t>    &lt;</a:t>
             </a:r>
             <a:r>
@@ -29956,44 +29547,28 @@
             <a:br>
               <a:rPr lang="es-ES" i="1" dirty="0"/>
             </a:br>
-            <a:r>
-              <a:rPr lang="es-ES" i="1" dirty="0"/>
-              <a:t/>
-            </a:r>
             <a:br>
               <a:rPr lang="es-ES" i="1" dirty="0"/>
             </a:br>
             <a:r>
-              <a:rPr lang="es-ES" i="1" dirty="0" smtClean="0"/>
-              <a:t>      &lt;h1&gt;Encabezado&lt;/</a:t>
-            </a:r>
-            <a:r>
               <a:rPr lang="es-ES" i="1" dirty="0"/>
-              <a:t>h1&gt;</a:t>
+              <a:t>      &lt;h1&gt;Encabezado&lt;/h1&gt;</a:t>
             </a:r>
             <a:br>
               <a:rPr lang="es-ES" i="1" dirty="0"/>
             </a:br>
             <a:r>
-              <a:rPr lang="es-ES" i="1" dirty="0" smtClean="0"/>
-              <a:t>      &lt;p&gt;Esto es un párrafo.&lt;/</a:t>
-            </a:r>
-            <a:r>
               <a:rPr lang="es-ES" i="1" dirty="0"/>
-              <a:t>p&gt;</a:t>
+              <a:t>      &lt;p&gt;Esto es un párrafo.&lt;/p&gt;</a:t>
             </a:r>
             <a:br>
               <a:rPr lang="es-ES" i="1" dirty="0"/>
             </a:br>
-            <a:r>
-              <a:rPr lang="es-ES" i="1" dirty="0"/>
-              <a:t/>
-            </a:r>
             <a:br>
               <a:rPr lang="es-ES" i="1" dirty="0"/>
             </a:br>
             <a:r>
-              <a:rPr lang="es-ES" i="1" dirty="0" smtClean="0"/>
+              <a:rPr lang="es-ES" i="1" dirty="0"/>
               <a:t>    &lt;/</a:t>
             </a:r>
             <a:r>
@@ -30008,7 +29583,7 @@
               <a:rPr lang="es-ES" i="1" dirty="0"/>
             </a:br>
             <a:r>
-              <a:rPr lang="es-ES" i="1" dirty="0" smtClean="0"/>
+              <a:rPr lang="es-ES" i="1" dirty="0"/>
               <a:t>  &lt;/</a:t>
             </a:r>
             <a:r>

--- a/Presentaciones/Formación Desarrollo Web (CSS).pptx
+++ b/Presentaciones/Formación Desarrollo Web (CSS).pptx
@@ -23833,7 +23833,7 @@
             <p:ph idx="1"/>
             <p:extLst>
               <p:ext uri="{D42A27DB-BD31-4B8C-83A1-F6EECF244321}">
-                <p14:modId xmlns:p14="http://schemas.microsoft.com/office/powerpoint/2010/main" val="3966085935"/>
+                <p14:modId xmlns:p14="http://schemas.microsoft.com/office/powerpoint/2010/main" val="4251032731"/>
               </p:ext>
             </p:extLst>
           </p:nvPr>
@@ -24191,9 +24191,21 @@
                       </a:r>
                       <a:r>
                         <a:rPr lang="es-ES" i="1" baseline="0" dirty="0"/>
-                        <a:t>flor</a:t>
-                      </a:r>
-                      <a:endParaRPr lang="es-ES" i="1" dirty="0"/>
+                        <a:t>flor </a:t>
+                      </a:r>
+                      <a:r>
+                        <a:rPr lang="es-ES" i="0" baseline="0" dirty="0"/>
+                        <a:t>(</a:t>
+                      </a:r>
+                      <a:r>
+                        <a:rPr lang="es-ES" b="1" i="0" baseline="0" dirty="0"/>
+                        <a:t>separada del resto</a:t>
+                      </a:r>
+                      <a:r>
+                        <a:rPr lang="es-ES" i="0" baseline="0" dirty="0"/>
+                        <a:t>)</a:t>
+                      </a:r>
+                      <a:endParaRPr lang="es-ES" i="0" dirty="0"/>
                     </a:p>
                   </a:txBody>
                   <a:tcPr/>
